--- a/datamining/ch3/screening.pptx
+++ b/datamining/ch3/screening.pptx
@@ -27,8 +27,10 @@
     <p:sldId id="282" r:id="rId21"/>
     <p:sldId id="286" r:id="rId22"/>
     <p:sldId id="287" r:id="rId23"/>
-    <p:sldId id="288" r:id="rId24"/>
-    <p:sldId id="283" r:id="rId25"/>
+    <p:sldId id="289" r:id="rId24"/>
+    <p:sldId id="290" r:id="rId25"/>
+    <p:sldId id="288" r:id="rId26"/>
+    <p:sldId id="283" r:id="rId27"/>
   </p:sldIdLst>
   <p:sldSz cx="12192000" cy="6858000"/>
   <p:notesSz cx="6858000" cy="9144000"/>
@@ -4358,18 +4360,14 @@
           </a:r>
           <a:r>
             <a:rPr lang="zh-CN" altLang="en-US" dirty="0"/>
-            <a:t>因</a:t>
+            <a:t>因素（解释性研究，</a:t>
           </a:r>
           <a:r>
-            <a:rPr lang="zh-CN" altLang="en-US" dirty="0" smtClean="0"/>
-            <a:t>素（解释性研究，</a:t>
-          </a:r>
-          <a:r>
-            <a:rPr lang="en-US" altLang="zh-CN" dirty="0" smtClean="0"/>
+            <a:rPr lang="en-US" altLang="zh-CN" dirty="0"/>
             <a:t>logistic</a:t>
           </a:r>
           <a:r>
-            <a:rPr lang="zh-CN" altLang="en-US" dirty="0" smtClean="0"/>
+            <a:rPr lang="zh-CN" altLang="en-US" dirty="0"/>
             <a:t>模型）</a:t>
           </a:r>
           <a:endParaRPr lang="en-US" dirty="0"/>
@@ -4427,11 +4425,7 @@
           </a:r>
           <a:r>
             <a:rPr lang="zh-CN" dirty="0"/>
-            <a:t>）风险预测，住院患者再入院风险预测</a:t>
-          </a:r>
-          <a:r>
-            <a:rPr lang="zh-CN" dirty="0" smtClean="0"/>
-            <a:t>等</a:t>
+            <a:t>）风险预测，住院患者再入院风险预测等</a:t>
           </a:r>
           <a:endParaRPr lang="en-US" dirty="0"/>
         </a:p>
@@ -4467,7 +4461,7 @@
         <a:lstStyle/>
         <a:p>
           <a:r>
-            <a:rPr lang="zh-CN" altLang="en-US" u="sng" dirty="0" smtClean="0">
+            <a:rPr lang="zh-CN" altLang="en-US" u="sng" dirty="0">
               <a:solidFill>
                 <a:schemeClr val="accent1"/>
               </a:solidFill>
@@ -4475,7 +4469,7 @@
             <a:t>分类模型的评价</a:t>
           </a:r>
           <a:r>
-            <a:rPr lang="zh-CN" altLang="en-US" dirty="0" smtClean="0"/>
+            <a:rPr lang="zh-CN" altLang="en-US" dirty="0"/>
             <a:t>：正确分类比例？有无其它评价方式？</a:t>
           </a:r>
           <a:endParaRPr lang="en-US" dirty="0"/>
@@ -4513,13 +4507,6 @@
         </dgm:presLayoutVars>
       </dgm:prSet>
       <dgm:spPr/>
-      <dgm:t>
-        <a:bodyPr/>
-        <a:lstStyle/>
-        <a:p>
-          <a:endParaRPr lang="zh-CN" altLang="en-US"/>
-        </a:p>
-      </dgm:t>
     </dgm:pt>
     <dgm:pt modelId="{94F4B1B7-DB2D-4BC1-B7AE-13C9D4F9DCCE}" type="pres">
       <dgm:prSet presAssocID="{54D01C2E-205E-4869-8E93-E20A7660F4C3}" presName="thickLine" presStyleLbl="alignNode1" presStyleIdx="0" presStyleCnt="3"/>
@@ -4532,13 +4519,6 @@
     <dgm:pt modelId="{A4D5B0E5-9122-4F9C-BDD9-BCC30937DE9B}" type="pres">
       <dgm:prSet presAssocID="{54D01C2E-205E-4869-8E93-E20A7660F4C3}" presName="tx1" presStyleLbl="revTx" presStyleIdx="0" presStyleCnt="3"/>
       <dgm:spPr/>
-      <dgm:t>
-        <a:bodyPr/>
-        <a:lstStyle/>
-        <a:p>
-          <a:endParaRPr lang="zh-CN" altLang="en-US"/>
-        </a:p>
-      </dgm:t>
     </dgm:pt>
     <dgm:pt modelId="{FC391D77-8DB9-4F8B-BA9F-7E70C899BB0D}" type="pres">
       <dgm:prSet presAssocID="{54D01C2E-205E-4869-8E93-E20A7660F4C3}" presName="vert1" presStyleCnt="0"/>
@@ -4555,13 +4535,6 @@
     <dgm:pt modelId="{A676207B-DBEB-4789-994B-BD8EC53D80CA}" type="pres">
       <dgm:prSet presAssocID="{6D98A711-0FA6-4869-A79C-6FBFDDA1F929}" presName="tx1" presStyleLbl="revTx" presStyleIdx="1" presStyleCnt="3"/>
       <dgm:spPr/>
-      <dgm:t>
-        <a:bodyPr/>
-        <a:lstStyle/>
-        <a:p>
-          <a:endParaRPr lang="zh-CN" altLang="en-US"/>
-        </a:p>
-      </dgm:t>
     </dgm:pt>
     <dgm:pt modelId="{BE86C0CA-E415-4B2C-914B-2F33B50669E2}" type="pres">
       <dgm:prSet presAssocID="{6D98A711-0FA6-4869-A79C-6FBFDDA1F929}" presName="vert1" presStyleCnt="0"/>
@@ -4578,13 +4551,6 @@
     <dgm:pt modelId="{D0D549F2-90B2-4959-A105-735BDEEA2B22}" type="pres">
       <dgm:prSet presAssocID="{59BA4C3A-A5C7-40D3-ACD9-1D0001ABE472}" presName="tx1" presStyleLbl="revTx" presStyleIdx="2" presStyleCnt="3"/>
       <dgm:spPr/>
-      <dgm:t>
-        <a:bodyPr/>
-        <a:lstStyle/>
-        <a:p>
-          <a:endParaRPr lang="zh-CN" altLang="en-US"/>
-        </a:p>
-      </dgm:t>
     </dgm:pt>
     <dgm:pt modelId="{BAF5AB30-011E-445B-9D83-FF860A966537}" type="pres">
       <dgm:prSet presAssocID="{59BA4C3A-A5C7-40D3-ACD9-1D0001ABE472}" presName="vert1" presStyleCnt="0"/>
@@ -4592,13 +4558,13 @@
     </dgm:pt>
   </dgm:ptLst>
   <dgm:cxnLst>
+    <dgm:cxn modelId="{E8691E02-93FD-4C8D-B592-2A2F65A1E5D3}" type="presOf" srcId="{6D98A711-0FA6-4869-A79C-6FBFDDA1F929}" destId="{A676207B-DBEB-4789-994B-BD8EC53D80CA}" srcOrd="0" destOrd="0" presId="urn:microsoft.com/office/officeart/2008/layout/LinedList"/>
+    <dgm:cxn modelId="{B402BE41-5F69-48D7-8236-0A051904D87C}" srcId="{15B483CA-A7D0-41D4-9987-E07DB4DB2FC4}" destId="{6D98A711-0FA6-4869-A79C-6FBFDDA1F929}" srcOrd="1" destOrd="0" parTransId="{B46C86FA-D4E3-4673-8B98-AF7877199794}" sibTransId="{FDC321C9-0360-49DB-9A9F-B563893DF527}"/>
+    <dgm:cxn modelId="{C7E8A752-356B-4589-AE14-A6CCFC842BA6}" srcId="{15B483CA-A7D0-41D4-9987-E07DB4DB2FC4}" destId="{54D01C2E-205E-4869-8E93-E20A7660F4C3}" srcOrd="0" destOrd="0" parTransId="{1022B242-2D30-4008-AD87-19A5EE5C6AF7}" sibTransId="{3666BDB8-6F19-4E73-BFE0-F5D864270491}"/>
+    <dgm:cxn modelId="{7852C554-E256-439B-8E32-DA37BFFC1845}" type="presOf" srcId="{59BA4C3A-A5C7-40D3-ACD9-1D0001ABE472}" destId="{D0D549F2-90B2-4959-A105-735BDEEA2B22}" srcOrd="0" destOrd="0" presId="urn:microsoft.com/office/officeart/2008/layout/LinedList"/>
     <dgm:cxn modelId="{E9678D8C-02A6-4738-8B41-7A7EC22D92ED}" type="presOf" srcId="{15B483CA-A7D0-41D4-9987-E07DB4DB2FC4}" destId="{8F380D9D-A4E2-4880-9992-6CA0C771BBD0}" srcOrd="0" destOrd="0" presId="urn:microsoft.com/office/officeart/2008/layout/LinedList"/>
-    <dgm:cxn modelId="{C7E8A752-356B-4589-AE14-A6CCFC842BA6}" srcId="{15B483CA-A7D0-41D4-9987-E07DB4DB2FC4}" destId="{54D01C2E-205E-4869-8E93-E20A7660F4C3}" srcOrd="0" destOrd="0" parTransId="{1022B242-2D30-4008-AD87-19A5EE5C6AF7}" sibTransId="{3666BDB8-6F19-4E73-BFE0-F5D864270491}"/>
-    <dgm:cxn modelId="{B402BE41-5F69-48D7-8236-0A051904D87C}" srcId="{15B483CA-A7D0-41D4-9987-E07DB4DB2FC4}" destId="{6D98A711-0FA6-4869-A79C-6FBFDDA1F929}" srcOrd="1" destOrd="0" parTransId="{B46C86FA-D4E3-4673-8B98-AF7877199794}" sibTransId="{FDC321C9-0360-49DB-9A9F-B563893DF527}"/>
-    <dgm:cxn modelId="{7852C554-E256-439B-8E32-DA37BFFC1845}" type="presOf" srcId="{59BA4C3A-A5C7-40D3-ACD9-1D0001ABE472}" destId="{D0D549F2-90B2-4959-A105-735BDEEA2B22}" srcOrd="0" destOrd="0" presId="urn:microsoft.com/office/officeart/2008/layout/LinedList"/>
-    <dgm:cxn modelId="{E8691E02-93FD-4C8D-B592-2A2F65A1E5D3}" type="presOf" srcId="{6D98A711-0FA6-4869-A79C-6FBFDDA1F929}" destId="{A676207B-DBEB-4789-994B-BD8EC53D80CA}" srcOrd="0" destOrd="0" presId="urn:microsoft.com/office/officeart/2008/layout/LinedList"/>
+    <dgm:cxn modelId="{0DB439BF-E043-4507-BD4E-8670ED557B46}" type="presOf" srcId="{54D01C2E-205E-4869-8E93-E20A7660F4C3}" destId="{A4D5B0E5-9122-4F9C-BDD9-BCC30937DE9B}" srcOrd="0" destOrd="0" presId="urn:microsoft.com/office/officeart/2008/layout/LinedList"/>
     <dgm:cxn modelId="{4F26E3FC-C8F0-429A-90CA-C1FBFB0BF0A5}" srcId="{15B483CA-A7D0-41D4-9987-E07DB4DB2FC4}" destId="{59BA4C3A-A5C7-40D3-ACD9-1D0001ABE472}" srcOrd="2" destOrd="0" parTransId="{4FEFEF47-56BF-405B-84D9-262F90705038}" sibTransId="{0EF09B3F-CBA8-48E5-836A-1FF39005D040}"/>
-    <dgm:cxn modelId="{0DB439BF-E043-4507-BD4E-8670ED557B46}" type="presOf" srcId="{54D01C2E-205E-4869-8E93-E20A7660F4C3}" destId="{A4D5B0E5-9122-4F9C-BDD9-BCC30937DE9B}" srcOrd="0" destOrd="0" presId="urn:microsoft.com/office/officeart/2008/layout/LinedList"/>
     <dgm:cxn modelId="{3B303CBA-7B86-4A97-AB22-1115B0385D94}" type="presParOf" srcId="{8F380D9D-A4E2-4880-9992-6CA0C771BBD0}" destId="{94F4B1B7-DB2D-4BC1-B7AE-13C9D4F9DCCE}" srcOrd="0" destOrd="0" presId="urn:microsoft.com/office/officeart/2008/layout/LinedList"/>
     <dgm:cxn modelId="{3DE279E0-23D8-4E24-A8CA-ADF5AE11F979}" type="presParOf" srcId="{8F380D9D-A4E2-4880-9992-6CA0C771BBD0}" destId="{392AF9DB-EB3C-4F2F-9FB8-CB431A2F31BD}" srcOrd="1" destOrd="0" presId="urn:microsoft.com/office/officeart/2008/layout/LinedList"/>
     <dgm:cxn modelId="{5538AE10-F8C5-4290-A6CF-7FEF8E2E3E7A}" type="presParOf" srcId="{392AF9DB-EB3C-4F2F-9FB8-CB431A2F31BD}" destId="{A4D5B0E5-9122-4F9C-BDD9-BCC30937DE9B}" srcOrd="0" destOrd="0" presId="urn:microsoft.com/office/officeart/2008/layout/LinedList"/>
@@ -4644,32 +4610,28 @@
         <a:lstStyle/>
         <a:p>
           <a:r>
-            <a:rPr lang="zh-CN" altLang="en-US" dirty="0" smtClean="0"/>
+            <a:rPr lang="zh-CN" altLang="en-US" dirty="0"/>
             <a:t>二分类</a:t>
           </a:r>
           <a:r>
-            <a:rPr lang="zh-CN" dirty="0" smtClean="0"/>
+            <a:rPr lang="zh-CN" dirty="0"/>
             <a:t>模型</a:t>
           </a:r>
           <a:r>
-            <a:rPr lang="zh-CN" altLang="en-US" dirty="0" smtClean="0"/>
+            <a:rPr lang="zh-CN" altLang="en-US" dirty="0"/>
             <a:t>的</a:t>
           </a:r>
           <a:r>
-            <a:rPr lang="zh-CN" dirty="0" smtClean="0"/>
+            <a:rPr lang="zh-CN" dirty="0"/>
             <a:t>评价</a:t>
           </a:r>
           <a:r>
-            <a:rPr lang="zh-CN" altLang="en-US" dirty="0" smtClean="0"/>
+            <a:rPr lang="zh-CN" altLang="en-US" dirty="0"/>
             <a:t>，</a:t>
           </a:r>
           <a:r>
-            <a:rPr lang="zh-CN" dirty="0" smtClean="0"/>
-            <a:t>是</a:t>
-          </a:r>
-          <a:r>
             <a:rPr lang="zh-CN" dirty="0"/>
-            <a:t>否应随</a:t>
+            <a:t>是否应随</a:t>
           </a:r>
           <a:r>
             <a:rPr lang="zh-CN" dirty="0">
@@ -4717,20 +4679,8 @@
         <a:lstStyle/>
         <a:p>
           <a:r>
-            <a:rPr lang="zh-CN" dirty="0" smtClean="0"/>
-            <a:t>二</a:t>
-          </a:r>
-          <a:r>
             <a:rPr lang="zh-CN" dirty="0"/>
-            <a:t>分类模</a:t>
-          </a:r>
-          <a:r>
-            <a:rPr lang="zh-CN" dirty="0" smtClean="0"/>
-            <a:t>型应</a:t>
-          </a:r>
-          <a:r>
-            <a:rPr lang="zh-CN" dirty="0"/>
-            <a:t>如何在典型应用</a:t>
+            <a:t>二分类模型应如何在典型应用</a:t>
           </a:r>
           <a:r>
             <a:rPr lang="en-US" dirty="0"/>
@@ -4799,23 +4749,15 @@
           </a:r>
           <a:r>
             <a:rPr lang="zh-CN" dirty="0"/>
-            <a:t>时，应如何评</a:t>
+            <a:t>时，应如何评价</a:t>
           </a:r>
           <a:r>
-            <a:rPr lang="zh-CN" dirty="0" smtClean="0"/>
-            <a:t>价</a:t>
-          </a:r>
-          <a:r>
-            <a:rPr lang="zh-CN" altLang="en-US" dirty="0" smtClean="0"/>
+            <a:rPr lang="zh-CN" altLang="en-US" dirty="0"/>
             <a:t>二分类</a:t>
           </a:r>
           <a:r>
-            <a:rPr lang="zh-CN" dirty="0" smtClean="0"/>
-            <a:t>模</a:t>
-          </a:r>
-          <a:r>
             <a:rPr lang="zh-CN" dirty="0"/>
-            <a:t>型？</a:t>
+            <a:t>模型？</a:t>
           </a:r>
           <a:endParaRPr lang="en-US" dirty="0"/>
         </a:p>
@@ -4852,13 +4794,6 @@
         </dgm:presLayoutVars>
       </dgm:prSet>
       <dgm:spPr/>
-      <dgm:t>
-        <a:bodyPr/>
-        <a:lstStyle/>
-        <a:p>
-          <a:endParaRPr lang="zh-CN" altLang="en-US"/>
-        </a:p>
-      </dgm:t>
     </dgm:pt>
     <dgm:pt modelId="{05E7530C-C2E1-4E89-8C82-1F9EA4886696}" type="pres">
       <dgm:prSet presAssocID="{532ECA30-DCC0-4F5C-8A9E-F1B9F48A97AD}" presName="thickLine" presStyleLbl="alignNode1" presStyleIdx="0" presStyleCnt="3"/>
@@ -4871,13 +4806,6 @@
     <dgm:pt modelId="{D99132F6-4D4A-4936-9ACB-3173A8C981C3}" type="pres">
       <dgm:prSet presAssocID="{532ECA30-DCC0-4F5C-8A9E-F1B9F48A97AD}" presName="tx1" presStyleLbl="revTx" presStyleIdx="0" presStyleCnt="3"/>
       <dgm:spPr/>
-      <dgm:t>
-        <a:bodyPr/>
-        <a:lstStyle/>
-        <a:p>
-          <a:endParaRPr lang="zh-CN" altLang="en-US"/>
-        </a:p>
-      </dgm:t>
     </dgm:pt>
     <dgm:pt modelId="{D2B1F588-1AC6-4A14-A8BE-CE3EBC2BD844}" type="pres">
       <dgm:prSet presAssocID="{532ECA30-DCC0-4F5C-8A9E-F1B9F48A97AD}" presName="vert1" presStyleCnt="0"/>
@@ -4894,13 +4822,6 @@
     <dgm:pt modelId="{00A29B22-2890-4F4E-BDFA-507E7067E810}" type="pres">
       <dgm:prSet presAssocID="{39FE836F-FC5F-401A-A3F0-5EE206C1B151}" presName="tx1" presStyleLbl="revTx" presStyleIdx="1" presStyleCnt="3"/>
       <dgm:spPr/>
-      <dgm:t>
-        <a:bodyPr/>
-        <a:lstStyle/>
-        <a:p>
-          <a:endParaRPr lang="zh-CN" altLang="en-US"/>
-        </a:p>
-      </dgm:t>
     </dgm:pt>
     <dgm:pt modelId="{56707F27-74F9-405F-A670-712B0572E2F7}" type="pres">
       <dgm:prSet presAssocID="{39FE836F-FC5F-401A-A3F0-5EE206C1B151}" presName="vert1" presStyleCnt="0"/>
@@ -4917,13 +4838,6 @@
     <dgm:pt modelId="{F73C1810-14BB-453A-A9E8-B61BF13AB554}" type="pres">
       <dgm:prSet presAssocID="{E2F2173A-F54C-44BA-84BC-914587A5C5B4}" presName="tx1" presStyleLbl="revTx" presStyleIdx="2" presStyleCnt="3"/>
       <dgm:spPr/>
-      <dgm:t>
-        <a:bodyPr/>
-        <a:lstStyle/>
-        <a:p>
-          <a:endParaRPr lang="zh-CN" altLang="en-US"/>
-        </a:p>
-      </dgm:t>
     </dgm:pt>
     <dgm:pt modelId="{9475993A-CBAF-49EE-9F53-292A80F0AF4B}" type="pres">
       <dgm:prSet presAssocID="{E2F2173A-F54C-44BA-84BC-914587A5C5B4}" presName="vert1" presStyleCnt="0"/>
@@ -4931,13 +4845,13 @@
     </dgm:pt>
   </dgm:ptLst>
   <dgm:cxnLst>
+    <dgm:cxn modelId="{ECAF9366-0B6F-4951-8F57-C3A7C1E85C9C}" srcId="{D2FE9C51-DDAF-4627-AF2E-19CE546A3107}" destId="{39FE836F-FC5F-401A-A3F0-5EE206C1B151}" srcOrd="1" destOrd="0" parTransId="{775CE577-BB4C-45E3-9AF0-FF566B5C55F1}" sibTransId="{58F28FC0-B2AB-44E9-9D7C-6247148476C5}"/>
+    <dgm:cxn modelId="{40D1716E-9F60-4EBA-B0A8-B34919ACB955}" srcId="{D2FE9C51-DDAF-4627-AF2E-19CE546A3107}" destId="{532ECA30-DCC0-4F5C-8A9E-F1B9F48A97AD}" srcOrd="0" destOrd="0" parTransId="{F8D42D79-EAAF-4951-A809-4CE3D0DC0EBA}" sibTransId="{65033715-5783-4559-A335-5DB4892266EE}"/>
     <dgm:cxn modelId="{86F05E71-D962-410D-AFAD-9887A167E24C}" type="presOf" srcId="{39FE836F-FC5F-401A-A3F0-5EE206C1B151}" destId="{00A29B22-2890-4F4E-BDFA-507E7067E810}" srcOrd="0" destOrd="0" presId="urn:microsoft.com/office/officeart/2008/layout/LinedList"/>
     <dgm:cxn modelId="{1559DC72-0877-4AAA-B926-1CCC82507273}" type="presOf" srcId="{D2FE9C51-DDAF-4627-AF2E-19CE546A3107}" destId="{0E26C479-24C6-42A2-86B7-29D2A18C3322}" srcOrd="0" destOrd="0" presId="urn:microsoft.com/office/officeart/2008/layout/LinedList"/>
+    <dgm:cxn modelId="{8683F158-350C-43C5-810E-51D35E9100AC}" srcId="{D2FE9C51-DDAF-4627-AF2E-19CE546A3107}" destId="{E2F2173A-F54C-44BA-84BC-914587A5C5B4}" srcOrd="2" destOrd="0" parTransId="{1D4B8BC3-CAC3-4371-B82B-BEFD965DB0D7}" sibTransId="{5E2BD969-B358-4AE5-A952-5EBC7B5DF6B6}"/>
+    <dgm:cxn modelId="{9BA9A97A-D229-4147-96A5-DE34508710EA}" type="presOf" srcId="{E2F2173A-F54C-44BA-84BC-914587A5C5B4}" destId="{F73C1810-14BB-453A-A9E8-B61BF13AB554}" srcOrd="0" destOrd="0" presId="urn:microsoft.com/office/officeart/2008/layout/LinedList"/>
     <dgm:cxn modelId="{F5DDB1D4-FBA6-41EA-9FFA-33DED4AD61D4}" type="presOf" srcId="{532ECA30-DCC0-4F5C-8A9E-F1B9F48A97AD}" destId="{D99132F6-4D4A-4936-9ACB-3173A8C981C3}" srcOrd="0" destOrd="0" presId="urn:microsoft.com/office/officeart/2008/layout/LinedList"/>
-    <dgm:cxn modelId="{40D1716E-9F60-4EBA-B0A8-B34919ACB955}" srcId="{D2FE9C51-DDAF-4627-AF2E-19CE546A3107}" destId="{532ECA30-DCC0-4F5C-8A9E-F1B9F48A97AD}" srcOrd="0" destOrd="0" parTransId="{F8D42D79-EAAF-4951-A809-4CE3D0DC0EBA}" sibTransId="{65033715-5783-4559-A335-5DB4892266EE}"/>
-    <dgm:cxn modelId="{9BA9A97A-D229-4147-96A5-DE34508710EA}" type="presOf" srcId="{E2F2173A-F54C-44BA-84BC-914587A5C5B4}" destId="{F73C1810-14BB-453A-A9E8-B61BF13AB554}" srcOrd="0" destOrd="0" presId="urn:microsoft.com/office/officeart/2008/layout/LinedList"/>
-    <dgm:cxn modelId="{ECAF9366-0B6F-4951-8F57-C3A7C1E85C9C}" srcId="{D2FE9C51-DDAF-4627-AF2E-19CE546A3107}" destId="{39FE836F-FC5F-401A-A3F0-5EE206C1B151}" srcOrd="1" destOrd="0" parTransId="{775CE577-BB4C-45E3-9AF0-FF566B5C55F1}" sibTransId="{58F28FC0-B2AB-44E9-9D7C-6247148476C5}"/>
-    <dgm:cxn modelId="{8683F158-350C-43C5-810E-51D35E9100AC}" srcId="{D2FE9C51-DDAF-4627-AF2E-19CE546A3107}" destId="{E2F2173A-F54C-44BA-84BC-914587A5C5B4}" srcOrd="2" destOrd="0" parTransId="{1D4B8BC3-CAC3-4371-B82B-BEFD965DB0D7}" sibTransId="{5E2BD969-B358-4AE5-A952-5EBC7B5DF6B6}"/>
     <dgm:cxn modelId="{C880B1EC-3713-453A-8D55-E175103E22F3}" type="presParOf" srcId="{0E26C479-24C6-42A2-86B7-29D2A18C3322}" destId="{05E7530C-C2E1-4E89-8C82-1F9EA4886696}" srcOrd="0" destOrd="0" presId="urn:microsoft.com/office/officeart/2008/layout/LinedList"/>
     <dgm:cxn modelId="{3D9DD4B8-AF59-42F7-BD57-2CB40A71B7CB}" type="presParOf" srcId="{0E26C479-24C6-42A2-86B7-29D2A18C3322}" destId="{1657B953-2F8B-4591-BC93-ECA705CDC31B}" srcOrd="1" destOrd="0" presId="urn:microsoft.com/office/officeart/2008/layout/LinedList"/>
     <dgm:cxn modelId="{22200DE8-8E27-4439-A4DB-246388DCB79F}" type="presParOf" srcId="{1657B953-2F8B-4591-BC93-ECA705CDC31B}" destId="{D99132F6-4D4A-4936-9ACB-3173A8C981C3}" srcOrd="0" destOrd="0" presId="urn:microsoft.com/office/officeart/2008/layout/LinedList"/>
@@ -5064,23 +4978,15 @@
         <a:p>
           <a:r>
             <a:rPr lang="zh-CN" dirty="0"/>
-            <a:t>评</a:t>
+            <a:t>评价</a:t>
           </a:r>
           <a:r>
-            <a:rPr lang="zh-CN" dirty="0" smtClean="0"/>
-            <a:t>价</a:t>
-          </a:r>
-          <a:r>
-            <a:rPr lang="zh-CN" altLang="en-US" dirty="0" smtClean="0"/>
+            <a:rPr lang="zh-CN" altLang="en-US" dirty="0"/>
             <a:t>分类</a:t>
           </a:r>
           <a:r>
-            <a:rPr lang="zh-CN" dirty="0" smtClean="0"/>
-            <a:t>模</a:t>
-          </a:r>
-          <a:r>
             <a:rPr lang="zh-CN" dirty="0"/>
-            <a:t>型正确率的时候，需要考虑</a:t>
+            <a:t>模型正确率的时候，需要考虑</a:t>
           </a:r>
           <a:r>
             <a:rPr lang="zh-CN" dirty="0">
@@ -5128,13 +5034,6 @@
         </dgm:presLayoutVars>
       </dgm:prSet>
       <dgm:spPr/>
-      <dgm:t>
-        <a:bodyPr/>
-        <a:lstStyle/>
-        <a:p>
-          <a:endParaRPr lang="zh-CN" altLang="en-US"/>
-        </a:p>
-      </dgm:t>
     </dgm:pt>
     <dgm:pt modelId="{82751BC4-A2E6-466D-95FC-414BAAE0659A}" type="pres">
       <dgm:prSet presAssocID="{5B5025EE-62A4-471D-8FB0-0A24F86D2536}" presName="node" presStyleLbl="node1" presStyleIdx="0" presStyleCnt="3">
@@ -5143,13 +5042,6 @@
         </dgm:presLayoutVars>
       </dgm:prSet>
       <dgm:spPr/>
-      <dgm:t>
-        <a:bodyPr/>
-        <a:lstStyle/>
-        <a:p>
-          <a:endParaRPr lang="zh-CN" altLang="en-US"/>
-        </a:p>
-      </dgm:t>
     </dgm:pt>
     <dgm:pt modelId="{DAB86BF0-9150-4265-AF81-F6B672BFD7C3}" type="pres">
       <dgm:prSet presAssocID="{E5C920F9-F2CF-4C16-BE58-7B146EE844BF}" presName="sibTrans" presStyleCnt="0"/>
@@ -5162,13 +5054,6 @@
         </dgm:presLayoutVars>
       </dgm:prSet>
       <dgm:spPr/>
-      <dgm:t>
-        <a:bodyPr/>
-        <a:lstStyle/>
-        <a:p>
-          <a:endParaRPr lang="zh-CN" altLang="en-US"/>
-        </a:p>
-      </dgm:t>
     </dgm:pt>
     <dgm:pt modelId="{5474CCC6-3A78-4734-9701-781DFB0D4897}" type="pres">
       <dgm:prSet presAssocID="{E9EED182-8392-4356-BF2E-24D0F7A3F36E}" presName="sibTrans" presStyleCnt="0"/>
@@ -5181,23 +5066,16 @@
         </dgm:presLayoutVars>
       </dgm:prSet>
       <dgm:spPr/>
-      <dgm:t>
-        <a:bodyPr/>
-        <a:lstStyle/>
-        <a:p>
-          <a:endParaRPr lang="zh-CN" altLang="en-US"/>
-        </a:p>
-      </dgm:t>
     </dgm:pt>
   </dgm:ptLst>
   <dgm:cxnLst>
+    <dgm:cxn modelId="{4568005E-EEFE-4E97-9CD7-65D3EB046CC5}" type="presOf" srcId="{95056067-3DDF-4195-A2EB-0A2A31ED7AB9}" destId="{716ADE51-7427-471E-888B-667EC46A37C9}" srcOrd="0" destOrd="0" presId="urn:microsoft.com/office/officeart/2005/8/layout/default"/>
+    <dgm:cxn modelId="{20146B5F-FDE9-4822-83EC-07D4B4B3BA43}" srcId="{F62554AD-10D9-4369-A7FC-702F0D15924E}" destId="{95056067-3DDF-4195-A2EB-0A2A31ED7AB9}" srcOrd="1" destOrd="0" parTransId="{146E2AD3-1D14-4BFE-A0F5-CC2488190224}" sibTransId="{E9EED182-8392-4356-BF2E-24D0F7A3F36E}"/>
     <dgm:cxn modelId="{256B6191-BAE8-4503-B9A4-E244FB03E80F}" type="presOf" srcId="{F62554AD-10D9-4369-A7FC-702F0D15924E}" destId="{CB0EC1A0-52F8-43E7-A927-0ADF6739E8CF}" srcOrd="0" destOrd="0" presId="urn:microsoft.com/office/officeart/2005/8/layout/default"/>
-    <dgm:cxn modelId="{20146B5F-FDE9-4822-83EC-07D4B4B3BA43}" srcId="{F62554AD-10D9-4369-A7FC-702F0D15924E}" destId="{95056067-3DDF-4195-A2EB-0A2A31ED7AB9}" srcOrd="1" destOrd="0" parTransId="{146E2AD3-1D14-4BFE-A0F5-CC2488190224}" sibTransId="{E9EED182-8392-4356-BF2E-24D0F7A3F36E}"/>
+    <dgm:cxn modelId="{B3514999-0B26-41AA-8DE2-2F99BF2E0EBE}" srcId="{F62554AD-10D9-4369-A7FC-702F0D15924E}" destId="{5B5025EE-62A4-471D-8FB0-0A24F86D2536}" srcOrd="0" destOrd="0" parTransId="{3BB912D5-8948-44B8-AD42-29D0423E3CD7}" sibTransId="{E5C920F9-F2CF-4C16-BE58-7B146EE844BF}"/>
+    <dgm:cxn modelId="{1C40F6C8-C66A-4374-9C53-8B11488A26D1}" srcId="{F62554AD-10D9-4369-A7FC-702F0D15924E}" destId="{B43EDB74-335D-41C3-8962-E0623A8A8C56}" srcOrd="2" destOrd="0" parTransId="{485C9027-DD55-456C-ABF9-EFA4AAD0D739}" sibTransId="{ABF71071-F02A-4EBB-A169-1195500988EE}"/>
     <dgm:cxn modelId="{43E2E8F3-EB5A-43AB-A091-8B98B7B26F80}" type="presOf" srcId="{5B5025EE-62A4-471D-8FB0-0A24F86D2536}" destId="{82751BC4-A2E6-466D-95FC-414BAAE0659A}" srcOrd="0" destOrd="0" presId="urn:microsoft.com/office/officeart/2005/8/layout/default"/>
     <dgm:cxn modelId="{AFAC80F7-D29E-47BA-B636-44CDB2E91C2E}" type="presOf" srcId="{B43EDB74-335D-41C3-8962-E0623A8A8C56}" destId="{DA3469AA-294D-46D0-B777-35D5DC7BA71D}" srcOrd="0" destOrd="0" presId="urn:microsoft.com/office/officeart/2005/8/layout/default"/>
-    <dgm:cxn modelId="{4568005E-EEFE-4E97-9CD7-65D3EB046CC5}" type="presOf" srcId="{95056067-3DDF-4195-A2EB-0A2A31ED7AB9}" destId="{716ADE51-7427-471E-888B-667EC46A37C9}" srcOrd="0" destOrd="0" presId="urn:microsoft.com/office/officeart/2005/8/layout/default"/>
-    <dgm:cxn modelId="{B3514999-0B26-41AA-8DE2-2F99BF2E0EBE}" srcId="{F62554AD-10D9-4369-A7FC-702F0D15924E}" destId="{5B5025EE-62A4-471D-8FB0-0A24F86D2536}" srcOrd="0" destOrd="0" parTransId="{3BB912D5-8948-44B8-AD42-29D0423E3CD7}" sibTransId="{E5C920F9-F2CF-4C16-BE58-7B146EE844BF}"/>
-    <dgm:cxn modelId="{1C40F6C8-C66A-4374-9C53-8B11488A26D1}" srcId="{F62554AD-10D9-4369-A7FC-702F0D15924E}" destId="{B43EDB74-335D-41C3-8962-E0623A8A8C56}" srcOrd="2" destOrd="0" parTransId="{485C9027-DD55-456C-ABF9-EFA4AAD0D739}" sibTransId="{ABF71071-F02A-4EBB-A169-1195500988EE}"/>
     <dgm:cxn modelId="{0693152A-94A1-48D3-8055-F0C8446E578F}" type="presParOf" srcId="{CB0EC1A0-52F8-43E7-A927-0ADF6739E8CF}" destId="{82751BC4-A2E6-466D-95FC-414BAAE0659A}" srcOrd="0" destOrd="0" presId="urn:microsoft.com/office/officeart/2005/8/layout/default"/>
     <dgm:cxn modelId="{7A827E4F-419C-4C58-8FE2-F7770FA56FEB}" type="presParOf" srcId="{CB0EC1A0-52F8-43E7-A927-0ADF6739E8CF}" destId="{DAB86BF0-9150-4265-AF81-F6B672BFD7C3}" srcOrd="1" destOrd="0" presId="urn:microsoft.com/office/officeart/2005/8/layout/default"/>
     <dgm:cxn modelId="{FB77DAB7-98D9-403F-8060-BB3AB0189683}" type="presParOf" srcId="{CB0EC1A0-52F8-43E7-A927-0ADF6739E8CF}" destId="{716ADE51-7427-471E-888B-667EC46A37C9}" srcOrd="2" destOrd="0" presId="urn:microsoft.com/office/officeart/2005/8/layout/default"/>
@@ -5717,13 +5595,6 @@
         </dgm:presLayoutVars>
       </dgm:prSet>
       <dgm:spPr/>
-      <dgm:t>
-        <a:bodyPr/>
-        <a:lstStyle/>
-        <a:p>
-          <a:endParaRPr lang="zh-CN" altLang="en-US"/>
-        </a:p>
-      </dgm:t>
     </dgm:pt>
     <dgm:pt modelId="{1835B9CE-770E-4A6C-B151-08F03AFBC2AA}" type="pres">
       <dgm:prSet presAssocID="{700A769D-C595-4654-AFE2-B22546D30489}" presName="composite" presStyleCnt="0"/>
@@ -5738,13 +5609,6 @@
         </dgm:presLayoutVars>
       </dgm:prSet>
       <dgm:spPr/>
-      <dgm:t>
-        <a:bodyPr/>
-        <a:lstStyle/>
-        <a:p>
-          <a:endParaRPr lang="zh-CN" altLang="en-US"/>
-        </a:p>
-      </dgm:t>
     </dgm:pt>
     <dgm:pt modelId="{03192468-3430-4421-837F-8D9E463781D9}" type="pres">
       <dgm:prSet presAssocID="{700A769D-C595-4654-AFE2-B22546D30489}" presName="desTx" presStyleLbl="alignAccFollowNode1" presStyleIdx="0" presStyleCnt="2">
@@ -5753,13 +5617,6 @@
         </dgm:presLayoutVars>
       </dgm:prSet>
       <dgm:spPr/>
-      <dgm:t>
-        <a:bodyPr/>
-        <a:lstStyle/>
-        <a:p>
-          <a:endParaRPr lang="zh-CN" altLang="en-US"/>
-        </a:p>
-      </dgm:t>
     </dgm:pt>
     <dgm:pt modelId="{EC7B63E3-2533-407B-A736-3E9CF9F31F2C}" type="pres">
       <dgm:prSet presAssocID="{78E892AD-4E6F-47EC-85D1-C3BC2626FB16}" presName="space" presStyleCnt="0"/>
@@ -5778,13 +5635,6 @@
         </dgm:presLayoutVars>
       </dgm:prSet>
       <dgm:spPr/>
-      <dgm:t>
-        <a:bodyPr/>
-        <a:lstStyle/>
-        <a:p>
-          <a:endParaRPr lang="zh-CN" altLang="en-US"/>
-        </a:p>
-      </dgm:t>
     </dgm:pt>
     <dgm:pt modelId="{5971D56C-3268-42A6-91F0-F985651574A0}" type="pres">
       <dgm:prSet presAssocID="{5EED987D-C928-41F7-AB43-EE5A31A838B9}" presName="desTx" presStyleLbl="alignAccFollowNode1" presStyleIdx="1" presStyleCnt="2">
@@ -5793,37 +5643,30 @@
         </dgm:presLayoutVars>
       </dgm:prSet>
       <dgm:spPr/>
-      <dgm:t>
-        <a:bodyPr/>
-        <a:lstStyle/>
-        <a:p>
-          <a:endParaRPr lang="zh-CN" altLang="en-US"/>
-        </a:p>
-      </dgm:t>
     </dgm:pt>
   </dgm:ptLst>
   <dgm:cxnLst>
+    <dgm:cxn modelId="{E787D702-A43A-4BC2-8A87-EF3370259333}" srcId="{5EED987D-C928-41F7-AB43-EE5A31A838B9}" destId="{2E25730D-A7DC-4FEC-937D-17417A51044B}" srcOrd="0" destOrd="0" parTransId="{5B860FCF-3A38-49CB-9544-7DF56540D6BC}" sibTransId="{723346B3-8CC7-4C7B-A9F0-D29DE4A920B1}"/>
+    <dgm:cxn modelId="{45D64706-18EF-42C3-AD3B-A696B9D6125C}" srcId="{700A769D-C595-4654-AFE2-B22546D30489}" destId="{3B97A7A2-09CE-48FF-B1DE-8C4179BE6D0A}" srcOrd="1" destOrd="0" parTransId="{4BF25838-DCE8-4C54-A8F3-B37EE3BCDBCF}" sibTransId="{24C9BDAF-AE27-460A-90B1-77BE04619CD7}"/>
+    <dgm:cxn modelId="{231C1D27-AE26-469D-BD17-A8FA17E4E3D4}" type="presOf" srcId="{D30D08BB-1548-401E-9D7F-4A0CEFE4683A}" destId="{5971D56C-3268-42A6-91F0-F985651574A0}" srcOrd="0" destOrd="3" presId="urn:microsoft.com/office/officeart/2005/8/layout/hList1"/>
+    <dgm:cxn modelId="{180C9828-3E2A-4FCC-BBBA-1E77BB3512FB}" srcId="{5EED987D-C928-41F7-AB43-EE5A31A838B9}" destId="{A815B829-2195-4DD3-B2CE-68B7DE37DE13}" srcOrd="1" destOrd="0" parTransId="{3D2A5A5F-442E-4E77-82DB-EABBA36006B6}" sibTransId="{7D4280A5-90F5-4869-9725-F775B07B9552}"/>
+    <dgm:cxn modelId="{A590B52B-6AF8-42D3-8EA4-E197FD89FC84}" srcId="{5EED987D-C928-41F7-AB43-EE5A31A838B9}" destId="{D30D08BB-1548-401E-9D7F-4A0CEFE4683A}" srcOrd="3" destOrd="0" parTransId="{028EAA18-D3D8-4128-AEC7-48BA37450926}" sibTransId="{D41B39BA-690D-48C4-AF49-A4A49D4EC73F}"/>
+    <dgm:cxn modelId="{53C8B92F-F46C-4C77-A1DB-2DBCD9524289}" srcId="{C8332E5F-8B7C-480F-9C48-20D12A3EF4D1}" destId="{5EED987D-C928-41F7-AB43-EE5A31A838B9}" srcOrd="1" destOrd="0" parTransId="{873F0433-E59A-4EA7-9882-49D5F622AD97}" sibTransId="{3049509C-869D-4A61-A9ED-1DEE27077947}"/>
+    <dgm:cxn modelId="{4E7A9938-4EE4-4D29-9C12-FBDE68B40EF1}" srcId="{700A769D-C595-4654-AFE2-B22546D30489}" destId="{47EFB4E0-49AA-4CFC-8F20-69C09DB7EAE7}" srcOrd="0" destOrd="0" parTransId="{964555F6-ED66-441D-8931-2F4374BBF735}" sibTransId="{6E2882C7-3E7B-43B9-8959-A2C7108FEB12}"/>
+    <dgm:cxn modelId="{BAB81B5C-E96D-49A8-BC3A-34EED24515C6}" type="presOf" srcId="{56C59767-8412-4104-AD80-2270B4130DA3}" destId="{03192468-3430-4421-837F-8D9E463781D9}" srcOrd="0" destOrd="2" presId="urn:microsoft.com/office/officeart/2005/8/layout/hList1"/>
+    <dgm:cxn modelId="{4FC68847-246A-46BE-BF98-96637B4FAAFD}" type="presOf" srcId="{5EED987D-C928-41F7-AB43-EE5A31A838B9}" destId="{18CB3123-2D48-4645-90A5-E98FA10374E8}" srcOrd="0" destOrd="0" presId="urn:microsoft.com/office/officeart/2005/8/layout/hList1"/>
+    <dgm:cxn modelId="{6BBBE647-278E-4DC7-8EB9-1BA5EDE9C5DE}" type="presOf" srcId="{A815B829-2195-4DD3-B2CE-68B7DE37DE13}" destId="{5971D56C-3268-42A6-91F0-F985651574A0}" srcOrd="0" destOrd="1" presId="urn:microsoft.com/office/officeart/2005/8/layout/hList1"/>
+    <dgm:cxn modelId="{4E73A652-5ADB-48A9-813B-4E51B36DFD03}" type="presOf" srcId="{C8332E5F-8B7C-480F-9C48-20D12A3EF4D1}" destId="{67FFC3D3-3264-41F5-BE6B-0E9180DB784E}" srcOrd="0" destOrd="0" presId="urn:microsoft.com/office/officeart/2005/8/layout/hList1"/>
+    <dgm:cxn modelId="{55B38D81-FF59-4C21-800F-A2F2B62ABBB0}" srcId="{700A769D-C595-4654-AFE2-B22546D30489}" destId="{D4367A9B-A322-44C1-BA56-4ABBB7BA0068}" srcOrd="3" destOrd="0" parTransId="{82FA8FE2-4807-4846-84B5-F49F3E73549C}" sibTransId="{1C96B4A4-47E2-4C3C-B94F-54A29CC6990C}"/>
+    <dgm:cxn modelId="{A55F309B-CC11-411B-80B0-408D25FEB14F}" srcId="{700A769D-C595-4654-AFE2-B22546D30489}" destId="{56C59767-8412-4104-AD80-2270B4130DA3}" srcOrd="2" destOrd="0" parTransId="{682C3B66-66F1-431E-938B-E4BC4EAE451B}" sibTransId="{76B20BB1-D633-4D5C-9CF2-13C9CB4F4F8E}"/>
+    <dgm:cxn modelId="{94ACC5A3-1498-43C1-BBDD-5656567CE601}" type="presOf" srcId="{2E25730D-A7DC-4FEC-937D-17417A51044B}" destId="{5971D56C-3268-42A6-91F0-F985651574A0}" srcOrd="0" destOrd="0" presId="urn:microsoft.com/office/officeart/2005/8/layout/hList1"/>
+    <dgm:cxn modelId="{528916AA-6472-4587-8B2B-CAE497612F2A}" type="presOf" srcId="{700A769D-C595-4654-AFE2-B22546D30489}" destId="{BF914338-47AC-4B10-8C65-E8F01A4B7D92}" srcOrd="0" destOrd="0" presId="urn:microsoft.com/office/officeart/2005/8/layout/hList1"/>
+    <dgm:cxn modelId="{960B24AA-AF47-448C-AD94-347DB6B992F9}" type="presOf" srcId="{47EFB4E0-49AA-4CFC-8F20-69C09DB7EAE7}" destId="{03192468-3430-4421-837F-8D9E463781D9}" srcOrd="0" destOrd="0" presId="urn:microsoft.com/office/officeart/2005/8/layout/hList1"/>
+    <dgm:cxn modelId="{2C5F26AA-8F5B-4A26-8A1D-EB8460888C6E}" srcId="{C8332E5F-8B7C-480F-9C48-20D12A3EF4D1}" destId="{700A769D-C595-4654-AFE2-B22546D30489}" srcOrd="0" destOrd="0" parTransId="{9C5A0651-B4CC-4BB7-9996-D6468F82A6D9}" sibTransId="{78E892AD-4E6F-47EC-85D1-C3BC2626FB16}"/>
+    <dgm:cxn modelId="{BE3B27AA-D609-4D24-BD1A-E154B401D6C2}" srcId="{5EED987D-C928-41F7-AB43-EE5A31A838B9}" destId="{F1C39D4B-2AD3-4928-9FB9-BAE5CE2CCF03}" srcOrd="2" destOrd="0" parTransId="{B978C262-2F9A-4C87-8EFF-95872038AE6C}" sibTransId="{CF6413AF-34FE-4EFE-A850-73A70A9E72F4}"/>
+    <dgm:cxn modelId="{8BB958EF-F29E-4A3D-9475-28773B3110BF}" type="presOf" srcId="{D4367A9B-A322-44C1-BA56-4ABBB7BA0068}" destId="{03192468-3430-4421-837F-8D9E463781D9}" srcOrd="0" destOrd="3" presId="urn:microsoft.com/office/officeart/2005/8/layout/hList1"/>
     <dgm:cxn modelId="{A66F03F5-AF3A-4ECE-AEEB-75F4607E1E7E}" type="presOf" srcId="{3B97A7A2-09CE-48FF-B1DE-8C4179BE6D0A}" destId="{03192468-3430-4421-837F-8D9E463781D9}" srcOrd="0" destOrd="1" presId="urn:microsoft.com/office/officeart/2005/8/layout/hList1"/>
-    <dgm:cxn modelId="{4E7A9938-4EE4-4D29-9C12-FBDE68B40EF1}" srcId="{700A769D-C595-4654-AFE2-B22546D30489}" destId="{47EFB4E0-49AA-4CFC-8F20-69C09DB7EAE7}" srcOrd="0" destOrd="0" parTransId="{964555F6-ED66-441D-8931-2F4374BBF735}" sibTransId="{6E2882C7-3E7B-43B9-8959-A2C7108FEB12}"/>
-    <dgm:cxn modelId="{4FC68847-246A-46BE-BF98-96637B4FAAFD}" type="presOf" srcId="{5EED987D-C928-41F7-AB43-EE5A31A838B9}" destId="{18CB3123-2D48-4645-90A5-E98FA10374E8}" srcOrd="0" destOrd="0" presId="urn:microsoft.com/office/officeart/2005/8/layout/hList1"/>
     <dgm:cxn modelId="{33F18FF9-4732-4172-BD2D-84806C3B439C}" type="presOf" srcId="{F1C39D4B-2AD3-4928-9FB9-BAE5CE2CCF03}" destId="{5971D56C-3268-42A6-91F0-F985651574A0}" srcOrd="0" destOrd="2" presId="urn:microsoft.com/office/officeart/2005/8/layout/hList1"/>
-    <dgm:cxn modelId="{94ACC5A3-1498-43C1-BBDD-5656567CE601}" type="presOf" srcId="{2E25730D-A7DC-4FEC-937D-17417A51044B}" destId="{5971D56C-3268-42A6-91F0-F985651574A0}" srcOrd="0" destOrd="0" presId="urn:microsoft.com/office/officeart/2005/8/layout/hList1"/>
-    <dgm:cxn modelId="{BE3B27AA-D609-4D24-BD1A-E154B401D6C2}" srcId="{5EED987D-C928-41F7-AB43-EE5A31A838B9}" destId="{F1C39D4B-2AD3-4928-9FB9-BAE5CE2CCF03}" srcOrd="2" destOrd="0" parTransId="{B978C262-2F9A-4C87-8EFF-95872038AE6C}" sibTransId="{CF6413AF-34FE-4EFE-A850-73A70A9E72F4}"/>
-    <dgm:cxn modelId="{A590B52B-6AF8-42D3-8EA4-E197FD89FC84}" srcId="{5EED987D-C928-41F7-AB43-EE5A31A838B9}" destId="{D30D08BB-1548-401E-9D7F-4A0CEFE4683A}" srcOrd="3" destOrd="0" parTransId="{028EAA18-D3D8-4128-AEC7-48BA37450926}" sibTransId="{D41B39BA-690D-48C4-AF49-A4A49D4EC73F}"/>
-    <dgm:cxn modelId="{55B38D81-FF59-4C21-800F-A2F2B62ABBB0}" srcId="{700A769D-C595-4654-AFE2-B22546D30489}" destId="{D4367A9B-A322-44C1-BA56-4ABBB7BA0068}" srcOrd="3" destOrd="0" parTransId="{82FA8FE2-4807-4846-84B5-F49F3E73549C}" sibTransId="{1C96B4A4-47E2-4C3C-B94F-54A29CC6990C}"/>
-    <dgm:cxn modelId="{4E73A652-5ADB-48A9-813B-4E51B36DFD03}" type="presOf" srcId="{C8332E5F-8B7C-480F-9C48-20D12A3EF4D1}" destId="{67FFC3D3-3264-41F5-BE6B-0E9180DB784E}" srcOrd="0" destOrd="0" presId="urn:microsoft.com/office/officeart/2005/8/layout/hList1"/>
-    <dgm:cxn modelId="{BAB81B5C-E96D-49A8-BC3A-34EED24515C6}" type="presOf" srcId="{56C59767-8412-4104-AD80-2270B4130DA3}" destId="{03192468-3430-4421-837F-8D9E463781D9}" srcOrd="0" destOrd="2" presId="urn:microsoft.com/office/officeart/2005/8/layout/hList1"/>
-    <dgm:cxn modelId="{960B24AA-AF47-448C-AD94-347DB6B992F9}" type="presOf" srcId="{47EFB4E0-49AA-4CFC-8F20-69C09DB7EAE7}" destId="{03192468-3430-4421-837F-8D9E463781D9}" srcOrd="0" destOrd="0" presId="urn:microsoft.com/office/officeart/2005/8/layout/hList1"/>
-    <dgm:cxn modelId="{528916AA-6472-4587-8B2B-CAE497612F2A}" type="presOf" srcId="{700A769D-C595-4654-AFE2-B22546D30489}" destId="{BF914338-47AC-4B10-8C65-E8F01A4B7D92}" srcOrd="0" destOrd="0" presId="urn:microsoft.com/office/officeart/2005/8/layout/hList1"/>
-    <dgm:cxn modelId="{6BBBE647-278E-4DC7-8EB9-1BA5EDE9C5DE}" type="presOf" srcId="{A815B829-2195-4DD3-B2CE-68B7DE37DE13}" destId="{5971D56C-3268-42A6-91F0-F985651574A0}" srcOrd="0" destOrd="1" presId="urn:microsoft.com/office/officeart/2005/8/layout/hList1"/>
-    <dgm:cxn modelId="{180C9828-3E2A-4FCC-BBBA-1E77BB3512FB}" srcId="{5EED987D-C928-41F7-AB43-EE5A31A838B9}" destId="{A815B829-2195-4DD3-B2CE-68B7DE37DE13}" srcOrd="1" destOrd="0" parTransId="{3D2A5A5F-442E-4E77-82DB-EABBA36006B6}" sibTransId="{7D4280A5-90F5-4869-9725-F775B07B9552}"/>
-    <dgm:cxn modelId="{A55F309B-CC11-411B-80B0-408D25FEB14F}" srcId="{700A769D-C595-4654-AFE2-B22546D30489}" destId="{56C59767-8412-4104-AD80-2270B4130DA3}" srcOrd="2" destOrd="0" parTransId="{682C3B66-66F1-431E-938B-E4BC4EAE451B}" sibTransId="{76B20BB1-D633-4D5C-9CF2-13C9CB4F4F8E}"/>
-    <dgm:cxn modelId="{E787D702-A43A-4BC2-8A87-EF3370259333}" srcId="{5EED987D-C928-41F7-AB43-EE5A31A838B9}" destId="{2E25730D-A7DC-4FEC-937D-17417A51044B}" srcOrd="0" destOrd="0" parTransId="{5B860FCF-3A38-49CB-9544-7DF56540D6BC}" sibTransId="{723346B3-8CC7-4C7B-A9F0-D29DE4A920B1}"/>
-    <dgm:cxn modelId="{53C8B92F-F46C-4C77-A1DB-2DBCD9524289}" srcId="{C8332E5F-8B7C-480F-9C48-20D12A3EF4D1}" destId="{5EED987D-C928-41F7-AB43-EE5A31A838B9}" srcOrd="1" destOrd="0" parTransId="{873F0433-E59A-4EA7-9882-49D5F622AD97}" sibTransId="{3049509C-869D-4A61-A9ED-1DEE27077947}"/>
-    <dgm:cxn modelId="{231C1D27-AE26-469D-BD17-A8FA17E4E3D4}" type="presOf" srcId="{D30D08BB-1548-401E-9D7F-4A0CEFE4683A}" destId="{5971D56C-3268-42A6-91F0-F985651574A0}" srcOrd="0" destOrd="3" presId="urn:microsoft.com/office/officeart/2005/8/layout/hList1"/>
-    <dgm:cxn modelId="{8BB958EF-F29E-4A3D-9475-28773B3110BF}" type="presOf" srcId="{D4367A9B-A322-44C1-BA56-4ABBB7BA0068}" destId="{03192468-3430-4421-837F-8D9E463781D9}" srcOrd="0" destOrd="3" presId="urn:microsoft.com/office/officeart/2005/8/layout/hList1"/>
-    <dgm:cxn modelId="{2C5F26AA-8F5B-4A26-8A1D-EB8460888C6E}" srcId="{C8332E5F-8B7C-480F-9C48-20D12A3EF4D1}" destId="{700A769D-C595-4654-AFE2-B22546D30489}" srcOrd="0" destOrd="0" parTransId="{9C5A0651-B4CC-4BB7-9996-D6468F82A6D9}" sibTransId="{78E892AD-4E6F-47EC-85D1-C3BC2626FB16}"/>
-    <dgm:cxn modelId="{45D64706-18EF-42C3-AD3B-A696B9D6125C}" srcId="{700A769D-C595-4654-AFE2-B22546D30489}" destId="{3B97A7A2-09CE-48FF-B1DE-8C4179BE6D0A}" srcOrd="1" destOrd="0" parTransId="{4BF25838-DCE8-4C54-A8F3-B37EE3BCDBCF}" sibTransId="{24C9BDAF-AE27-460A-90B1-77BE04619CD7}"/>
     <dgm:cxn modelId="{D546DE89-126D-4C0F-88D3-1D88366519A9}" type="presParOf" srcId="{67FFC3D3-3264-41F5-BE6B-0E9180DB784E}" destId="{1835B9CE-770E-4A6C-B151-08F03AFBC2AA}" srcOrd="0" destOrd="0" presId="urn:microsoft.com/office/officeart/2005/8/layout/hList1"/>
     <dgm:cxn modelId="{E4F519FC-E255-4CC2-A45C-4BFB51DB2069}" type="presParOf" srcId="{1835B9CE-770E-4A6C-B151-08F03AFBC2AA}" destId="{BF914338-47AC-4B10-8C65-E8F01A4B7D92}" srcOrd="0" destOrd="0" presId="urn:microsoft.com/office/officeart/2005/8/layout/hList1"/>
     <dgm:cxn modelId="{3B6B7285-0DF1-46B3-936C-5D4E558CE067}" type="presParOf" srcId="{1835B9CE-770E-4A6C-B151-08F03AFBC2AA}" destId="{03192468-3430-4421-837F-8D9E463781D9}" srcOrd="1" destOrd="0" presId="urn:microsoft.com/office/officeart/2005/8/layout/hList1"/>
@@ -5868,16 +5711,12 @@
             <a:t>1. </a:t>
           </a:r>
           <a:r>
-            <a:rPr lang="zh-CN" altLang="en-US" dirty="0" smtClean="0"/>
+            <a:rPr lang="zh-CN" altLang="en-US" dirty="0"/>
             <a:t>分类</a:t>
           </a:r>
           <a:r>
-            <a:rPr lang="zh-CN" dirty="0" smtClean="0"/>
-            <a:t>模</a:t>
-          </a:r>
-          <a:r>
             <a:rPr lang="zh-CN" dirty="0"/>
-            <a:t>型的评价和选择应视</a:t>
+            <a:t>模型的评价和选择应视</a:t>
           </a:r>
           <a:r>
             <a:rPr lang="zh-CN" altLang="en-US" dirty="0">
@@ -5934,23 +5773,15 @@
           </a:r>
           <a:r>
             <a:rPr lang="zh-CN" dirty="0"/>
-            <a:t>评</a:t>
+            <a:t>评估</a:t>
           </a:r>
           <a:r>
-            <a:rPr lang="zh-CN" dirty="0" smtClean="0"/>
-            <a:t>估</a:t>
-          </a:r>
-          <a:r>
-            <a:rPr lang="zh-CN" altLang="en-US" dirty="0" smtClean="0"/>
+            <a:rPr lang="zh-CN" altLang="en-US" dirty="0"/>
             <a:t>分类</a:t>
           </a:r>
           <a:r>
-            <a:rPr lang="zh-CN" dirty="0" smtClean="0"/>
-            <a:t>模</a:t>
-          </a:r>
-          <a:r>
             <a:rPr lang="zh-CN" dirty="0"/>
-            <a:t>型的</a:t>
+            <a:t>模型的</a:t>
           </a:r>
           <a:r>
             <a:rPr lang="zh-CN" dirty="0">
@@ -6051,11 +5882,11 @@
         <a:lstStyle/>
         <a:p>
           <a:r>
-            <a:rPr lang="en-US" dirty="0" smtClean="0"/>
+            <a:rPr lang="en-US" dirty="0"/>
             <a:t>4. </a:t>
           </a:r>
           <a:r>
-            <a:rPr lang="en-US" dirty="0" smtClean="0">
+            <a:rPr lang="en-US" dirty="0">
               <a:solidFill>
                 <a:srgbClr val="FF0000"/>
               </a:solidFill>
@@ -6063,7 +5894,7 @@
             <a:t>ROC</a:t>
           </a:r>
           <a:r>
-            <a:rPr lang="zh-CN" altLang="en-US" dirty="0" smtClean="0">
+            <a:rPr lang="zh-CN" altLang="en-US" dirty="0">
               <a:solidFill>
                 <a:srgbClr val="FF0000"/>
               </a:solidFill>
@@ -6071,15 +5902,15 @@
             <a:t>曲线</a:t>
           </a:r>
           <a:r>
-            <a:rPr lang="zh-CN" altLang="en-US" dirty="0" smtClean="0"/>
+            <a:rPr lang="zh-CN" altLang="en-US" dirty="0"/>
             <a:t>和</a:t>
           </a:r>
           <a:r>
-            <a:rPr lang="en-US" altLang="zh-CN" dirty="0" smtClean="0"/>
+            <a:rPr lang="en-US" altLang="zh-CN" dirty="0"/>
             <a:t>AUC</a:t>
           </a:r>
           <a:r>
-            <a:rPr lang="zh-CN" altLang="en-US" dirty="0" smtClean="0"/>
+            <a:rPr lang="zh-CN" altLang="en-US" dirty="0"/>
             <a:t>用于评价分类模型</a:t>
           </a:r>
           <a:endParaRPr lang="en-US" dirty="0"/>
@@ -6117,13 +5948,6 @@
         </dgm:presLayoutVars>
       </dgm:prSet>
       <dgm:spPr/>
-      <dgm:t>
-        <a:bodyPr/>
-        <a:lstStyle/>
-        <a:p>
-          <a:endParaRPr lang="zh-CN" altLang="en-US"/>
-        </a:p>
-      </dgm:t>
     </dgm:pt>
     <dgm:pt modelId="{F680AE2F-67C4-49F0-90C2-114171B5326F}" type="pres">
       <dgm:prSet presAssocID="{236F6443-8A11-4608-BDE5-834CFEAC03E9}" presName="thickLine" presStyleLbl="alignNode1" presStyleIdx="0" presStyleCnt="4"/>
@@ -6136,13 +5960,6 @@
     <dgm:pt modelId="{4CCE1962-CFD0-4909-8091-07AA1077E5B2}" type="pres">
       <dgm:prSet presAssocID="{236F6443-8A11-4608-BDE5-834CFEAC03E9}" presName="tx1" presStyleLbl="revTx" presStyleIdx="0" presStyleCnt="4"/>
       <dgm:spPr/>
-      <dgm:t>
-        <a:bodyPr/>
-        <a:lstStyle/>
-        <a:p>
-          <a:endParaRPr lang="zh-CN" altLang="en-US"/>
-        </a:p>
-      </dgm:t>
     </dgm:pt>
     <dgm:pt modelId="{9A37C4D3-72C6-4EDC-8A10-A4E7EE3E2676}" type="pres">
       <dgm:prSet presAssocID="{236F6443-8A11-4608-BDE5-834CFEAC03E9}" presName="vert1" presStyleCnt="0"/>
@@ -6159,13 +5976,6 @@
     <dgm:pt modelId="{1F3D16B4-C2A6-4B87-9A70-24385BBBA6E9}" type="pres">
       <dgm:prSet presAssocID="{B8345757-E177-4A5D-B149-0D0279526986}" presName="tx1" presStyleLbl="revTx" presStyleIdx="1" presStyleCnt="4"/>
       <dgm:spPr/>
-      <dgm:t>
-        <a:bodyPr/>
-        <a:lstStyle/>
-        <a:p>
-          <a:endParaRPr lang="zh-CN" altLang="en-US"/>
-        </a:p>
-      </dgm:t>
     </dgm:pt>
     <dgm:pt modelId="{D5AFF4C9-F93B-48EC-8C9E-4F105AD77ECF}" type="pres">
       <dgm:prSet presAssocID="{B8345757-E177-4A5D-B149-0D0279526986}" presName="vert1" presStyleCnt="0"/>
@@ -6182,13 +5992,6 @@
     <dgm:pt modelId="{0E1CEA97-BEAE-44E5-A34A-4D6FB7981643}" type="pres">
       <dgm:prSet presAssocID="{74830266-4E21-4B05-997D-7B3B7212F9A9}" presName="tx1" presStyleLbl="revTx" presStyleIdx="2" presStyleCnt="4"/>
       <dgm:spPr/>
-      <dgm:t>
-        <a:bodyPr/>
-        <a:lstStyle/>
-        <a:p>
-          <a:endParaRPr lang="zh-CN" altLang="en-US"/>
-        </a:p>
-      </dgm:t>
     </dgm:pt>
     <dgm:pt modelId="{5073E829-5A3D-4E15-9192-7F2802416161}" type="pres">
       <dgm:prSet presAssocID="{74830266-4E21-4B05-997D-7B3B7212F9A9}" presName="vert1" presStyleCnt="0"/>
@@ -6205,13 +6008,6 @@
     <dgm:pt modelId="{46AB87B7-0574-4D54-9667-4F94A4F2074D}" type="pres">
       <dgm:prSet presAssocID="{DCC01403-9F05-493F-BC9D-AAF5518124B4}" presName="tx1" presStyleLbl="revTx" presStyleIdx="3" presStyleCnt="4"/>
       <dgm:spPr/>
-      <dgm:t>
-        <a:bodyPr/>
-        <a:lstStyle/>
-        <a:p>
-          <a:endParaRPr lang="zh-CN" altLang="en-US"/>
-        </a:p>
-      </dgm:t>
     </dgm:pt>
     <dgm:pt modelId="{F3EC9C39-4CE5-44AA-8E0B-FCE8791775F2}" type="pres">
       <dgm:prSet presAssocID="{DCC01403-9F05-493F-BC9D-AAF5518124B4}" presName="vert1" presStyleCnt="0"/>
@@ -6219,15 +6015,15 @@
     </dgm:pt>
   </dgm:ptLst>
   <dgm:cxnLst>
-    <dgm:cxn modelId="{85947FC8-1A98-4509-B634-6B0E9C7CEC64}" type="presOf" srcId="{74830266-4E21-4B05-997D-7B3B7212F9A9}" destId="{0E1CEA97-BEAE-44E5-A34A-4D6FB7981643}" srcOrd="0" destOrd="0" presId="urn:microsoft.com/office/officeart/2008/layout/LinedList"/>
+    <dgm:cxn modelId="{CE25CE03-2503-4344-885F-5F9196224DD2}" srcId="{DF8F85B2-1522-4988-A1D5-67069AA5D20E}" destId="{236F6443-8A11-4608-BDE5-834CFEAC03E9}" srcOrd="0" destOrd="0" parTransId="{18951CCC-C807-4875-B5E3-A10E5889C9D8}" sibTransId="{DE0141A5-A29D-4BF8-8BBA-43FCCBDB96F5}"/>
+    <dgm:cxn modelId="{9413071F-1C53-459B-89ED-5D3E03ED8E70}" type="presOf" srcId="{DCC01403-9F05-493F-BC9D-AAF5518124B4}" destId="{46AB87B7-0574-4D54-9667-4F94A4F2074D}" srcOrd="0" destOrd="0" presId="urn:microsoft.com/office/officeart/2008/layout/LinedList"/>
+    <dgm:cxn modelId="{7B343132-77AA-429D-ACD3-B2B301F7FA27}" type="presOf" srcId="{236F6443-8A11-4608-BDE5-834CFEAC03E9}" destId="{4CCE1962-CFD0-4909-8091-07AA1077E5B2}" srcOrd="0" destOrd="0" presId="urn:microsoft.com/office/officeart/2008/layout/LinedList"/>
+    <dgm:cxn modelId="{70C74138-5E42-472C-AA92-15DDDB8078B5}" srcId="{DF8F85B2-1522-4988-A1D5-67069AA5D20E}" destId="{74830266-4E21-4B05-997D-7B3B7212F9A9}" srcOrd="2" destOrd="0" parTransId="{7A757385-1C47-4AFD-81E7-2EDE655447A7}" sibTransId="{531346A3-FDE5-4FD1-8775-D658B3E3161A}"/>
     <dgm:cxn modelId="{66E8FE53-7F7A-4166-BE44-63A2B0029444}" srcId="{DF8F85B2-1522-4988-A1D5-67069AA5D20E}" destId="{B8345757-E177-4A5D-B149-0D0279526986}" srcOrd="1" destOrd="0" parTransId="{C774339D-6B68-41AB-86E2-229AFC9FBC17}" sibTransId="{F281F9BE-F470-4D7D-A319-132F04093FA7}"/>
     <dgm:cxn modelId="{2A328D7C-208A-4907-8DAB-6D4088B7E42E}" srcId="{DF8F85B2-1522-4988-A1D5-67069AA5D20E}" destId="{DCC01403-9F05-493F-BC9D-AAF5518124B4}" srcOrd="3" destOrd="0" parTransId="{6651C4B1-FF26-4064-A561-5292BF20C1A6}" sibTransId="{F9E915D6-68B6-43B6-B85D-784935C5A7C5}"/>
-    <dgm:cxn modelId="{CE25CE03-2503-4344-885F-5F9196224DD2}" srcId="{DF8F85B2-1522-4988-A1D5-67069AA5D20E}" destId="{236F6443-8A11-4608-BDE5-834CFEAC03E9}" srcOrd="0" destOrd="0" parTransId="{18951CCC-C807-4875-B5E3-A10E5889C9D8}" sibTransId="{DE0141A5-A29D-4BF8-8BBA-43FCCBDB96F5}"/>
+    <dgm:cxn modelId="{7C7D19AB-6840-4C51-A731-088413B97981}" type="presOf" srcId="{B8345757-E177-4A5D-B149-0D0279526986}" destId="{1F3D16B4-C2A6-4B87-9A70-24385BBBA6E9}" srcOrd="0" destOrd="0" presId="urn:microsoft.com/office/officeart/2008/layout/LinedList"/>
     <dgm:cxn modelId="{88BAB7C4-5F55-4837-9547-7042318CB8E4}" type="presOf" srcId="{DF8F85B2-1522-4988-A1D5-67069AA5D20E}" destId="{2C585B32-4B0F-4832-B1FE-4622E82DD088}" srcOrd="0" destOrd="0" presId="urn:microsoft.com/office/officeart/2008/layout/LinedList"/>
-    <dgm:cxn modelId="{7B343132-77AA-429D-ACD3-B2B301F7FA27}" type="presOf" srcId="{236F6443-8A11-4608-BDE5-834CFEAC03E9}" destId="{4CCE1962-CFD0-4909-8091-07AA1077E5B2}" srcOrd="0" destOrd="0" presId="urn:microsoft.com/office/officeart/2008/layout/LinedList"/>
-    <dgm:cxn modelId="{7C7D19AB-6840-4C51-A731-088413B97981}" type="presOf" srcId="{B8345757-E177-4A5D-B149-0D0279526986}" destId="{1F3D16B4-C2A6-4B87-9A70-24385BBBA6E9}" srcOrd="0" destOrd="0" presId="urn:microsoft.com/office/officeart/2008/layout/LinedList"/>
-    <dgm:cxn modelId="{70C74138-5E42-472C-AA92-15DDDB8078B5}" srcId="{DF8F85B2-1522-4988-A1D5-67069AA5D20E}" destId="{74830266-4E21-4B05-997D-7B3B7212F9A9}" srcOrd="2" destOrd="0" parTransId="{7A757385-1C47-4AFD-81E7-2EDE655447A7}" sibTransId="{531346A3-FDE5-4FD1-8775-D658B3E3161A}"/>
-    <dgm:cxn modelId="{9413071F-1C53-459B-89ED-5D3E03ED8E70}" type="presOf" srcId="{DCC01403-9F05-493F-BC9D-AAF5518124B4}" destId="{46AB87B7-0574-4D54-9667-4F94A4F2074D}" srcOrd="0" destOrd="0" presId="urn:microsoft.com/office/officeart/2008/layout/LinedList"/>
+    <dgm:cxn modelId="{85947FC8-1A98-4509-B634-6B0E9C7CEC64}" type="presOf" srcId="{74830266-4E21-4B05-997D-7B3B7212F9A9}" destId="{0E1CEA97-BEAE-44E5-A34A-4D6FB7981643}" srcOrd="0" destOrd="0" presId="urn:microsoft.com/office/officeart/2008/layout/LinedList"/>
     <dgm:cxn modelId="{46751A87-C6AE-4D76-9814-806AF2518E8D}" type="presParOf" srcId="{2C585B32-4B0F-4832-B1FE-4622E82DD088}" destId="{F680AE2F-67C4-49F0-90C2-114171B5326F}" srcOrd="0" destOrd="0" presId="urn:microsoft.com/office/officeart/2008/layout/LinedList"/>
     <dgm:cxn modelId="{F513B602-388B-484F-B71F-135EFE4B6A5D}" type="presParOf" srcId="{2C585B32-4B0F-4832-B1FE-4622E82DD088}" destId="{8CF88E88-04D1-40D7-9575-43AD782D63DF}" srcOrd="1" destOrd="0" presId="urn:microsoft.com/office/officeart/2008/layout/LinedList"/>
     <dgm:cxn modelId="{868A134F-9C7E-4017-A234-816D83CB2871}" type="presParOf" srcId="{8CF88E88-04D1-40D7-9575-43AD782D63DF}" destId="{4CCE1962-CFD0-4909-8091-07AA1077E5B2}" srcOrd="0" destOrd="0" presId="urn:microsoft.com/office/officeart/2008/layout/LinedList"/>
@@ -6350,7 +6146,7 @@
         </a:bodyPr>
         <a:lstStyle/>
         <a:p>
-          <a:pPr lvl="0" algn="l" defTabSz="1289050">
+          <a:pPr marL="0" lvl="0" indent="0" algn="l" defTabSz="1289050">
             <a:lnSpc>
               <a:spcPct val="90000"/>
             </a:lnSpc>
@@ -6360,6 +6156,7 @@
             <a:spcAft>
               <a:spcPct val="35000"/>
             </a:spcAft>
+            <a:buNone/>
           </a:pPr>
           <a:r>
             <a:rPr lang="zh-CN" altLang="en-US" sz="2900" u="sng" kern="1200" dirty="0">
@@ -6379,18 +6176,14 @@
           </a:r>
           <a:r>
             <a:rPr lang="zh-CN" altLang="en-US" sz="2900" kern="1200" dirty="0"/>
-            <a:t>因</a:t>
+            <a:t>因素（解释性研究，</a:t>
           </a:r>
           <a:r>
-            <a:rPr lang="zh-CN" altLang="en-US" sz="2900" kern="1200" dirty="0" smtClean="0"/>
-            <a:t>素（解释性研究，</a:t>
-          </a:r>
-          <a:r>
-            <a:rPr lang="en-US" altLang="zh-CN" sz="2900" kern="1200" dirty="0" smtClean="0"/>
+            <a:rPr lang="en-US" altLang="zh-CN" sz="2900" kern="1200" dirty="0"/>
             <a:t>logistic</a:t>
           </a:r>
           <a:r>
-            <a:rPr lang="zh-CN" altLang="en-US" sz="2900" kern="1200" dirty="0" smtClean="0"/>
+            <a:rPr lang="zh-CN" altLang="en-US" sz="2900" kern="1200" dirty="0"/>
             <a:t>模型）</a:t>
           </a:r>
           <a:endParaRPr lang="en-US" sz="2900" kern="1200" dirty="0"/>
@@ -6488,7 +6281,7 @@
         </a:bodyPr>
         <a:lstStyle/>
         <a:p>
-          <a:pPr lvl="0" algn="l" defTabSz="1289050">
+          <a:pPr marL="0" lvl="0" indent="0" algn="l" defTabSz="1289050">
             <a:lnSpc>
               <a:spcPct val="90000"/>
             </a:lnSpc>
@@ -6498,6 +6291,7 @@
             <a:spcAft>
               <a:spcPct val="35000"/>
             </a:spcAft>
+            <a:buNone/>
           </a:pPr>
           <a:r>
             <a:rPr lang="zh-CN" altLang="en-US" sz="2900" u="sng" kern="1200" dirty="0">
@@ -6521,11 +6315,7 @@
           </a:r>
           <a:r>
             <a:rPr lang="zh-CN" sz="2900" kern="1200" dirty="0"/>
-            <a:t>）风险预测，住院患者再入院风险预测</a:t>
-          </a:r>
-          <a:r>
-            <a:rPr lang="zh-CN" sz="2900" kern="1200" dirty="0" smtClean="0"/>
-            <a:t>等</a:t>
+            <a:t>）风险预测，住院患者再入院风险预测等</a:t>
           </a:r>
           <a:endParaRPr lang="en-US" sz="2900" kern="1200" dirty="0"/>
         </a:p>
@@ -6622,7 +6412,7 @@
         </a:bodyPr>
         <a:lstStyle/>
         <a:p>
-          <a:pPr lvl="0" algn="l" defTabSz="1289050">
+          <a:pPr marL="0" lvl="0" indent="0" algn="l" defTabSz="1289050">
             <a:lnSpc>
               <a:spcPct val="90000"/>
             </a:lnSpc>
@@ -6632,9 +6422,10 @@
             <a:spcAft>
               <a:spcPct val="35000"/>
             </a:spcAft>
+            <a:buNone/>
           </a:pPr>
           <a:r>
-            <a:rPr lang="zh-CN" altLang="en-US" sz="2900" u="sng" kern="1200" dirty="0" smtClean="0">
+            <a:rPr lang="zh-CN" altLang="en-US" sz="2900" u="sng" kern="1200" dirty="0">
               <a:solidFill>
                 <a:schemeClr val="accent1"/>
               </a:solidFill>
@@ -6642,7 +6433,7 @@
             <a:t>分类模型的评价</a:t>
           </a:r>
           <a:r>
-            <a:rPr lang="zh-CN" altLang="en-US" sz="2900" kern="1200" dirty="0" smtClean="0"/>
+            <a:rPr lang="zh-CN" altLang="en-US" sz="2900" kern="1200" dirty="0"/>
             <a:t>：正确分类比例？有无其它评价方式？</a:t>
           </a:r>
           <a:endParaRPr lang="en-US" sz="2900" kern="1200" dirty="0"/>
@@ -6752,7 +6543,7 @@
         </a:bodyPr>
         <a:lstStyle/>
         <a:p>
-          <a:pPr lvl="0" algn="l" defTabSz="1377950">
+          <a:pPr marL="0" lvl="0" indent="0" algn="l" defTabSz="1377950">
             <a:lnSpc>
               <a:spcPct val="90000"/>
             </a:lnSpc>
@@ -6762,34 +6553,31 @@
             <a:spcAft>
               <a:spcPct val="35000"/>
             </a:spcAft>
+            <a:buNone/>
           </a:pPr>
           <a:r>
-            <a:rPr lang="zh-CN" altLang="en-US" sz="3100" kern="1200" dirty="0" smtClean="0"/>
+            <a:rPr lang="zh-CN" altLang="en-US" sz="3100" kern="1200" dirty="0"/>
             <a:t>二分类</a:t>
           </a:r>
           <a:r>
-            <a:rPr lang="zh-CN" sz="3100" kern="1200" dirty="0" smtClean="0"/>
+            <a:rPr lang="zh-CN" sz="3100" kern="1200" dirty="0"/>
             <a:t>模型</a:t>
           </a:r>
           <a:r>
-            <a:rPr lang="zh-CN" altLang="en-US" sz="3100" kern="1200" dirty="0" smtClean="0"/>
+            <a:rPr lang="zh-CN" altLang="en-US" sz="3100" kern="1200" dirty="0"/>
             <a:t>的</a:t>
           </a:r>
           <a:r>
-            <a:rPr lang="zh-CN" sz="3100" kern="1200" dirty="0" smtClean="0"/>
+            <a:rPr lang="zh-CN" sz="3100" kern="1200" dirty="0"/>
             <a:t>评价</a:t>
           </a:r>
           <a:r>
-            <a:rPr lang="zh-CN" altLang="en-US" sz="3100" kern="1200" dirty="0" smtClean="0"/>
+            <a:rPr lang="zh-CN" altLang="en-US" sz="3100" kern="1200" dirty="0"/>
             <a:t>，</a:t>
           </a:r>
           <a:r>
-            <a:rPr lang="zh-CN" sz="3100" kern="1200" dirty="0" smtClean="0"/>
-            <a:t>是</a:t>
-          </a:r>
-          <a:r>
             <a:rPr lang="zh-CN" sz="3100" kern="1200" dirty="0"/>
-            <a:t>否应随</a:t>
+            <a:t>是否应随</a:t>
           </a:r>
           <a:r>
             <a:rPr lang="zh-CN" sz="3100" kern="1200" dirty="0">
@@ -6898,7 +6686,7 @@
         </a:bodyPr>
         <a:lstStyle/>
         <a:p>
-          <a:pPr lvl="0" algn="l" defTabSz="1377950">
+          <a:pPr marL="0" lvl="0" indent="0" algn="l" defTabSz="1377950">
             <a:lnSpc>
               <a:spcPct val="90000"/>
             </a:lnSpc>
@@ -6908,22 +6696,11 @@
             <a:spcAft>
               <a:spcPct val="35000"/>
             </a:spcAft>
+            <a:buNone/>
           </a:pPr>
           <a:r>
-            <a:rPr lang="zh-CN" sz="3100" kern="1200" dirty="0" smtClean="0"/>
-            <a:t>二</a:t>
-          </a:r>
-          <a:r>
             <a:rPr lang="zh-CN" sz="3100" kern="1200" dirty="0"/>
-            <a:t>分类模</a:t>
-          </a:r>
-          <a:r>
-            <a:rPr lang="zh-CN" sz="3100" kern="1200" dirty="0" smtClean="0"/>
-            <a:t>型应</a:t>
-          </a:r>
-          <a:r>
-            <a:rPr lang="zh-CN" sz="3100" kern="1200" dirty="0"/>
-            <a:t>如何在典型应用</a:t>
+            <a:t>二分类模型应如何在典型应用</a:t>
           </a:r>
           <a:r>
             <a:rPr lang="en-US" sz="3100" kern="1200" dirty="0"/>
@@ -7040,7 +6817,7 @@
         </a:bodyPr>
         <a:lstStyle/>
         <a:p>
-          <a:pPr lvl="0" algn="l" defTabSz="1377950">
+          <a:pPr marL="0" lvl="0" indent="0" algn="l" defTabSz="1377950">
             <a:lnSpc>
               <a:spcPct val="90000"/>
             </a:lnSpc>
@@ -7050,6 +6827,7 @@
             <a:spcAft>
               <a:spcPct val="35000"/>
             </a:spcAft>
+            <a:buNone/>
           </a:pPr>
           <a:r>
             <a:rPr lang="zh-CN" sz="3100" kern="1200" dirty="0"/>
@@ -7065,23 +6843,15 @@
           </a:r>
           <a:r>
             <a:rPr lang="zh-CN" sz="3100" kern="1200" dirty="0"/>
-            <a:t>时，应如何评</a:t>
+            <a:t>时，应如何评价</a:t>
           </a:r>
           <a:r>
-            <a:rPr lang="zh-CN" sz="3100" kern="1200" dirty="0" smtClean="0"/>
-            <a:t>价</a:t>
-          </a:r>
-          <a:r>
-            <a:rPr lang="zh-CN" altLang="en-US" sz="3100" kern="1200" dirty="0" smtClean="0"/>
+            <a:rPr lang="zh-CN" altLang="en-US" sz="3100" kern="1200" dirty="0"/>
             <a:t>二分类</a:t>
           </a:r>
           <a:r>
-            <a:rPr lang="zh-CN" sz="3100" kern="1200" dirty="0" smtClean="0"/>
-            <a:t>模</a:t>
-          </a:r>
-          <a:r>
             <a:rPr lang="zh-CN" sz="3100" kern="1200" dirty="0"/>
-            <a:t>型？</a:t>
+            <a:t>模型？</a:t>
           </a:r>
           <a:endParaRPr lang="en-US" sz="3100" kern="1200" dirty="0"/>
         </a:p>
@@ -7158,7 +6928,7 @@
         </a:bodyPr>
         <a:lstStyle/>
         <a:p>
-          <a:pPr lvl="0" algn="ctr" defTabSz="1377950">
+          <a:pPr marL="0" lvl="0" indent="0" algn="ctr" defTabSz="1377950">
             <a:lnSpc>
               <a:spcPct val="90000"/>
             </a:lnSpc>
@@ -7168,6 +6938,7 @@
             <a:spcAft>
               <a:spcPct val="35000"/>
             </a:spcAft>
+            <a:buNone/>
           </a:pPr>
           <a:r>
             <a:rPr lang="zh-CN" sz="3100" kern="1200"/>
@@ -7239,7 +7010,7 @@
         </a:bodyPr>
         <a:lstStyle/>
         <a:p>
-          <a:pPr lvl="0" algn="ctr" defTabSz="1377950">
+          <a:pPr marL="0" lvl="0" indent="0" algn="ctr" defTabSz="1377950">
             <a:lnSpc>
               <a:spcPct val="90000"/>
             </a:lnSpc>
@@ -7249,6 +7020,7 @@
             <a:spcAft>
               <a:spcPct val="35000"/>
             </a:spcAft>
+            <a:buNone/>
           </a:pPr>
           <a:r>
             <a:rPr lang="zh-CN" sz="3100" kern="1200"/>
@@ -7320,7 +7092,7 @@
         </a:bodyPr>
         <a:lstStyle/>
         <a:p>
-          <a:pPr lvl="0" algn="ctr" defTabSz="1377950">
+          <a:pPr marL="0" lvl="0" indent="0" algn="ctr" defTabSz="1377950">
             <a:lnSpc>
               <a:spcPct val="90000"/>
             </a:lnSpc>
@@ -7330,26 +7102,19 @@
             <a:spcAft>
               <a:spcPct val="35000"/>
             </a:spcAft>
+            <a:buNone/>
           </a:pPr>
           <a:r>
             <a:rPr lang="zh-CN" sz="3100" kern="1200" dirty="0"/>
-            <a:t>评</a:t>
+            <a:t>评价</a:t>
           </a:r>
           <a:r>
-            <a:rPr lang="zh-CN" sz="3100" kern="1200" dirty="0" smtClean="0"/>
-            <a:t>价</a:t>
-          </a:r>
-          <a:r>
-            <a:rPr lang="zh-CN" altLang="en-US" sz="3100" kern="1200" dirty="0" smtClean="0"/>
+            <a:rPr lang="zh-CN" altLang="en-US" sz="3100" kern="1200" dirty="0"/>
             <a:t>分类</a:t>
           </a:r>
           <a:r>
-            <a:rPr lang="zh-CN" sz="3100" kern="1200" dirty="0" smtClean="0"/>
-            <a:t>模</a:t>
-          </a:r>
-          <a:r>
             <a:rPr lang="zh-CN" sz="3100" kern="1200" dirty="0"/>
-            <a:t>型正确率的时候，需要考虑</a:t>
+            <a:t>模型正确率的时候，需要考虑</a:t>
           </a:r>
           <a:r>
             <a:rPr lang="zh-CN" sz="3100" kern="1200" dirty="0">
@@ -7390,8 +7155,8 @@
       </dsp:nvSpPr>
       <dsp:spPr>
         <a:xfrm>
-          <a:off x="51" y="12492"/>
-          <a:ext cx="4913783" cy="748800"/>
+          <a:off x="51" y="2187"/>
+          <a:ext cx="4913783" cy="720000"/>
         </a:xfrm>
         <a:prstGeom prst="rect">
           <a:avLst/>
@@ -7438,7 +7203,7 @@
         </a:bodyPr>
         <a:lstStyle/>
         <a:p>
-          <a:pPr lvl="0" algn="ctr" defTabSz="1066800">
+          <a:pPr marL="0" lvl="0" indent="0" algn="ctr" defTabSz="1066800">
             <a:lnSpc>
               <a:spcPct val="90000"/>
             </a:lnSpc>
@@ -7448,6 +7213,7 @@
             <a:spcAft>
               <a:spcPct val="35000"/>
             </a:spcAft>
+            <a:buNone/>
           </a:pPr>
           <a:r>
             <a:rPr lang="zh-CN" sz="2400" kern="1200" dirty="0"/>
@@ -7460,8 +7226,8 @@
         </a:p>
       </dsp:txBody>
       <dsp:txXfrm>
-        <a:off x="51" y="12492"/>
-        <a:ext cx="4913783" cy="748800"/>
+        <a:off x="51" y="2187"/>
+        <a:ext cx="4913783" cy="720000"/>
       </dsp:txXfrm>
     </dsp:sp>
     <dsp:sp modelId="{03192468-3430-4421-837F-8D9E463781D9}">
@@ -7471,8 +7237,8 @@
       </dsp:nvSpPr>
       <dsp:spPr>
         <a:xfrm>
-          <a:off x="51" y="761292"/>
-          <a:ext cx="4913783" cy="4068089"/>
+          <a:off x="51" y="722187"/>
+          <a:ext cx="4913783" cy="4117500"/>
         </a:xfrm>
         <a:prstGeom prst="rect">
           <a:avLst/>
@@ -7531,7 +7297,7 @@
             <a:spcAft>
               <a:spcPct val="15000"/>
             </a:spcAft>
-            <a:buChar char="••"/>
+            <a:buChar char="•"/>
           </a:pPr>
           <a:r>
             <a:rPr lang="zh-CN" sz="2800" b="1" kern="1200" dirty="0"/>
@@ -7570,7 +7336,7 @@
             <a:spcAft>
               <a:spcPct val="15000"/>
             </a:spcAft>
-            <a:buChar char="••"/>
+            <a:buChar char="•"/>
           </a:pPr>
           <a:r>
             <a:rPr lang="zh-CN" sz="2800" b="1" kern="1200" dirty="0"/>
@@ -7605,7 +7371,7 @@
             <a:spcAft>
               <a:spcPct val="15000"/>
             </a:spcAft>
-            <a:buChar char="••"/>
+            <a:buChar char="•"/>
           </a:pPr>
           <a:r>
             <a:rPr lang="zh-CN" sz="2800" b="1" kern="1200" dirty="0"/>
@@ -7628,7 +7394,7 @@
             <a:spcAft>
               <a:spcPct val="15000"/>
             </a:spcAft>
-            <a:buChar char="••"/>
+            <a:buChar char="•"/>
           </a:pPr>
           <a:r>
             <a:rPr lang="zh-CN" sz="2800" b="1" kern="1200" dirty="0"/>
@@ -7642,8 +7408,8 @@
         </a:p>
       </dsp:txBody>
       <dsp:txXfrm>
-        <a:off x="51" y="761292"/>
-        <a:ext cx="4913783" cy="4068089"/>
+        <a:off x="51" y="722187"/>
+        <a:ext cx="4913783" cy="4117500"/>
       </dsp:txXfrm>
     </dsp:sp>
     <dsp:sp modelId="{18CB3123-2D48-4645-90A5-E98FA10374E8}">
@@ -7653,8 +7419,8 @@
       </dsp:nvSpPr>
       <dsp:spPr>
         <a:xfrm>
-          <a:off x="5601764" y="12492"/>
-          <a:ext cx="4913783" cy="748800"/>
+          <a:off x="5601764" y="2187"/>
+          <a:ext cx="4913783" cy="720000"/>
         </a:xfrm>
         <a:prstGeom prst="rect">
           <a:avLst/>
@@ -7701,7 +7467,7 @@
         </a:bodyPr>
         <a:lstStyle/>
         <a:p>
-          <a:pPr lvl="0" algn="ctr" defTabSz="1066800">
+          <a:pPr marL="0" lvl="0" indent="0" algn="ctr" defTabSz="1066800">
             <a:lnSpc>
               <a:spcPct val="90000"/>
             </a:lnSpc>
@@ -7711,6 +7477,7 @@
             <a:spcAft>
               <a:spcPct val="35000"/>
             </a:spcAft>
+            <a:buNone/>
           </a:pPr>
           <a:r>
             <a:rPr lang="zh-CN" sz="2400" kern="1200" dirty="0"/>
@@ -7723,8 +7490,8 @@
         </a:p>
       </dsp:txBody>
       <dsp:txXfrm>
-        <a:off x="5601764" y="12492"/>
-        <a:ext cx="4913783" cy="748800"/>
+        <a:off x="5601764" y="2187"/>
+        <a:ext cx="4913783" cy="720000"/>
       </dsp:txXfrm>
     </dsp:sp>
     <dsp:sp modelId="{5971D56C-3268-42A6-91F0-F985651574A0}">
@@ -7734,8 +7501,8 @@
       </dsp:nvSpPr>
       <dsp:spPr>
         <a:xfrm>
-          <a:off x="5601764" y="761292"/>
-          <a:ext cx="4913783" cy="4068089"/>
+          <a:off x="5601764" y="722187"/>
+          <a:ext cx="4913783" cy="4117500"/>
         </a:xfrm>
         <a:prstGeom prst="rect">
           <a:avLst/>
@@ -7794,7 +7561,7 @@
             <a:spcAft>
               <a:spcPct val="15000"/>
             </a:spcAft>
-            <a:buChar char="••"/>
+            <a:buChar char="•"/>
           </a:pPr>
           <a:r>
             <a:rPr lang="zh-CN" sz="2800" b="1" kern="1200" dirty="0"/>
@@ -7841,7 +7608,7 @@
             <a:spcAft>
               <a:spcPct val="15000"/>
             </a:spcAft>
-            <a:buChar char="••"/>
+            <a:buChar char="•"/>
           </a:pPr>
           <a:r>
             <a:rPr lang="zh-CN" sz="2800" b="1" kern="1200" dirty="0"/>
@@ -7876,7 +7643,7 @@
             <a:spcAft>
               <a:spcPct val="15000"/>
             </a:spcAft>
-            <a:buChar char="••"/>
+            <a:buChar char="•"/>
           </a:pPr>
           <a:r>
             <a:rPr lang="zh-CN" sz="2800" b="1" kern="1200" dirty="0"/>
@@ -7907,7 +7674,7 @@
             <a:spcAft>
               <a:spcPct val="15000"/>
             </a:spcAft>
-            <a:buChar char="••"/>
+            <a:buChar char="•"/>
           </a:pPr>
           <a:r>
             <a:rPr lang="zh-CN" sz="2800" b="1" kern="1200" dirty="0"/>
@@ -7921,8 +7688,8 @@
         </a:p>
       </dsp:txBody>
       <dsp:txXfrm>
-        <a:off x="5601764" y="761292"/>
-        <a:ext cx="4913783" cy="4068089"/>
+        <a:off x="5601764" y="722187"/>
+        <a:ext cx="4913783" cy="4117500"/>
       </dsp:txXfrm>
     </dsp:sp>
   </dsp:spTree>
@@ -8024,7 +7791,7 @@
         </a:bodyPr>
         <a:lstStyle/>
         <a:p>
-          <a:pPr lvl="0" algn="l" defTabSz="1022350">
+          <a:pPr marL="0" lvl="0" indent="0" algn="l" defTabSz="1022350">
             <a:lnSpc>
               <a:spcPct val="90000"/>
             </a:lnSpc>
@@ -8034,22 +7801,19 @@
             <a:spcAft>
               <a:spcPct val="35000"/>
             </a:spcAft>
+            <a:buNone/>
           </a:pPr>
           <a:r>
             <a:rPr lang="en-US" sz="2300" kern="1200" dirty="0"/>
             <a:t>1. </a:t>
           </a:r>
           <a:r>
-            <a:rPr lang="zh-CN" altLang="en-US" sz="2300" kern="1200" dirty="0" smtClean="0"/>
+            <a:rPr lang="zh-CN" altLang="en-US" sz="2300" kern="1200" dirty="0"/>
             <a:t>分类</a:t>
           </a:r>
           <a:r>
-            <a:rPr lang="zh-CN" sz="2300" kern="1200" dirty="0" smtClean="0"/>
-            <a:t>模</a:t>
-          </a:r>
-          <a:r>
             <a:rPr lang="zh-CN" sz="2300" kern="1200" dirty="0"/>
-            <a:t>型的评价和选择应视</a:t>
+            <a:t>模型的评价和选择应视</a:t>
           </a:r>
           <a:r>
             <a:rPr lang="zh-CN" altLang="en-US" sz="2300" kern="1200" dirty="0">
@@ -8162,7 +7926,7 @@
         </a:bodyPr>
         <a:lstStyle/>
         <a:p>
-          <a:pPr lvl="0" algn="l" defTabSz="1022350">
+          <a:pPr marL="0" lvl="0" indent="0" algn="l" defTabSz="1022350">
             <a:lnSpc>
               <a:spcPct val="90000"/>
             </a:lnSpc>
@@ -8172,6 +7936,7 @@
             <a:spcAft>
               <a:spcPct val="35000"/>
             </a:spcAft>
+            <a:buNone/>
           </a:pPr>
           <a:r>
             <a:rPr lang="en-US" altLang="zh-CN" sz="2300" kern="1200" dirty="0"/>
@@ -8179,23 +7944,15 @@
           </a:r>
           <a:r>
             <a:rPr lang="zh-CN" sz="2300" kern="1200" dirty="0"/>
-            <a:t>评</a:t>
+            <a:t>评估</a:t>
           </a:r>
           <a:r>
-            <a:rPr lang="zh-CN" sz="2300" kern="1200" dirty="0" smtClean="0"/>
-            <a:t>估</a:t>
-          </a:r>
-          <a:r>
-            <a:rPr lang="zh-CN" altLang="en-US" sz="2300" kern="1200" dirty="0" smtClean="0"/>
+            <a:rPr lang="zh-CN" altLang="en-US" sz="2300" kern="1200" dirty="0"/>
             <a:t>分类</a:t>
           </a:r>
           <a:r>
-            <a:rPr lang="zh-CN" sz="2300" kern="1200" dirty="0" smtClean="0"/>
-            <a:t>模</a:t>
-          </a:r>
-          <a:r>
             <a:rPr lang="zh-CN" sz="2300" kern="1200" dirty="0"/>
-            <a:t>型的</a:t>
+            <a:t>模型的</a:t>
           </a:r>
           <a:r>
             <a:rPr lang="zh-CN" sz="2300" kern="1200" dirty="0">
@@ -8304,7 +8061,7 @@
         </a:bodyPr>
         <a:lstStyle/>
         <a:p>
-          <a:pPr lvl="0" algn="l" defTabSz="1022350">
+          <a:pPr marL="0" lvl="0" indent="0" algn="l" defTabSz="1022350">
             <a:lnSpc>
               <a:spcPct val="90000"/>
             </a:lnSpc>
@@ -8314,6 +8071,7 @@
             <a:spcAft>
               <a:spcPct val="35000"/>
             </a:spcAft>
+            <a:buNone/>
           </a:pPr>
           <a:r>
             <a:rPr lang="en-US" altLang="zh-CN" sz="2300" kern="1200" dirty="0"/>
@@ -8430,7 +8188,7 @@
         </a:bodyPr>
         <a:lstStyle/>
         <a:p>
-          <a:pPr lvl="0" algn="l" defTabSz="1022350">
+          <a:pPr marL="0" lvl="0" indent="0" algn="l" defTabSz="1022350">
             <a:lnSpc>
               <a:spcPct val="90000"/>
             </a:lnSpc>
@@ -8440,13 +8198,14 @@
             <a:spcAft>
               <a:spcPct val="35000"/>
             </a:spcAft>
+            <a:buNone/>
           </a:pPr>
           <a:r>
-            <a:rPr lang="en-US" sz="2300" kern="1200" dirty="0" smtClean="0"/>
+            <a:rPr lang="en-US" sz="2300" kern="1200" dirty="0"/>
             <a:t>4. </a:t>
           </a:r>
           <a:r>
-            <a:rPr lang="en-US" sz="2300" kern="1200" dirty="0" smtClean="0">
+            <a:rPr lang="en-US" sz="2300" kern="1200" dirty="0">
               <a:solidFill>
                 <a:srgbClr val="FF0000"/>
               </a:solidFill>
@@ -8454,7 +8213,7 @@
             <a:t>ROC</a:t>
           </a:r>
           <a:r>
-            <a:rPr lang="zh-CN" altLang="en-US" sz="2300" kern="1200" dirty="0" smtClean="0">
+            <a:rPr lang="zh-CN" altLang="en-US" sz="2300" kern="1200" dirty="0">
               <a:solidFill>
                 <a:srgbClr val="FF0000"/>
               </a:solidFill>
@@ -8462,15 +8221,15 @@
             <a:t>曲线</a:t>
           </a:r>
           <a:r>
-            <a:rPr lang="zh-CN" altLang="en-US" sz="2300" kern="1200" dirty="0" smtClean="0"/>
+            <a:rPr lang="zh-CN" altLang="en-US" sz="2300" kern="1200" dirty="0"/>
             <a:t>和</a:t>
           </a:r>
           <a:r>
-            <a:rPr lang="en-US" altLang="zh-CN" sz="2300" kern="1200" dirty="0" smtClean="0"/>
+            <a:rPr lang="en-US" altLang="zh-CN" sz="2300" kern="1200" dirty="0"/>
             <a:t>AUC</a:t>
           </a:r>
           <a:r>
-            <a:rPr lang="zh-CN" altLang="en-US" sz="2300" kern="1200" dirty="0" smtClean="0"/>
+            <a:rPr lang="zh-CN" altLang="en-US" sz="2300" kern="1200" dirty="0"/>
             <a:t>用于评价分类模型</a:t>
           </a:r>
           <a:endParaRPr lang="en-US" sz="2300" kern="1200" dirty="0"/>
@@ -16174,7 +15933,7 @@
           <a:p>
             <a:fld id="{5A8F3604-515A-41FB-875F-ACBE921EC2F2}" type="datetimeFigureOut">
               <a:rPr lang="en-US" smtClean="0"/>
-              <a:t>05/10/20</a:t>
+              <a:t>5/10/2020</a:t>
             </a:fld>
             <a:endParaRPr lang="en-US"/>
           </a:p>
@@ -16344,7 +16103,7 @@
           <a:p>
             <a:fld id="{5A8F3604-515A-41FB-875F-ACBE921EC2F2}" type="datetimeFigureOut">
               <a:rPr lang="en-US" smtClean="0"/>
-              <a:t>05/10/20</a:t>
+              <a:t>5/10/2020</a:t>
             </a:fld>
             <a:endParaRPr lang="en-US"/>
           </a:p>
@@ -16590,7 +16349,7 @@
           <a:p>
             <a:fld id="{5A8F3604-515A-41FB-875F-ACBE921EC2F2}" type="datetimeFigureOut">
               <a:rPr lang="en-US" smtClean="0"/>
-              <a:t>05/10/20</a:t>
+              <a:t>5/10/2020</a:t>
             </a:fld>
             <a:endParaRPr lang="en-US"/>
           </a:p>
@@ -16822,7 +16581,7 @@
           <a:p>
             <a:fld id="{5A8F3604-515A-41FB-875F-ACBE921EC2F2}" type="datetimeFigureOut">
               <a:rPr lang="en-US" smtClean="0"/>
-              <a:t>05/10/20</a:t>
+              <a:t>5/10/2020</a:t>
             </a:fld>
             <a:endParaRPr lang="en-US"/>
           </a:p>
@@ -17189,7 +16948,7 @@
           <a:p>
             <a:fld id="{5A8F3604-515A-41FB-875F-ACBE921EC2F2}" type="datetimeFigureOut">
               <a:rPr lang="en-US" smtClean="0"/>
-              <a:t>05/10/20</a:t>
+              <a:t>5/10/2020</a:t>
             </a:fld>
             <a:endParaRPr lang="en-US"/>
           </a:p>
@@ -17307,7 +17066,7 @@
           <a:p>
             <a:fld id="{5A8F3604-515A-41FB-875F-ACBE921EC2F2}" type="datetimeFigureOut">
               <a:rPr lang="en-US" smtClean="0"/>
-              <a:t>05/10/20</a:t>
+              <a:t>5/10/2020</a:t>
             </a:fld>
             <a:endParaRPr lang="en-US"/>
           </a:p>
@@ -17402,7 +17161,7 @@
           <a:p>
             <a:fld id="{5A8F3604-515A-41FB-875F-ACBE921EC2F2}" type="datetimeFigureOut">
               <a:rPr lang="en-US" smtClean="0"/>
-              <a:t>05/10/20</a:t>
+              <a:t>5/10/2020</a:t>
             </a:fld>
             <a:endParaRPr lang="en-US"/>
           </a:p>
@@ -17679,7 +17438,7 @@
           <a:p>
             <a:fld id="{5A8F3604-515A-41FB-875F-ACBE921EC2F2}" type="datetimeFigureOut">
               <a:rPr lang="en-US" smtClean="0"/>
-              <a:t>05/10/20</a:t>
+              <a:t>5/10/2020</a:t>
             </a:fld>
             <a:endParaRPr lang="en-US"/>
           </a:p>
@@ -18130,7 +17889,7 @@
           <a:p>
             <a:fld id="{5A8F3604-515A-41FB-875F-ACBE921EC2F2}" type="datetimeFigureOut">
               <a:rPr lang="en-US" smtClean="0"/>
-              <a:t>05/10/20</a:t>
+              <a:t>5/10/2020</a:t>
             </a:fld>
             <a:endParaRPr lang="en-US"/>
           </a:p>
@@ -18300,7 +18059,7 @@
           <a:p>
             <a:fld id="{5A8F3604-515A-41FB-875F-ACBE921EC2F2}" type="datetimeFigureOut">
               <a:rPr lang="en-US" smtClean="0"/>
-              <a:t>05/10/20</a:t>
+              <a:t>5/10/2020</a:t>
             </a:fld>
             <a:endParaRPr lang="en-US"/>
           </a:p>
@@ -18480,7 +18239,7 @@
           <a:p>
             <a:fld id="{5A8F3604-515A-41FB-875F-ACBE921EC2F2}" type="datetimeFigureOut">
               <a:rPr lang="en-US" smtClean="0"/>
-              <a:t>05/10/20</a:t>
+              <a:t>5/10/2020</a:t>
             </a:fld>
             <a:endParaRPr lang="en-US"/>
           </a:p>
@@ -21066,7 +20825,7 @@
           <a:p>
             <a:fld id="{5A8F3604-515A-41FB-875F-ACBE921EC2F2}" type="datetimeFigureOut">
               <a:rPr lang="en-US" smtClean="0"/>
-              <a:t>05/10/20</a:t>
+              <a:t>5/10/2020</a:t>
             </a:fld>
             <a:endParaRPr lang="en-US"/>
           </a:p>
@@ -21512,12 +21271,8 @@
           <a:p>
             <a:pPr algn="ctr"/>
             <a:r>
-              <a:rPr lang="zh-CN" altLang="en-US" sz="6000" dirty="0" smtClean="0"/>
-              <a:t>二分类模型与</a:t>
-            </a:r>
-            <a:r>
               <a:rPr lang="zh-CN" altLang="en-US" sz="6000" dirty="0"/>
-              <a:t>疾病筛查</a:t>
+              <a:t>二分类模型与疾病筛查</a:t>
             </a:r>
           </a:p>
         </p:txBody>
@@ -21551,7 +21306,7 @@
           <a:p>
             <a:pPr algn="ctr"/>
             <a:r>
-              <a:rPr lang="en-US" altLang="zh-CN" sz="4800" dirty="0" smtClean="0">
+              <a:rPr lang="en-US" altLang="zh-CN" sz="4800" dirty="0">
                 <a:latin typeface="Times New Roman" panose="02020603050405020304" pitchFamily="18" charset="0"/>
                 <a:cs typeface="Times New Roman" panose="02020603050405020304" pitchFamily="18" charset="0"/>
               </a:rPr>
@@ -21561,7 +21316,7 @@
           <a:p>
             <a:pPr algn="ctr"/>
             <a:r>
-              <a:rPr lang="en-US" altLang="zh-CN" sz="4800" dirty="0" smtClean="0">
+              <a:rPr lang="en-US" altLang="zh-CN" sz="4800" dirty="0">
                 <a:latin typeface="Times New Roman" panose="02020603050405020304" pitchFamily="18" charset="0"/>
                 <a:cs typeface="Times New Roman" panose="02020603050405020304" pitchFamily="18" charset="0"/>
               </a:rPr>
@@ -21592,13 +21347,6 @@
       <p:transition spd="slow" advTm="5397"/>
     </mc:Fallback>
   </mc:AlternateContent>
-  <p:timing>
-    <p:tnLst>
-      <p:par>
-        <p:cTn id="1" dur="indefinite" restart="never" nodeType="tmRoot"/>
-      </p:par>
-    </p:tnLst>
-  </p:timing>
 </p:sld>
 </file>
 
@@ -21635,7 +21383,7 @@
                 <a16:creationId xmlns:a16="http://schemas.microsoft.com/office/drawing/2014/main" id="{42A5316D-ED2F-4F89-B4B4-8D9240B1A348}"/>
               </a:ext>
               <a:ext uri="{C183D7F6-B498-43B3-948B-1728B52AA6E4}">
-                <adec:decorative xmlns="" xmlns:adec="http://schemas.microsoft.com/office/drawing/2017/decorative" val="1"/>
+                <adec:decorative xmlns:adec="http://schemas.microsoft.com/office/drawing/2017/decorative" val="1"/>
               </a:ext>
             </a:extLst>
           </p:cNvPr>
@@ -21818,13 +21566,6 @@
       <p:transition spd="slow" advTm="69800"/>
     </mc:Fallback>
   </mc:AlternateContent>
-  <p:timing>
-    <p:tnLst>
-      <p:par>
-        <p:cTn id="1" dur="indefinite" restart="never" nodeType="tmRoot"/>
-      </p:par>
-    </p:tnLst>
-  </p:timing>
 </p:sld>
 </file>
 
@@ -21861,7 +21602,7 @@
                 <a16:creationId xmlns:a16="http://schemas.microsoft.com/office/drawing/2014/main" id="{6753252F-4873-4F63-801D-CC719279A7D5}"/>
               </a:ext>
               <a:ext uri="{C183D7F6-B498-43B3-948B-1728B52AA6E4}">
-                <adec:decorative xmlns="" xmlns:adec="http://schemas.microsoft.com/office/drawing/2017/decorative" val="1"/>
+                <adec:decorative xmlns:adec="http://schemas.microsoft.com/office/drawing/2017/decorative" val="1"/>
               </a:ext>
             </a:extLst>
           </p:cNvPr>
@@ -21924,7 +21665,7 @@
                 <a16:creationId xmlns:a16="http://schemas.microsoft.com/office/drawing/2014/main" id="{047C8CCB-F95D-4249-92DD-651249D3535A}"/>
               </a:ext>
               <a:ext uri="{C183D7F6-B498-43B3-948B-1728B52AA6E4}">
-                <adec:decorative xmlns="" xmlns:adec="http://schemas.microsoft.com/office/drawing/2017/decorative" val="1"/>
+                <adec:decorative xmlns:adec="http://schemas.microsoft.com/office/drawing/2017/decorative" val="1"/>
               </a:ext>
             </a:extLst>
           </p:cNvPr>
@@ -22097,13 +21838,6 @@
       <p:transition spd="slow" advTm="119064"/>
     </mc:Fallback>
   </mc:AlternateContent>
-  <p:timing>
-    <p:tnLst>
-      <p:par>
-        <p:cTn id="1" dur="indefinite" restart="never" nodeType="tmRoot"/>
-      </p:par>
-    </p:tnLst>
-  </p:timing>
 </p:sld>
 </file>
 
@@ -22231,13 +21965,6 @@
       <p:transition spd="slow" advTm="120968"/>
     </mc:Fallback>
   </mc:AlternateContent>
-  <p:timing>
-    <p:tnLst>
-      <p:par>
-        <p:cTn id="1" dur="indefinite" restart="never" nodeType="tmRoot"/>
-      </p:par>
-    </p:tnLst>
-  </p:timing>
 </p:sld>
 </file>
 
@@ -22365,13 +22092,6 @@
       <p:transition spd="slow" advTm="83239"/>
     </mc:Fallback>
   </mc:AlternateContent>
-  <p:timing>
-    <p:tnLst>
-      <p:par>
-        <p:cTn id="1" dur="indefinite" restart="never" nodeType="tmRoot"/>
-      </p:par>
-    </p:tnLst>
-  </p:timing>
 </p:sld>
 </file>
 
@@ -22480,13 +22200,6 @@
       <p:transition spd="slow" advTm="99886"/>
     </mc:Fallback>
   </mc:AlternateContent>
-  <p:timing>
-    <p:tnLst>
-      <p:par>
-        <p:cTn id="1" dur="indefinite" restart="never" nodeType="tmRoot"/>
-      </p:par>
-    </p:tnLst>
-  </p:timing>
 </p:sld>
 </file>
 
@@ -22523,7 +22236,7 @@
                 <a16:creationId xmlns:a16="http://schemas.microsoft.com/office/drawing/2014/main" id="{8D70B121-56F4-4848-B38B-182089D909FA}"/>
               </a:ext>
               <a:ext uri="{C183D7F6-B498-43B3-948B-1728B52AA6E4}">
-                <adec:decorative xmlns="" xmlns:adec="http://schemas.microsoft.com/office/drawing/2017/decorative" val="1"/>
+                <adec:decorative xmlns:adec="http://schemas.microsoft.com/office/drawing/2017/decorative" val="1"/>
               </a:ext>
             </a:extLst>
           </p:cNvPr>
@@ -22627,7 +22340,7 @@
                 <a16:creationId xmlns:a16="http://schemas.microsoft.com/office/drawing/2014/main" id="{2D72A2C9-F3CA-4216-8BAD-FA4C970C3C4E}"/>
               </a:ext>
               <a:ext uri="{C183D7F6-B498-43B3-948B-1728B52AA6E4}">
-                <adec:decorative xmlns="" xmlns:adec="http://schemas.microsoft.com/office/drawing/2017/decorative" val="1"/>
+                <adec:decorative xmlns:adec="http://schemas.microsoft.com/office/drawing/2017/decorative" val="1"/>
               </a:ext>
             </a:extLst>
           </p:cNvPr>
@@ -22734,13 +22447,6 @@
       <p:transition spd="slow" advTm="24816"/>
     </mc:Fallback>
   </mc:AlternateContent>
-  <p:timing>
-    <p:tnLst>
-      <p:par>
-        <p:cTn id="1" dur="indefinite" restart="never" nodeType="tmRoot"/>
-      </p:par>
-    </p:tnLst>
-  </p:timing>
 </p:sld>
 </file>
 
@@ -22777,7 +22483,7 @@
                 <a16:creationId xmlns:a16="http://schemas.microsoft.com/office/drawing/2014/main" id="{823AC064-BC96-4F32-8AE1-B2FD38754823}"/>
               </a:ext>
               <a:ext uri="{C183D7F6-B498-43B3-948B-1728B52AA6E4}">
-                <adec:decorative xmlns="" xmlns:adec="http://schemas.microsoft.com/office/drawing/2017/decorative" val="1"/>
+                <adec:decorative xmlns:adec="http://schemas.microsoft.com/office/drawing/2017/decorative" val="1"/>
               </a:ext>
             </a:extLst>
           </p:cNvPr>
@@ -22881,7 +22587,7 @@
                 <a16:creationId xmlns:a16="http://schemas.microsoft.com/office/drawing/2014/main" id="{7E7C77BC-7138-40B1-A15B-20F57A494629}"/>
               </a:ext>
               <a:ext uri="{C183D7F6-B498-43B3-948B-1728B52AA6E4}">
-                <adec:decorative xmlns="" xmlns:adec="http://schemas.microsoft.com/office/drawing/2017/decorative" val="1"/>
+                <adec:decorative xmlns:adec="http://schemas.microsoft.com/office/drawing/2017/decorative" val="1"/>
               </a:ext>
             </a:extLst>
           </p:cNvPr>
@@ -22957,7 +22663,7 @@
                 <a16:creationId xmlns:a16="http://schemas.microsoft.com/office/drawing/2014/main" id="{DB146403-F3D6-484B-B2ED-97F9565D0370}"/>
               </a:ext>
               <a:ext uri="{C183D7F6-B498-43B3-948B-1728B52AA6E4}">
-                <adec:decorative xmlns="" xmlns:adec="http://schemas.microsoft.com/office/drawing/2017/decorative" val="1"/>
+                <adec:decorative xmlns:adec="http://schemas.microsoft.com/office/drawing/2017/decorative" val="1"/>
               </a:ext>
             </a:extLst>
           </p:cNvPr>
@@ -23045,13 +22751,6 @@
       <p:transition spd="slow" advTm="59954"/>
     </mc:Fallback>
   </mc:AlternateContent>
-  <p:timing>
-    <p:tnLst>
-      <p:par>
-        <p:cTn id="1" dur="indefinite" restart="never" nodeType="tmRoot"/>
-      </p:par>
-    </p:tnLst>
-  </p:timing>
 </p:sld>
 </file>
 
@@ -23163,15 +22862,7 @@
             </a:r>
             <a:r>
               <a:rPr lang="zh-CN" altLang="en-US" sz="3600" dirty="0"/>
-              <a:t>患有疾病</a:t>
-            </a:r>
-            <a:r>
-              <a:rPr lang="zh-CN" altLang="en-US" sz="3600" dirty="0" smtClean="0"/>
-              <a:t>的</a:t>
-            </a:r>
-            <a:r>
-              <a:rPr lang="zh-CN" altLang="en-US" sz="3600" dirty="0"/>
-              <a:t>个体</a:t>
+              <a:t>患有疾病的个体</a:t>
             </a:r>
             <a:endParaRPr lang="en-US" altLang="zh-CN" sz="3600" dirty="0"/>
           </a:p>
@@ -23208,7 +22899,7 @@
                 <a16:creationId xmlns:a16="http://schemas.microsoft.com/office/drawing/2014/main" id="{59A309A7-1751-4ABE-A3C1-EEC40366AD89}"/>
               </a:ext>
               <a:ext uri="{C183D7F6-B498-43B3-948B-1728B52AA6E4}">
-                <adec:decorative xmlns="" xmlns:adec="http://schemas.microsoft.com/office/drawing/2017/decorative" val="1"/>
+                <adec:decorative xmlns:adec="http://schemas.microsoft.com/office/drawing/2017/decorative" val="1"/>
               </a:ext>
             </a:extLst>
           </p:cNvPr>
@@ -23271,7 +22962,7 @@
                 <a16:creationId xmlns:a16="http://schemas.microsoft.com/office/drawing/2014/main" id="{967D8EB6-EAE1-4F9C-B398-83321E287204}"/>
               </a:ext>
               <a:ext uri="{C183D7F6-B498-43B3-948B-1728B52AA6E4}">
-                <adec:decorative xmlns="" xmlns:adec="http://schemas.microsoft.com/office/drawing/2017/decorative" val="1"/>
+                <adec:decorative xmlns:adec="http://schemas.microsoft.com/office/drawing/2017/decorative" val="1"/>
               </a:ext>
             </a:extLst>
           </p:cNvPr>
@@ -23349,7 +23040,7 @@
                 <a14:useLocalDpi xmlns:a14="http://schemas.microsoft.com/office/drawing/2010/main" val="0"/>
               </a:ext>
               <a:ext uri="{96DAC541-7B7A-43D3-8B79-37D633B846F1}">
-                <asvg:svgBlip xmlns="" xmlns:asvg="http://schemas.microsoft.com/office/drawing/2016/SVG/main" r:embed="rId3"/>
+                <asvg:svgBlip xmlns:asvg="http://schemas.microsoft.com/office/drawing/2016/SVG/main" r:embed="rId3"/>
               </a:ext>
             </a:extLst>
           </a:blip>
@@ -23385,13 +23076,6 @@
       <p:transition spd="slow" advTm="60504"/>
     </mc:Fallback>
   </mc:AlternateContent>
-  <p:timing>
-    <p:tnLst>
-      <p:par>
-        <p:cTn id="1" dur="indefinite" restart="never" nodeType="tmRoot"/>
-      </p:par>
-    </p:tnLst>
-  </p:timing>
 </p:sld>
 </file>
 
@@ -23475,45 +23159,21 @@
           <a:p>
             <a:r>
               <a:rPr lang="zh-CN" altLang="en-US" sz="3200" dirty="0"/>
-              <a:t>结合使用不</a:t>
-            </a:r>
-            <a:r>
-              <a:rPr lang="zh-CN" altLang="en-US" sz="3200" dirty="0" smtClean="0"/>
-              <a:t>同分类模</a:t>
-            </a:r>
-            <a:r>
-              <a:rPr lang="zh-CN" altLang="en-US" sz="3200" dirty="0"/>
-              <a:t>型</a:t>
+              <a:t>结合使用不同分类模型</a:t>
             </a:r>
             <a:endParaRPr lang="en-US" altLang="zh-CN" sz="3200" dirty="0"/>
           </a:p>
           <a:p>
             <a:r>
               <a:rPr lang="zh-CN" altLang="en-US" sz="3200" dirty="0"/>
-              <a:t>结合使</a:t>
-            </a:r>
-            <a:r>
-              <a:rPr lang="zh-CN" altLang="en-US" sz="3200" dirty="0" smtClean="0"/>
-              <a:t>用分类模</a:t>
-            </a:r>
-            <a:r>
-              <a:rPr lang="zh-CN" altLang="en-US" sz="3200" dirty="0"/>
-              <a:t>型与影像学检查</a:t>
+              <a:t>结合使用分类模型与影像学检查</a:t>
             </a:r>
             <a:endParaRPr lang="en-US" altLang="zh-CN" sz="3200" dirty="0"/>
           </a:p>
           <a:p>
             <a:r>
               <a:rPr lang="zh-CN" altLang="en-US" sz="3200" dirty="0"/>
-              <a:t>结合使</a:t>
-            </a:r>
-            <a:r>
-              <a:rPr lang="zh-CN" altLang="en-US" sz="3200" dirty="0" smtClean="0"/>
-              <a:t>用分类模</a:t>
-            </a:r>
-            <a:r>
-              <a:rPr lang="zh-CN" altLang="en-US" sz="3200" dirty="0"/>
-              <a:t>型与专家判断（</a:t>
+              <a:t>结合使用分类模型与专家判断（</a:t>
             </a:r>
             <a:r>
               <a:rPr lang="zh-CN" altLang="en-US" sz="3200" dirty="0">
@@ -23539,7 +23199,7 @@
                 <a16:creationId xmlns:a16="http://schemas.microsoft.com/office/drawing/2014/main" id="{59A309A7-1751-4ABE-A3C1-EEC40366AD89}"/>
               </a:ext>
               <a:ext uri="{C183D7F6-B498-43B3-948B-1728B52AA6E4}">
-                <adec:decorative xmlns="" xmlns:adec="http://schemas.microsoft.com/office/drawing/2017/decorative" val="1"/>
+                <adec:decorative xmlns:adec="http://schemas.microsoft.com/office/drawing/2017/decorative" val="1"/>
               </a:ext>
             </a:extLst>
           </p:cNvPr>
@@ -23602,7 +23262,7 @@
                 <a16:creationId xmlns:a16="http://schemas.microsoft.com/office/drawing/2014/main" id="{967D8EB6-EAE1-4F9C-B398-83321E287204}"/>
               </a:ext>
               <a:ext uri="{C183D7F6-B498-43B3-948B-1728B52AA6E4}">
-                <adec:decorative xmlns="" xmlns:adec="http://schemas.microsoft.com/office/drawing/2017/decorative" val="1"/>
+                <adec:decorative xmlns:adec="http://schemas.microsoft.com/office/drawing/2017/decorative" val="1"/>
               </a:ext>
             </a:extLst>
           </p:cNvPr>
@@ -23680,7 +23340,7 @@
                 <a14:useLocalDpi xmlns:a14="http://schemas.microsoft.com/office/drawing/2010/main" val="0"/>
               </a:ext>
               <a:ext uri="{96DAC541-7B7A-43D3-8B79-37D633B846F1}">
-                <asvg:svgBlip xmlns="" xmlns:asvg="http://schemas.microsoft.com/office/drawing/2016/SVG/main" r:embed="rId3"/>
+                <asvg:svgBlip xmlns:asvg="http://schemas.microsoft.com/office/drawing/2016/SVG/main" r:embed="rId3"/>
               </a:ext>
             </a:extLst>
           </a:blip>
@@ -23716,13 +23376,6 @@
       <p:transition spd="slow" advTm="12878"/>
     </mc:Fallback>
   </mc:AlternateContent>
-  <p:timing>
-    <p:tnLst>
-      <p:par>
-        <p:cTn id="1" dur="indefinite" restart="never" nodeType="tmRoot"/>
-      </p:par>
-    </p:tnLst>
-  </p:timing>
 </p:sld>
 </file>
 
@@ -23759,7 +23412,7 @@
                 <a16:creationId xmlns:a16="http://schemas.microsoft.com/office/drawing/2014/main" id="{8D70B121-56F4-4848-B38B-182089D909FA}"/>
               </a:ext>
               <a:ext uri="{C183D7F6-B498-43B3-948B-1728B52AA6E4}">
-                <adec:decorative xmlns="" xmlns:adec="http://schemas.microsoft.com/office/drawing/2017/decorative" val="1"/>
+                <adec:decorative xmlns:adec="http://schemas.microsoft.com/office/drawing/2017/decorative" val="1"/>
               </a:ext>
             </a:extLst>
           </p:cNvPr>
@@ -23846,20 +23499,12 @@
           <a:p>
             <a:pPr algn="ctr"/>
             <a:r>
-              <a:rPr lang="zh-CN" altLang="en-US" dirty="0" smtClean="0">
-                <a:solidFill>
-                  <a:schemeClr val="accent1"/>
-                </a:solidFill>
-              </a:rPr>
-              <a:t>讨</a:t>
-            </a:r>
-            <a:r>
               <a:rPr lang="zh-CN" altLang="en-US" dirty="0">
                 <a:solidFill>
                   <a:schemeClr val="accent1"/>
                 </a:solidFill>
               </a:rPr>
-              <a:t>论</a:t>
+              <a:t>讨论</a:t>
             </a:r>
           </a:p>
         </p:txBody>
@@ -23872,7 +23517,7 @@
                 <a16:creationId xmlns:a16="http://schemas.microsoft.com/office/drawing/2014/main" id="{2D72A2C9-F3CA-4216-8BAD-FA4C970C3C4E}"/>
               </a:ext>
               <a:ext uri="{C183D7F6-B498-43B3-948B-1728B52AA6E4}">
-                <adec:decorative xmlns="" xmlns:adec="http://schemas.microsoft.com/office/drawing/2017/decorative" val="1"/>
+                <adec:decorative xmlns:adec="http://schemas.microsoft.com/office/drawing/2017/decorative" val="1"/>
               </a:ext>
             </a:extLst>
           </p:cNvPr>
@@ -24014,13 +23659,6 @@
       <p:transition spd="slow" advTm="33680"/>
     </mc:Fallback>
   </mc:AlternateContent>
-  <p:timing>
-    <p:tnLst>
-      <p:par>
-        <p:cTn id="1" dur="indefinite" restart="never" nodeType="tmRoot"/>
-      </p:par>
-    </p:tnLst>
-  </p:timing>
 </p:sld>
 </file>
 
@@ -24093,7 +23731,7 @@
                 <a16:creationId xmlns:a16="http://schemas.microsoft.com/office/drawing/2014/main" id="{B6C29DB0-17E9-42FF-986E-0B7F493F4D24}"/>
               </a:ext>
               <a:ext uri="{C183D7F6-B498-43B3-948B-1728B52AA6E4}">
-                <adec:decorative xmlns="" xmlns:adec="http://schemas.microsoft.com/office/drawing/2017/decorative" val="1"/>
+                <adec:decorative xmlns:adec="http://schemas.microsoft.com/office/drawing/2017/decorative" val="1"/>
               </a:ext>
             </a:extLst>
           </p:cNvPr>
@@ -24203,7 +23841,7 @@
                 <a16:creationId xmlns:a16="http://schemas.microsoft.com/office/drawing/2014/main" id="{115AD956-A5B6-4760-B8B2-11E2DF6B0212}"/>
               </a:ext>
               <a:ext uri="{C183D7F6-B498-43B3-948B-1728B52AA6E4}">
-                <adec:decorative xmlns="" xmlns:adec="http://schemas.microsoft.com/office/drawing/2017/decorative" val="1"/>
+                <adec:decorative xmlns:adec="http://schemas.microsoft.com/office/drawing/2017/decorative" val="1"/>
               </a:ext>
             </a:extLst>
           </p:cNvPr>
@@ -24291,7 +23929,7 @@
                 <a14:useLocalDpi xmlns:a14="http://schemas.microsoft.com/office/drawing/2010/main" val="0"/>
               </a:ext>
               <a:ext uri="{96DAC541-7B7A-43D3-8B79-37D633B846F1}">
-                <asvg:svgBlip xmlns="" xmlns:asvg="http://schemas.microsoft.com/office/drawing/2016/SVG/main" r:embed="rId3"/>
+                <asvg:svgBlip xmlns:asvg="http://schemas.microsoft.com/office/drawing/2016/SVG/main" r:embed="rId3"/>
               </a:ext>
             </a:extLst>
           </a:blip>
@@ -24339,15 +23977,7 @@
           <a:p>
             <a:r>
               <a:rPr lang="zh-CN" altLang="en-US" sz="3600" dirty="0"/>
-              <a:t>熟</a:t>
-            </a:r>
-            <a:r>
-              <a:rPr lang="zh-CN" altLang="en-US" sz="3600" dirty="0" smtClean="0"/>
-              <a:t>悉二分类模</a:t>
-            </a:r>
-            <a:r>
-              <a:rPr lang="zh-CN" altLang="en-US" sz="3600" dirty="0"/>
-              <a:t>型评价方法</a:t>
+              <a:t>熟悉二分类模型评价方法</a:t>
             </a:r>
             <a:endParaRPr lang="en-US" altLang="zh-CN" sz="3600" dirty="0"/>
           </a:p>
@@ -24384,13 +24014,6 @@
       <p:transition spd="slow" advTm="16251"/>
     </mc:Fallback>
   </mc:AlternateContent>
-  <p:timing>
-    <p:tnLst>
-      <p:par>
-        <p:cTn id="1" dur="indefinite" restart="never" nodeType="tmRoot"/>
-      </p:par>
-    </p:tnLst>
-  </p:timing>
 </p:sld>
 </file>
 
@@ -24427,11 +24050,11 @@
           <a:lstStyle/>
           <a:p>
             <a:r>
-              <a:rPr lang="en-US" dirty="0" smtClean="0"/>
+              <a:rPr lang="en-US" dirty="0"/>
               <a:t>ROC</a:t>
             </a:r>
             <a:r>
-              <a:rPr lang="zh-CN" altLang="en-US" dirty="0" smtClean="0"/>
+              <a:rPr lang="zh-CN" altLang="en-US" dirty="0"/>
               <a:t>曲线</a:t>
             </a:r>
             <a:endParaRPr lang="en-US" dirty="0"/>
@@ -24465,17 +24088,10 @@
                 <a:latin typeface="宋体" panose="02010600030101010101" pitchFamily="2" charset="-122"/>
                 <a:ea typeface="宋体" panose="02010600030101010101" pitchFamily="2" charset="-122"/>
               </a:rPr>
-              <a:t>receiver operating characteristic </a:t>
+              <a:t>receiver operating characteristic curve, </a:t>
             </a:r>
             <a:r>
-              <a:rPr lang="en-US" dirty="0" smtClean="0">
-                <a:latin typeface="宋体" panose="02010600030101010101" pitchFamily="2" charset="-122"/>
-                <a:ea typeface="宋体" panose="02010600030101010101" pitchFamily="2" charset="-122"/>
-              </a:rPr>
-              <a:t>curve, </a:t>
-            </a:r>
-            <a:r>
-              <a:rPr lang="en-US" dirty="0" smtClean="0">
+              <a:rPr lang="en-US" dirty="0">
                 <a:solidFill>
                   <a:srgbClr val="FF0000"/>
                 </a:solidFill>
@@ -24485,7 +24101,7 @@
               <a:t>ROC </a:t>
             </a:r>
             <a:r>
-              <a:rPr lang="en-US" altLang="zh-CN" dirty="0" smtClean="0">
+              <a:rPr lang="en-US" altLang="zh-CN" dirty="0">
                 <a:solidFill>
                   <a:srgbClr val="FF0000"/>
                 </a:solidFill>
@@ -24495,7 +24111,7 @@
               <a:t>curve</a:t>
             </a:r>
             <a:r>
-              <a:rPr lang="en-US" dirty="0" smtClean="0">
+              <a:rPr lang="en-US" dirty="0">
                 <a:latin typeface="宋体" panose="02010600030101010101" pitchFamily="2" charset="-122"/>
                 <a:ea typeface="宋体" panose="02010600030101010101" pitchFamily="2" charset="-122"/>
               </a:rPr>
@@ -24506,64 +24122,43 @@
                 <a:latin typeface="宋体" panose="02010600030101010101" pitchFamily="2" charset="-122"/>
                 <a:ea typeface="宋体" panose="02010600030101010101" pitchFamily="2" charset="-122"/>
               </a:rPr>
-              <a:t>是反映敏感性和特异性连续变量的综合指标</a:t>
+              <a:t>是反映敏感性和特异性连续变量的综合指标，</a:t>
             </a:r>
             <a:r>
-              <a:rPr lang="ja-JP" altLang="en-US" dirty="0" smtClean="0">
-                <a:latin typeface="宋体" panose="02010600030101010101" pitchFamily="2" charset="-122"/>
-                <a:ea typeface="宋体" panose="02010600030101010101" pitchFamily="2" charset="-122"/>
-              </a:rPr>
-              <a:t>，</a:t>
-            </a:r>
-            <a:r>
-              <a:rPr lang="en-US" dirty="0" smtClean="0">
+              <a:rPr lang="en-US" dirty="0">
                 <a:latin typeface="宋体" panose="02010600030101010101" pitchFamily="2" charset="-122"/>
                 <a:ea typeface="宋体" panose="02010600030101010101" pitchFamily="2" charset="-122"/>
               </a:rPr>
               <a:t>ROC</a:t>
             </a:r>
             <a:r>
-              <a:rPr lang="ja-JP" altLang="en-US" dirty="0" smtClean="0">
-                <a:latin typeface="宋体" panose="02010600030101010101" pitchFamily="2" charset="-122"/>
-                <a:ea typeface="宋体" panose="02010600030101010101" pitchFamily="2" charset="-122"/>
-              </a:rPr>
-              <a:t>曲</a:t>
-            </a:r>
-            <a:r>
               <a:rPr lang="ja-JP" altLang="en-US" dirty="0">
                 <a:latin typeface="宋体" panose="02010600030101010101" pitchFamily="2" charset="-122"/>
                 <a:ea typeface="宋体" panose="02010600030101010101" pitchFamily="2" charset="-122"/>
               </a:rPr>
-              <a:t>线上每个点反映着对同一信号刺激的感受</a:t>
+              <a:t>曲线上每个点反映着对同一信号刺激的感受性</a:t>
             </a:r>
-            <a:r>
-              <a:rPr lang="ja-JP" altLang="en-US" dirty="0" smtClean="0">
-                <a:latin typeface="宋体" panose="02010600030101010101" pitchFamily="2" charset="-122"/>
-                <a:ea typeface="宋体" panose="02010600030101010101" pitchFamily="2" charset="-122"/>
-              </a:rPr>
-              <a:t>性</a:t>
-            </a:r>
-            <a:endParaRPr lang="en-US" altLang="ja-JP" dirty="0" smtClean="0">
+            <a:endParaRPr lang="en-US" altLang="ja-JP" dirty="0">
               <a:latin typeface="宋体" panose="02010600030101010101" pitchFamily="2" charset="-122"/>
               <a:ea typeface="宋体" panose="02010600030101010101" pitchFamily="2" charset="-122"/>
             </a:endParaRPr>
           </a:p>
           <a:p>
             <a:r>
-              <a:rPr lang="en-US" dirty="0" smtClean="0">
+              <a:rPr lang="en-US" dirty="0">
                 <a:latin typeface="宋体" panose="02010600030101010101" pitchFamily="2" charset="-122"/>
                 <a:ea typeface="宋体" panose="02010600030101010101" pitchFamily="2" charset="-122"/>
               </a:rPr>
               <a:t>ROC</a:t>
             </a:r>
             <a:r>
-              <a:rPr lang="zh-CN" altLang="en-US" dirty="0" smtClean="0">
+              <a:rPr lang="zh-CN" altLang="en-US" dirty="0">
                 <a:latin typeface="宋体" panose="02010600030101010101" pitchFamily="2" charset="-122"/>
                 <a:ea typeface="宋体" panose="02010600030101010101" pitchFamily="2" charset="-122"/>
               </a:rPr>
               <a:t>曲线</a:t>
             </a:r>
-            <a:endParaRPr lang="en-US" altLang="zh-CN" dirty="0" smtClean="0">
+            <a:endParaRPr lang="en-US" altLang="zh-CN" dirty="0">
               <a:latin typeface="宋体" panose="02010600030101010101" pitchFamily="2" charset="-122"/>
               <a:ea typeface="宋体" panose="02010600030101010101" pitchFamily="2" charset="-122"/>
             </a:endParaRPr>
@@ -24575,17 +24170,10 @@
                 <a:latin typeface="宋体" panose="02010600030101010101" pitchFamily="2" charset="-122"/>
                 <a:ea typeface="宋体" panose="02010600030101010101" pitchFamily="2" charset="-122"/>
               </a:rPr>
-              <a:t>横坐</a:t>
+              <a:t>横坐标：假阳性率，亦即</a:t>
             </a:r>
             <a:r>
-              <a:rPr lang="zh-CN" altLang="en-US" dirty="0" smtClean="0">
-                <a:latin typeface="宋体" panose="02010600030101010101" pitchFamily="2" charset="-122"/>
-                <a:ea typeface="宋体" panose="02010600030101010101" pitchFamily="2" charset="-122"/>
-              </a:rPr>
-              <a:t>标：假阳性率，亦即</a:t>
-            </a:r>
-            <a:r>
-              <a:rPr lang="zh-CN" altLang="en-US" u="sng" dirty="0" smtClean="0">
+              <a:rPr lang="zh-CN" altLang="en-US" u="sng" dirty="0">
                 <a:solidFill>
                   <a:srgbClr val="FF0000"/>
                 </a:solidFill>
@@ -24594,7 +24182,7 @@
               </a:rPr>
               <a:t>误诊率</a:t>
             </a:r>
-            <a:endParaRPr lang="en-US" altLang="zh-CN" u="sng" dirty="0" smtClean="0">
+            <a:endParaRPr lang="en-US" altLang="zh-CN" u="sng" dirty="0">
               <a:solidFill>
                 <a:srgbClr val="FF0000"/>
               </a:solidFill>
@@ -24609,17 +24197,10 @@
                 <a:latin typeface="宋体" panose="02010600030101010101" pitchFamily="2" charset="-122"/>
                 <a:ea typeface="宋体" panose="02010600030101010101" pitchFamily="2" charset="-122"/>
               </a:rPr>
-              <a:t>纵坐</a:t>
+              <a:t>纵坐标：</a:t>
             </a:r>
             <a:r>
-              <a:rPr lang="zh-CN" altLang="en-US" dirty="0" smtClean="0">
-                <a:latin typeface="宋体" panose="02010600030101010101" pitchFamily="2" charset="-122"/>
-                <a:ea typeface="宋体" panose="02010600030101010101" pitchFamily="2" charset="-122"/>
-              </a:rPr>
-              <a:t>标：</a:t>
-            </a:r>
-            <a:r>
-              <a:rPr lang="zh-CN" altLang="en-US" u="sng" dirty="0" smtClean="0">
+              <a:rPr lang="zh-CN" altLang="en-US" u="sng" dirty="0">
                 <a:solidFill>
                   <a:srgbClr val="FF0000"/>
                 </a:solidFill>
@@ -24628,7 +24209,7 @@
               </a:rPr>
               <a:t>灵敏度</a:t>
             </a:r>
-            <a:endParaRPr lang="en-US" altLang="zh-CN" u="sng" dirty="0" smtClean="0">
+            <a:endParaRPr lang="en-US" altLang="zh-CN" u="sng" dirty="0">
               <a:solidFill>
                 <a:srgbClr val="FF0000"/>
               </a:solidFill>
@@ -24638,56 +24219,56 @@
           </a:p>
           <a:p>
             <a:r>
-              <a:rPr lang="en-US" dirty="0" smtClean="0">
+              <a:rPr lang="en-US" dirty="0">
                 <a:latin typeface="宋体" panose="02010600030101010101" pitchFamily="2" charset="-122"/>
                 <a:ea typeface="宋体" panose="02010600030101010101" pitchFamily="2" charset="-122"/>
               </a:rPr>
               <a:t>AUC</a:t>
             </a:r>
             <a:r>
-              <a:rPr lang="zh-CN" altLang="en-US" dirty="0" smtClean="0">
+              <a:rPr lang="zh-CN" altLang="en-US" dirty="0">
                 <a:latin typeface="宋体" panose="02010600030101010101" pitchFamily="2" charset="-122"/>
                 <a:ea typeface="宋体" panose="02010600030101010101" pitchFamily="2" charset="-122"/>
               </a:rPr>
               <a:t>（</a:t>
             </a:r>
             <a:r>
-              <a:rPr lang="en-US" altLang="zh-CN" dirty="0" smtClean="0">
+              <a:rPr lang="en-US" altLang="zh-CN" dirty="0">
                 <a:latin typeface="宋体" panose="02010600030101010101" pitchFamily="2" charset="-122"/>
                 <a:ea typeface="宋体" panose="02010600030101010101" pitchFamily="2" charset="-122"/>
               </a:rPr>
               <a:t>area under curve</a:t>
             </a:r>
             <a:r>
-              <a:rPr lang="zh-CN" altLang="en-US" dirty="0" smtClean="0">
+              <a:rPr lang="zh-CN" altLang="en-US" dirty="0">
                 <a:latin typeface="宋体" panose="02010600030101010101" pitchFamily="2" charset="-122"/>
                 <a:ea typeface="宋体" panose="02010600030101010101" pitchFamily="2" charset="-122"/>
               </a:rPr>
               <a:t>）：</a:t>
             </a:r>
             <a:r>
-              <a:rPr lang="en-US" altLang="zh-CN" dirty="0" smtClean="0">
+              <a:rPr lang="en-US" altLang="zh-CN" dirty="0">
                 <a:latin typeface="宋体" panose="02010600030101010101" pitchFamily="2" charset="-122"/>
                 <a:ea typeface="宋体" panose="02010600030101010101" pitchFamily="2" charset="-122"/>
               </a:rPr>
               <a:t>ROC</a:t>
             </a:r>
             <a:r>
-              <a:rPr lang="zh-CN" altLang="en-US" dirty="0" smtClean="0">
+              <a:rPr lang="zh-CN" altLang="en-US" dirty="0">
                 <a:latin typeface="宋体" panose="02010600030101010101" pitchFamily="2" charset="-122"/>
                 <a:ea typeface="宋体" panose="02010600030101010101" pitchFamily="2" charset="-122"/>
               </a:rPr>
               <a:t>曲线下方面积，取值为</a:t>
             </a:r>
             <a:r>
-              <a:rPr lang="en-US" altLang="zh-CN" dirty="0" smtClean="0">
+              <a:rPr lang="en-US" altLang="zh-CN" dirty="0">
                 <a:latin typeface="宋体" panose="02010600030101010101" pitchFamily="2" charset="-122"/>
                 <a:ea typeface="宋体" panose="02010600030101010101" pitchFamily="2" charset="-122"/>
               </a:rPr>
               <a:t>0.5-1</a:t>
             </a:r>
             <a:r>
-              <a:rPr lang="zh-CN" altLang="en-US" dirty="0" smtClean="0">
+              <a:rPr lang="zh-CN" altLang="en-US" dirty="0">
                 <a:latin typeface="宋体" panose="02010600030101010101" pitchFamily="2" charset="-122"/>
                 <a:ea typeface="宋体" panose="02010600030101010101" pitchFamily="2" charset="-122"/>
               </a:rPr>
@@ -24804,6 +24385,3134 @@
           <a:chExt cx="0" cy="0"/>
         </a:xfrm>
       </p:grpSpPr>
+      <p:graphicFrame>
+        <p:nvGraphicFramePr>
+          <p:cNvPr id="2" name="表格 1">
+            <a:extLst>
+              <a:ext uri="{FF2B5EF4-FFF2-40B4-BE49-F238E27FC236}">
+                <a16:creationId xmlns:a16="http://schemas.microsoft.com/office/drawing/2014/main" id="{7F83C6A5-A98B-46FC-8E65-B7994085C49E}"/>
+              </a:ext>
+            </a:extLst>
+          </p:cNvPr>
+          <p:cNvGraphicFramePr>
+            <a:graphicFrameLocks noGrp="1"/>
+          </p:cNvGraphicFramePr>
+          <p:nvPr>
+            <p:extLst>
+              <p:ext uri="{D42A27DB-BD31-4B8C-83A1-F6EECF244321}">
+                <p14:modId xmlns:p14="http://schemas.microsoft.com/office/powerpoint/2010/main" val="3998823626"/>
+              </p:ext>
+            </p:extLst>
+          </p:nvPr>
+        </p:nvGraphicFramePr>
+        <p:xfrm>
+          <a:off x="1679892" y="1269000"/>
+          <a:ext cx="8640001" cy="4320000"/>
+        </p:xfrm>
+        <a:graphic>
+          <a:graphicData uri="http://schemas.openxmlformats.org/drawingml/2006/table">
+            <a:tbl>
+              <a:tblPr firstRow="1" firstCol="1" bandRow="1"/>
+              <a:tblGrid>
+                <a:gridCol w="1731605">
+                  <a:extLst>
+                    <a:ext uri="{9D8B030D-6E8A-4147-A177-3AD203B41FA5}">
+                      <a16:colId xmlns:a16="http://schemas.microsoft.com/office/drawing/2014/main" val="3482888154"/>
+                    </a:ext>
+                  </a:extLst>
+                </a:gridCol>
+                <a:gridCol w="1731605">
+                  <a:extLst>
+                    <a:ext uri="{9D8B030D-6E8A-4147-A177-3AD203B41FA5}">
+                      <a16:colId xmlns:a16="http://schemas.microsoft.com/office/drawing/2014/main" val="3620505103"/>
+                    </a:ext>
+                  </a:extLst>
+                </a:gridCol>
+                <a:gridCol w="1737239">
+                  <a:extLst>
+                    <a:ext uri="{9D8B030D-6E8A-4147-A177-3AD203B41FA5}">
+                      <a16:colId xmlns:a16="http://schemas.microsoft.com/office/drawing/2014/main" val="118676284"/>
+                    </a:ext>
+                  </a:extLst>
+                </a:gridCol>
+                <a:gridCol w="1737239">
+                  <a:extLst>
+                    <a:ext uri="{9D8B030D-6E8A-4147-A177-3AD203B41FA5}">
+                      <a16:colId xmlns:a16="http://schemas.microsoft.com/office/drawing/2014/main" val="2842176945"/>
+                    </a:ext>
+                  </a:extLst>
+                </a:gridCol>
+                <a:gridCol w="1702313">
+                  <a:extLst>
+                    <a:ext uri="{9D8B030D-6E8A-4147-A177-3AD203B41FA5}">
+                      <a16:colId xmlns:a16="http://schemas.microsoft.com/office/drawing/2014/main" val="1459306596"/>
+                    </a:ext>
+                  </a:extLst>
+                </a:gridCol>
+              </a:tblGrid>
+              <a:tr h="864000">
+                <a:tc>
+                  <a:txBody>
+                    <a:bodyPr/>
+                    <a:lstStyle/>
+                    <a:p>
+                      <a:pPr algn="ctr">
+                        <a:lnSpc>
+                          <a:spcPct val="107000"/>
+                        </a:lnSpc>
+                        <a:spcAft>
+                          <a:spcPts val="0"/>
+                        </a:spcAft>
+                      </a:pPr>
+                      <a:r>
+                        <a:rPr lang="en-US" altLang="zh-CN" sz="2000" b="1" u="sng" dirty="0">
+                          <a:solidFill>
+                            <a:srgbClr val="2E74B5"/>
+                          </a:solidFill>
+                          <a:effectLst/>
+                          <a:latin typeface="Calibri" panose="020F0502020204030204" pitchFamily="34" charset="0"/>
+                          <a:ea typeface="宋体" panose="02010600030101010101" pitchFamily="2" charset="-122"/>
+                          <a:cs typeface="Times New Roman" panose="02020603050405020304" pitchFamily="18" charset="0"/>
+                        </a:rPr>
+                        <a:t>Case 1</a:t>
+                      </a:r>
+                      <a:endParaRPr lang="zh-CN" sz="2000" dirty="0">
+                        <a:effectLst/>
+                        <a:latin typeface="Calibri" panose="020F0502020204030204" pitchFamily="34" charset="0"/>
+                        <a:ea typeface="宋体" panose="02010600030101010101" pitchFamily="2" charset="-122"/>
+                        <a:cs typeface="Times New Roman" panose="02020603050405020304" pitchFamily="18" charset="0"/>
+                      </a:endParaRPr>
+                    </a:p>
+                  </a:txBody>
+                  <a:tcPr marL="68580" marR="68580" marT="0" marB="0" anchor="ctr">
+                    <a:lnL>
+                      <a:noFill/>
+                    </a:lnL>
+                    <a:lnR>
+                      <a:noFill/>
+                    </a:lnR>
+                    <a:lnT>
+                      <a:noFill/>
+                    </a:lnT>
+                    <a:lnB>
+                      <a:noFill/>
+                    </a:lnB>
+                  </a:tcPr>
+                </a:tc>
+                <a:tc>
+                  <a:txBody>
+                    <a:bodyPr/>
+                    <a:lstStyle/>
+                    <a:p>
+                      <a:pPr algn="ctr">
+                        <a:lnSpc>
+                          <a:spcPct val="107000"/>
+                        </a:lnSpc>
+                        <a:spcAft>
+                          <a:spcPts val="0"/>
+                        </a:spcAft>
+                      </a:pPr>
+                      <a:r>
+                        <a:rPr lang="en-US" sz="2000">
+                          <a:effectLst/>
+                          <a:latin typeface="Calibri" panose="020F0502020204030204" pitchFamily="34" charset="0"/>
+                          <a:ea typeface="宋体" panose="02010600030101010101" pitchFamily="2" charset="-122"/>
+                          <a:cs typeface="Times New Roman" panose="02020603050405020304" pitchFamily="18" charset="0"/>
+                        </a:rPr>
+                        <a:t> </a:t>
+                      </a:r>
+                      <a:endParaRPr lang="zh-CN" sz="2000">
+                        <a:effectLst/>
+                        <a:latin typeface="Calibri" panose="020F0502020204030204" pitchFamily="34" charset="0"/>
+                        <a:ea typeface="宋体" panose="02010600030101010101" pitchFamily="2" charset="-122"/>
+                        <a:cs typeface="Times New Roman" panose="02020603050405020304" pitchFamily="18" charset="0"/>
+                      </a:endParaRPr>
+                    </a:p>
+                  </a:txBody>
+                  <a:tcPr marL="68580" marR="68580" marT="0" marB="0" anchor="ctr">
+                    <a:lnL>
+                      <a:noFill/>
+                    </a:lnL>
+                    <a:lnR w="12700" cap="flat" cmpd="sng" algn="ctr">
+                      <a:solidFill>
+                        <a:srgbClr val="000000"/>
+                      </a:solidFill>
+                      <a:prstDash val="solid"/>
+                      <a:round/>
+                      <a:headEnd type="none" w="med" len="med"/>
+                      <a:tailEnd type="none" w="med" len="med"/>
+                    </a:lnR>
+                    <a:lnT>
+                      <a:noFill/>
+                    </a:lnT>
+                    <a:lnB>
+                      <a:noFill/>
+                    </a:lnB>
+                  </a:tcPr>
+                </a:tc>
+                <a:tc gridSpan="2">
+                  <a:txBody>
+                    <a:bodyPr/>
+                    <a:lstStyle/>
+                    <a:p>
+                      <a:pPr algn="ctr">
+                        <a:lnSpc>
+                          <a:spcPct val="107000"/>
+                        </a:lnSpc>
+                        <a:spcAft>
+                          <a:spcPts val="0"/>
+                        </a:spcAft>
+                      </a:pPr>
+                      <a:r>
+                        <a:rPr lang="zh-CN" sz="2000">
+                          <a:effectLst/>
+                          <a:latin typeface="Calibri" panose="020F0502020204030204" pitchFamily="34" charset="0"/>
+                          <a:ea typeface="宋体" panose="02010600030101010101" pitchFamily="2" charset="-122"/>
+                          <a:cs typeface="Times New Roman" panose="02020603050405020304" pitchFamily="18" charset="0"/>
+                        </a:rPr>
+                        <a:t>真实情况</a:t>
+                      </a:r>
+                    </a:p>
+                  </a:txBody>
+                  <a:tcPr marL="68580" marR="68580" marT="0" marB="0" anchor="ctr">
+                    <a:lnL w="12700" cap="flat" cmpd="sng" algn="ctr">
+                      <a:solidFill>
+                        <a:srgbClr val="000000"/>
+                      </a:solidFill>
+                      <a:prstDash val="solid"/>
+                      <a:round/>
+                      <a:headEnd type="none" w="med" len="med"/>
+                      <a:tailEnd type="none" w="med" len="med"/>
+                    </a:lnL>
+                    <a:lnR w="12700" cap="flat" cmpd="sng" algn="ctr">
+                      <a:solidFill>
+                        <a:srgbClr val="000000"/>
+                      </a:solidFill>
+                      <a:prstDash val="solid"/>
+                      <a:round/>
+                      <a:headEnd type="none" w="med" len="med"/>
+                      <a:tailEnd type="none" w="med" len="med"/>
+                    </a:lnR>
+                    <a:lnT w="12700" cap="flat" cmpd="sng" algn="ctr">
+                      <a:solidFill>
+                        <a:srgbClr val="000000"/>
+                      </a:solidFill>
+                      <a:prstDash val="solid"/>
+                      <a:round/>
+                      <a:headEnd type="none" w="med" len="med"/>
+                      <a:tailEnd type="none" w="med" len="med"/>
+                    </a:lnT>
+                    <a:lnB w="12700" cap="flat" cmpd="sng" algn="ctr">
+                      <a:solidFill>
+                        <a:srgbClr val="000000"/>
+                      </a:solidFill>
+                      <a:prstDash val="solid"/>
+                      <a:round/>
+                      <a:headEnd type="none" w="med" len="med"/>
+                      <a:tailEnd type="none" w="med" len="med"/>
+                    </a:lnB>
+                  </a:tcPr>
+                </a:tc>
+                <a:tc hMerge="1">
+                  <a:txBody>
+                    <a:bodyPr/>
+                    <a:lstStyle/>
+                    <a:p>
+                      <a:endParaRPr lang="zh-CN" altLang="en-US"/>
+                    </a:p>
+                  </a:txBody>
+                  <a:tcPr/>
+                </a:tc>
+                <a:tc>
+                  <a:txBody>
+                    <a:bodyPr/>
+                    <a:lstStyle/>
+                    <a:p>
+                      <a:pPr algn="ctr">
+                        <a:lnSpc>
+                          <a:spcPct val="107000"/>
+                        </a:lnSpc>
+                        <a:spcAft>
+                          <a:spcPts val="0"/>
+                        </a:spcAft>
+                      </a:pPr>
+                      <a:r>
+                        <a:rPr lang="en-US" sz="2000">
+                          <a:effectLst/>
+                          <a:latin typeface="Calibri" panose="020F0502020204030204" pitchFamily="34" charset="0"/>
+                          <a:ea typeface="宋体" panose="02010600030101010101" pitchFamily="2" charset="-122"/>
+                          <a:cs typeface="Times New Roman" panose="02020603050405020304" pitchFamily="18" charset="0"/>
+                        </a:rPr>
+                        <a:t> </a:t>
+                      </a:r>
+                      <a:endParaRPr lang="zh-CN" sz="2000">
+                        <a:effectLst/>
+                        <a:latin typeface="Calibri" panose="020F0502020204030204" pitchFamily="34" charset="0"/>
+                        <a:ea typeface="宋体" panose="02010600030101010101" pitchFamily="2" charset="-122"/>
+                        <a:cs typeface="Times New Roman" panose="02020603050405020304" pitchFamily="18" charset="0"/>
+                      </a:endParaRPr>
+                    </a:p>
+                  </a:txBody>
+                  <a:tcPr marL="68580" marR="68580" marT="0" marB="0" anchor="ctr">
+                    <a:lnL w="12700" cap="flat" cmpd="sng" algn="ctr">
+                      <a:solidFill>
+                        <a:srgbClr val="000000"/>
+                      </a:solidFill>
+                      <a:prstDash val="solid"/>
+                      <a:round/>
+                      <a:headEnd type="none" w="med" len="med"/>
+                      <a:tailEnd type="none" w="med" len="med"/>
+                    </a:lnL>
+                    <a:lnR>
+                      <a:noFill/>
+                    </a:lnR>
+                    <a:lnT>
+                      <a:noFill/>
+                    </a:lnT>
+                    <a:lnB>
+                      <a:noFill/>
+                    </a:lnB>
+                  </a:tcPr>
+                </a:tc>
+                <a:extLst>
+                  <a:ext uri="{0D108BD9-81ED-4DB2-BD59-A6C34878D82A}">
+                    <a16:rowId xmlns:a16="http://schemas.microsoft.com/office/drawing/2014/main" val="536808293"/>
+                  </a:ext>
+                </a:extLst>
+              </a:tr>
+              <a:tr h="864000">
+                <a:tc>
+                  <a:txBody>
+                    <a:bodyPr/>
+                    <a:lstStyle/>
+                    <a:p>
+                      <a:pPr algn="ctr">
+                        <a:lnSpc>
+                          <a:spcPct val="107000"/>
+                        </a:lnSpc>
+                        <a:spcAft>
+                          <a:spcPts val="0"/>
+                        </a:spcAft>
+                      </a:pPr>
+                      <a:r>
+                        <a:rPr lang="en-US" sz="2000">
+                          <a:effectLst/>
+                          <a:latin typeface="Calibri" panose="020F0502020204030204" pitchFamily="34" charset="0"/>
+                          <a:ea typeface="宋体" panose="02010600030101010101" pitchFamily="2" charset="-122"/>
+                          <a:cs typeface="Times New Roman" panose="02020603050405020304" pitchFamily="18" charset="0"/>
+                        </a:rPr>
+                        <a:t> </a:t>
+                      </a:r>
+                      <a:endParaRPr lang="zh-CN" sz="2000">
+                        <a:effectLst/>
+                        <a:latin typeface="Calibri" panose="020F0502020204030204" pitchFamily="34" charset="0"/>
+                        <a:ea typeface="宋体" panose="02010600030101010101" pitchFamily="2" charset="-122"/>
+                        <a:cs typeface="Times New Roman" panose="02020603050405020304" pitchFamily="18" charset="0"/>
+                      </a:endParaRPr>
+                    </a:p>
+                  </a:txBody>
+                  <a:tcPr marL="68580" marR="68580" marT="0" marB="0" anchor="ctr">
+                    <a:lnL>
+                      <a:noFill/>
+                    </a:lnL>
+                    <a:lnR>
+                      <a:noFill/>
+                    </a:lnR>
+                    <a:lnT>
+                      <a:noFill/>
+                    </a:lnT>
+                    <a:lnB w="12700" cap="flat" cmpd="sng" algn="ctr">
+                      <a:solidFill>
+                        <a:srgbClr val="000000"/>
+                      </a:solidFill>
+                      <a:prstDash val="solid"/>
+                      <a:round/>
+                      <a:headEnd type="none" w="med" len="med"/>
+                      <a:tailEnd type="none" w="med" len="med"/>
+                    </a:lnB>
+                  </a:tcPr>
+                </a:tc>
+                <a:tc>
+                  <a:txBody>
+                    <a:bodyPr/>
+                    <a:lstStyle/>
+                    <a:p>
+                      <a:pPr algn="ctr">
+                        <a:lnSpc>
+                          <a:spcPct val="107000"/>
+                        </a:lnSpc>
+                        <a:spcAft>
+                          <a:spcPts val="0"/>
+                        </a:spcAft>
+                      </a:pPr>
+                      <a:r>
+                        <a:rPr lang="en-US" sz="2000">
+                          <a:effectLst/>
+                          <a:latin typeface="Calibri" panose="020F0502020204030204" pitchFamily="34" charset="0"/>
+                          <a:ea typeface="宋体" panose="02010600030101010101" pitchFamily="2" charset="-122"/>
+                          <a:cs typeface="Times New Roman" panose="02020603050405020304" pitchFamily="18" charset="0"/>
+                        </a:rPr>
+                        <a:t> </a:t>
+                      </a:r>
+                      <a:endParaRPr lang="zh-CN" sz="2000">
+                        <a:effectLst/>
+                        <a:latin typeface="Calibri" panose="020F0502020204030204" pitchFamily="34" charset="0"/>
+                        <a:ea typeface="宋体" panose="02010600030101010101" pitchFamily="2" charset="-122"/>
+                        <a:cs typeface="Times New Roman" panose="02020603050405020304" pitchFamily="18" charset="0"/>
+                      </a:endParaRPr>
+                    </a:p>
+                  </a:txBody>
+                  <a:tcPr marL="68580" marR="68580" marT="0" marB="0" anchor="ctr">
+                    <a:lnL>
+                      <a:noFill/>
+                    </a:lnL>
+                    <a:lnR w="12700" cap="flat" cmpd="sng" algn="ctr">
+                      <a:solidFill>
+                        <a:srgbClr val="000000"/>
+                      </a:solidFill>
+                      <a:prstDash val="solid"/>
+                      <a:round/>
+                      <a:headEnd type="none" w="med" len="med"/>
+                      <a:tailEnd type="none" w="med" len="med"/>
+                    </a:lnR>
+                    <a:lnT>
+                      <a:noFill/>
+                    </a:lnT>
+                    <a:lnB w="12700" cap="flat" cmpd="sng" algn="ctr">
+                      <a:solidFill>
+                        <a:srgbClr val="000000"/>
+                      </a:solidFill>
+                      <a:prstDash val="solid"/>
+                      <a:round/>
+                      <a:headEnd type="none" w="med" len="med"/>
+                      <a:tailEnd type="none" w="med" len="med"/>
+                    </a:lnB>
+                  </a:tcPr>
+                </a:tc>
+                <a:tc>
+                  <a:txBody>
+                    <a:bodyPr/>
+                    <a:lstStyle/>
+                    <a:p>
+                      <a:pPr algn="ctr">
+                        <a:lnSpc>
+                          <a:spcPct val="107000"/>
+                        </a:lnSpc>
+                        <a:spcAft>
+                          <a:spcPts val="0"/>
+                        </a:spcAft>
+                      </a:pPr>
+                      <a:r>
+                        <a:rPr lang="zh-CN" sz="2000">
+                          <a:effectLst/>
+                          <a:latin typeface="Calibri" panose="020F0502020204030204" pitchFamily="34" charset="0"/>
+                          <a:ea typeface="宋体" panose="02010600030101010101" pitchFamily="2" charset="-122"/>
+                          <a:cs typeface="Times New Roman" panose="02020603050405020304" pitchFamily="18" charset="0"/>
+                        </a:rPr>
+                        <a:t>患病（阳性）</a:t>
+                      </a:r>
+                    </a:p>
+                  </a:txBody>
+                  <a:tcPr marL="68580" marR="68580" marT="0" marB="0" anchor="ctr">
+                    <a:lnL w="12700" cap="flat" cmpd="sng" algn="ctr">
+                      <a:solidFill>
+                        <a:srgbClr val="000000"/>
+                      </a:solidFill>
+                      <a:prstDash val="solid"/>
+                      <a:round/>
+                      <a:headEnd type="none" w="med" len="med"/>
+                      <a:tailEnd type="none" w="med" len="med"/>
+                    </a:lnL>
+                    <a:lnR w="12700" cap="flat" cmpd="sng" algn="ctr">
+                      <a:solidFill>
+                        <a:srgbClr val="000000"/>
+                      </a:solidFill>
+                      <a:prstDash val="solid"/>
+                      <a:round/>
+                      <a:headEnd type="none" w="med" len="med"/>
+                      <a:tailEnd type="none" w="med" len="med"/>
+                    </a:lnR>
+                    <a:lnT w="12700" cap="flat" cmpd="sng" algn="ctr">
+                      <a:solidFill>
+                        <a:srgbClr val="000000"/>
+                      </a:solidFill>
+                      <a:prstDash val="solid"/>
+                      <a:round/>
+                      <a:headEnd type="none" w="med" len="med"/>
+                      <a:tailEnd type="none" w="med" len="med"/>
+                    </a:lnT>
+                    <a:lnB w="12700" cap="flat" cmpd="sng" algn="ctr">
+                      <a:solidFill>
+                        <a:srgbClr val="000000"/>
+                      </a:solidFill>
+                      <a:prstDash val="solid"/>
+                      <a:round/>
+                      <a:headEnd type="none" w="med" len="med"/>
+                      <a:tailEnd type="none" w="med" len="med"/>
+                    </a:lnB>
+                  </a:tcPr>
+                </a:tc>
+                <a:tc>
+                  <a:txBody>
+                    <a:bodyPr/>
+                    <a:lstStyle/>
+                    <a:p>
+                      <a:pPr algn="ctr">
+                        <a:lnSpc>
+                          <a:spcPct val="107000"/>
+                        </a:lnSpc>
+                        <a:spcAft>
+                          <a:spcPts val="0"/>
+                        </a:spcAft>
+                      </a:pPr>
+                      <a:r>
+                        <a:rPr lang="zh-CN" sz="2000">
+                          <a:effectLst/>
+                          <a:latin typeface="Calibri" panose="020F0502020204030204" pitchFamily="34" charset="0"/>
+                          <a:ea typeface="宋体" panose="02010600030101010101" pitchFamily="2" charset="-122"/>
+                          <a:cs typeface="Times New Roman" panose="02020603050405020304" pitchFamily="18" charset="0"/>
+                        </a:rPr>
+                        <a:t>正常（阴性）</a:t>
+                      </a:r>
+                    </a:p>
+                  </a:txBody>
+                  <a:tcPr marL="68580" marR="68580" marT="0" marB="0" anchor="ctr">
+                    <a:lnL w="12700" cap="flat" cmpd="sng" algn="ctr">
+                      <a:solidFill>
+                        <a:srgbClr val="000000"/>
+                      </a:solidFill>
+                      <a:prstDash val="solid"/>
+                      <a:round/>
+                      <a:headEnd type="none" w="med" len="med"/>
+                      <a:tailEnd type="none" w="med" len="med"/>
+                    </a:lnL>
+                    <a:lnR w="12700" cap="flat" cmpd="sng" algn="ctr">
+                      <a:solidFill>
+                        <a:srgbClr val="000000"/>
+                      </a:solidFill>
+                      <a:prstDash val="solid"/>
+                      <a:round/>
+                      <a:headEnd type="none" w="med" len="med"/>
+                      <a:tailEnd type="none" w="med" len="med"/>
+                    </a:lnR>
+                    <a:lnT w="12700" cap="flat" cmpd="sng" algn="ctr">
+                      <a:solidFill>
+                        <a:srgbClr val="000000"/>
+                      </a:solidFill>
+                      <a:prstDash val="solid"/>
+                      <a:round/>
+                      <a:headEnd type="none" w="med" len="med"/>
+                      <a:tailEnd type="none" w="med" len="med"/>
+                    </a:lnT>
+                    <a:lnB w="12700" cap="flat" cmpd="sng" algn="ctr">
+                      <a:solidFill>
+                        <a:srgbClr val="000000"/>
+                      </a:solidFill>
+                      <a:prstDash val="solid"/>
+                      <a:round/>
+                      <a:headEnd type="none" w="med" len="med"/>
+                      <a:tailEnd type="none" w="med" len="med"/>
+                    </a:lnB>
+                  </a:tcPr>
+                </a:tc>
+                <a:tc>
+                  <a:txBody>
+                    <a:bodyPr/>
+                    <a:lstStyle/>
+                    <a:p>
+                      <a:pPr algn="ctr">
+                        <a:lnSpc>
+                          <a:spcPct val="107000"/>
+                        </a:lnSpc>
+                        <a:spcAft>
+                          <a:spcPts val="0"/>
+                        </a:spcAft>
+                      </a:pPr>
+                      <a:r>
+                        <a:rPr lang="en-US" sz="2000">
+                          <a:effectLst/>
+                          <a:latin typeface="Calibri" panose="020F0502020204030204" pitchFamily="34" charset="0"/>
+                          <a:ea typeface="宋体" panose="02010600030101010101" pitchFamily="2" charset="-122"/>
+                          <a:cs typeface="Times New Roman" panose="02020603050405020304" pitchFamily="18" charset="0"/>
+                        </a:rPr>
+                        <a:t> </a:t>
+                      </a:r>
+                      <a:endParaRPr lang="zh-CN" sz="2000">
+                        <a:effectLst/>
+                        <a:latin typeface="Calibri" panose="020F0502020204030204" pitchFamily="34" charset="0"/>
+                        <a:ea typeface="宋体" panose="02010600030101010101" pitchFamily="2" charset="-122"/>
+                        <a:cs typeface="Times New Roman" panose="02020603050405020304" pitchFamily="18" charset="0"/>
+                      </a:endParaRPr>
+                    </a:p>
+                  </a:txBody>
+                  <a:tcPr marL="68580" marR="68580" marT="0" marB="0" anchor="ctr">
+                    <a:lnL w="12700" cap="flat" cmpd="sng" algn="ctr">
+                      <a:solidFill>
+                        <a:srgbClr val="000000"/>
+                      </a:solidFill>
+                      <a:prstDash val="solid"/>
+                      <a:round/>
+                      <a:headEnd type="none" w="med" len="med"/>
+                      <a:tailEnd type="none" w="med" len="med"/>
+                    </a:lnL>
+                    <a:lnR>
+                      <a:noFill/>
+                    </a:lnR>
+                    <a:lnT>
+                      <a:noFill/>
+                    </a:lnT>
+                    <a:lnB w="12700" cap="flat" cmpd="sng" algn="ctr">
+                      <a:solidFill>
+                        <a:srgbClr val="000000"/>
+                      </a:solidFill>
+                      <a:prstDash val="solid"/>
+                      <a:round/>
+                      <a:headEnd type="none" w="med" len="med"/>
+                      <a:tailEnd type="none" w="med" len="med"/>
+                    </a:lnB>
+                  </a:tcPr>
+                </a:tc>
+                <a:extLst>
+                  <a:ext uri="{0D108BD9-81ED-4DB2-BD59-A6C34878D82A}">
+                    <a16:rowId xmlns:a16="http://schemas.microsoft.com/office/drawing/2014/main" val="3110682841"/>
+                  </a:ext>
+                </a:extLst>
+              </a:tr>
+              <a:tr h="864000">
+                <a:tc rowSpan="2">
+                  <a:txBody>
+                    <a:bodyPr/>
+                    <a:lstStyle/>
+                    <a:p>
+                      <a:pPr algn="ctr">
+                        <a:lnSpc>
+                          <a:spcPct val="107000"/>
+                        </a:lnSpc>
+                        <a:spcAft>
+                          <a:spcPts val="0"/>
+                        </a:spcAft>
+                      </a:pPr>
+                      <a:r>
+                        <a:rPr lang="zh-CN" sz="2000">
+                          <a:effectLst/>
+                          <a:latin typeface="Calibri" panose="020F0502020204030204" pitchFamily="34" charset="0"/>
+                          <a:ea typeface="宋体" panose="02010600030101010101" pitchFamily="2" charset="-122"/>
+                          <a:cs typeface="Times New Roman" panose="02020603050405020304" pitchFamily="18" charset="0"/>
+                        </a:rPr>
+                        <a:t>模型预测</a:t>
+                      </a:r>
+                    </a:p>
+                  </a:txBody>
+                  <a:tcPr marL="68580" marR="68580" marT="0" marB="0" anchor="ctr">
+                    <a:lnL w="12700" cap="flat" cmpd="sng" algn="ctr">
+                      <a:solidFill>
+                        <a:srgbClr val="000000"/>
+                      </a:solidFill>
+                      <a:prstDash val="solid"/>
+                      <a:round/>
+                      <a:headEnd type="none" w="med" len="med"/>
+                      <a:tailEnd type="none" w="med" len="med"/>
+                    </a:lnL>
+                    <a:lnR w="12700" cap="flat" cmpd="sng" algn="ctr">
+                      <a:solidFill>
+                        <a:srgbClr val="000000"/>
+                      </a:solidFill>
+                      <a:prstDash val="solid"/>
+                      <a:round/>
+                      <a:headEnd type="none" w="med" len="med"/>
+                      <a:tailEnd type="none" w="med" len="med"/>
+                    </a:lnR>
+                    <a:lnT w="12700" cap="flat" cmpd="sng" algn="ctr">
+                      <a:solidFill>
+                        <a:srgbClr val="000000"/>
+                      </a:solidFill>
+                      <a:prstDash val="solid"/>
+                      <a:round/>
+                      <a:headEnd type="none" w="med" len="med"/>
+                      <a:tailEnd type="none" w="med" len="med"/>
+                    </a:lnT>
+                    <a:lnB w="12700" cap="flat" cmpd="sng" algn="ctr">
+                      <a:solidFill>
+                        <a:srgbClr val="000000"/>
+                      </a:solidFill>
+                      <a:prstDash val="solid"/>
+                      <a:round/>
+                      <a:headEnd type="none" w="med" len="med"/>
+                      <a:tailEnd type="none" w="med" len="med"/>
+                    </a:lnB>
+                  </a:tcPr>
+                </a:tc>
+                <a:tc>
+                  <a:txBody>
+                    <a:bodyPr/>
+                    <a:lstStyle/>
+                    <a:p>
+                      <a:pPr algn="ctr">
+                        <a:lnSpc>
+                          <a:spcPct val="107000"/>
+                        </a:lnSpc>
+                        <a:spcAft>
+                          <a:spcPts val="0"/>
+                        </a:spcAft>
+                      </a:pPr>
+                      <a:r>
+                        <a:rPr lang="zh-CN" sz="2000">
+                          <a:effectLst/>
+                          <a:latin typeface="Calibri" panose="020F0502020204030204" pitchFamily="34" charset="0"/>
+                          <a:ea typeface="宋体" panose="02010600030101010101" pitchFamily="2" charset="-122"/>
+                          <a:cs typeface="Times New Roman" panose="02020603050405020304" pitchFamily="18" charset="0"/>
+                        </a:rPr>
+                        <a:t>患病（阳性）</a:t>
+                      </a:r>
+                    </a:p>
+                  </a:txBody>
+                  <a:tcPr marL="68580" marR="68580" marT="0" marB="0" anchor="ctr">
+                    <a:lnL w="12700" cap="flat" cmpd="sng" algn="ctr">
+                      <a:solidFill>
+                        <a:srgbClr val="000000"/>
+                      </a:solidFill>
+                      <a:prstDash val="solid"/>
+                      <a:round/>
+                      <a:headEnd type="none" w="med" len="med"/>
+                      <a:tailEnd type="none" w="med" len="med"/>
+                    </a:lnL>
+                    <a:lnR w="12700" cap="flat" cmpd="sng" algn="ctr">
+                      <a:solidFill>
+                        <a:srgbClr val="000000"/>
+                      </a:solidFill>
+                      <a:prstDash val="solid"/>
+                      <a:round/>
+                      <a:headEnd type="none" w="med" len="med"/>
+                      <a:tailEnd type="none" w="med" len="med"/>
+                    </a:lnR>
+                    <a:lnT w="12700" cap="flat" cmpd="sng" algn="ctr">
+                      <a:solidFill>
+                        <a:srgbClr val="000000"/>
+                      </a:solidFill>
+                      <a:prstDash val="solid"/>
+                      <a:round/>
+                      <a:headEnd type="none" w="med" len="med"/>
+                      <a:tailEnd type="none" w="med" len="med"/>
+                    </a:lnT>
+                    <a:lnB w="12700" cap="flat" cmpd="sng" algn="ctr">
+                      <a:solidFill>
+                        <a:srgbClr val="000000"/>
+                      </a:solidFill>
+                      <a:prstDash val="solid"/>
+                      <a:round/>
+                      <a:headEnd type="none" w="med" len="med"/>
+                      <a:tailEnd type="none" w="med" len="med"/>
+                    </a:lnB>
+                  </a:tcPr>
+                </a:tc>
+                <a:tc>
+                  <a:txBody>
+                    <a:bodyPr/>
+                    <a:lstStyle/>
+                    <a:p>
+                      <a:pPr algn="ctr">
+                        <a:lnSpc>
+                          <a:spcPct val="107000"/>
+                        </a:lnSpc>
+                        <a:spcAft>
+                          <a:spcPts val="0"/>
+                        </a:spcAft>
+                      </a:pPr>
+                      <a:r>
+                        <a:rPr lang="en-US" altLang="zh-CN" sz="2000" dirty="0">
+                          <a:effectLst/>
+                          <a:latin typeface="Calibri" panose="020F0502020204030204" pitchFamily="34" charset="0"/>
+                          <a:ea typeface="宋体" panose="02010600030101010101" pitchFamily="2" charset="-122"/>
+                          <a:cs typeface="Times New Roman" panose="02020603050405020304" pitchFamily="18" charset="0"/>
+                        </a:rPr>
+                        <a:t>0</a:t>
+                      </a:r>
+                      <a:endParaRPr lang="zh-CN" sz="2000" dirty="0">
+                        <a:effectLst/>
+                        <a:latin typeface="Calibri" panose="020F0502020204030204" pitchFamily="34" charset="0"/>
+                        <a:ea typeface="宋体" panose="02010600030101010101" pitchFamily="2" charset="-122"/>
+                        <a:cs typeface="Times New Roman" panose="02020603050405020304" pitchFamily="18" charset="0"/>
+                      </a:endParaRPr>
+                    </a:p>
+                  </a:txBody>
+                  <a:tcPr marL="68580" marR="68580" marT="0" marB="0" anchor="ctr">
+                    <a:lnL w="12700" cap="flat" cmpd="sng" algn="ctr">
+                      <a:solidFill>
+                        <a:srgbClr val="000000"/>
+                      </a:solidFill>
+                      <a:prstDash val="solid"/>
+                      <a:round/>
+                      <a:headEnd type="none" w="med" len="med"/>
+                      <a:tailEnd type="none" w="med" len="med"/>
+                    </a:lnL>
+                    <a:lnR w="12700" cap="flat" cmpd="sng" algn="ctr">
+                      <a:solidFill>
+                        <a:srgbClr val="000000"/>
+                      </a:solidFill>
+                      <a:prstDash val="solid"/>
+                      <a:round/>
+                      <a:headEnd type="none" w="med" len="med"/>
+                      <a:tailEnd type="none" w="med" len="med"/>
+                    </a:lnR>
+                    <a:lnT w="12700" cap="flat" cmpd="sng" algn="ctr">
+                      <a:solidFill>
+                        <a:srgbClr val="000000"/>
+                      </a:solidFill>
+                      <a:prstDash val="solid"/>
+                      <a:round/>
+                      <a:headEnd type="none" w="med" len="med"/>
+                      <a:tailEnd type="none" w="med" len="med"/>
+                    </a:lnT>
+                    <a:lnB w="12700" cap="flat" cmpd="sng" algn="ctr">
+                      <a:solidFill>
+                        <a:srgbClr val="000000"/>
+                      </a:solidFill>
+                      <a:prstDash val="solid"/>
+                      <a:round/>
+                      <a:headEnd type="none" w="med" len="med"/>
+                      <a:tailEnd type="none" w="med" len="med"/>
+                    </a:lnB>
+                  </a:tcPr>
+                </a:tc>
+                <a:tc>
+                  <a:txBody>
+                    <a:bodyPr/>
+                    <a:lstStyle/>
+                    <a:p>
+                      <a:pPr algn="ctr">
+                        <a:lnSpc>
+                          <a:spcPct val="107000"/>
+                        </a:lnSpc>
+                        <a:spcAft>
+                          <a:spcPts val="0"/>
+                        </a:spcAft>
+                      </a:pPr>
+                      <a:r>
+                        <a:rPr lang="en-US" sz="2000" dirty="0">
+                          <a:effectLst/>
+                          <a:latin typeface="Calibri" panose="020F0502020204030204" pitchFamily="34" charset="0"/>
+                          <a:ea typeface="宋体" panose="02010600030101010101" pitchFamily="2" charset="-122"/>
+                          <a:cs typeface="Times New Roman" panose="02020603050405020304" pitchFamily="18" charset="0"/>
+                        </a:rPr>
+                        <a:t>0</a:t>
+                      </a:r>
+                      <a:endParaRPr lang="zh-CN" sz="2000" dirty="0">
+                        <a:effectLst/>
+                        <a:latin typeface="Calibri" panose="020F0502020204030204" pitchFamily="34" charset="0"/>
+                        <a:ea typeface="宋体" panose="02010600030101010101" pitchFamily="2" charset="-122"/>
+                        <a:cs typeface="Times New Roman" panose="02020603050405020304" pitchFamily="18" charset="0"/>
+                      </a:endParaRPr>
+                    </a:p>
+                  </a:txBody>
+                  <a:tcPr marL="68580" marR="68580" marT="0" marB="0" anchor="ctr">
+                    <a:lnL w="12700" cap="flat" cmpd="sng" algn="ctr">
+                      <a:solidFill>
+                        <a:srgbClr val="000000"/>
+                      </a:solidFill>
+                      <a:prstDash val="solid"/>
+                      <a:round/>
+                      <a:headEnd type="none" w="med" len="med"/>
+                      <a:tailEnd type="none" w="med" len="med"/>
+                    </a:lnL>
+                    <a:lnR w="12700" cap="flat" cmpd="sng" algn="ctr">
+                      <a:solidFill>
+                        <a:srgbClr val="000000"/>
+                      </a:solidFill>
+                      <a:prstDash val="solid"/>
+                      <a:round/>
+                      <a:headEnd type="none" w="med" len="med"/>
+                      <a:tailEnd type="none" w="med" len="med"/>
+                    </a:lnR>
+                    <a:lnT w="12700" cap="flat" cmpd="sng" algn="ctr">
+                      <a:solidFill>
+                        <a:srgbClr val="000000"/>
+                      </a:solidFill>
+                      <a:prstDash val="solid"/>
+                      <a:round/>
+                      <a:headEnd type="none" w="med" len="med"/>
+                      <a:tailEnd type="none" w="med" len="med"/>
+                    </a:lnT>
+                    <a:lnB w="12700" cap="flat" cmpd="sng" algn="ctr">
+                      <a:solidFill>
+                        <a:srgbClr val="000000"/>
+                      </a:solidFill>
+                      <a:prstDash val="solid"/>
+                      <a:round/>
+                      <a:headEnd type="none" w="med" len="med"/>
+                      <a:tailEnd type="none" w="med" len="med"/>
+                    </a:lnB>
+                  </a:tcPr>
+                </a:tc>
+                <a:tc>
+                  <a:txBody>
+                    <a:bodyPr/>
+                    <a:lstStyle/>
+                    <a:p>
+                      <a:pPr algn="ctr">
+                        <a:lnSpc>
+                          <a:spcPct val="107000"/>
+                        </a:lnSpc>
+                        <a:spcAft>
+                          <a:spcPts val="0"/>
+                        </a:spcAft>
+                      </a:pPr>
+                      <a:r>
+                        <a:rPr lang="en-US" altLang="zh-CN" sz="2000" dirty="0">
+                          <a:effectLst/>
+                          <a:latin typeface="Calibri" panose="020F0502020204030204" pitchFamily="34" charset="0"/>
+                          <a:ea typeface="宋体" panose="02010600030101010101" pitchFamily="2" charset="-122"/>
+                          <a:cs typeface="Times New Roman" panose="02020603050405020304" pitchFamily="18" charset="0"/>
+                        </a:rPr>
+                        <a:t>0</a:t>
+                      </a:r>
+                      <a:endParaRPr lang="zh-CN" sz="2000" dirty="0">
+                        <a:effectLst/>
+                        <a:latin typeface="Calibri" panose="020F0502020204030204" pitchFamily="34" charset="0"/>
+                        <a:ea typeface="宋体" panose="02010600030101010101" pitchFamily="2" charset="-122"/>
+                        <a:cs typeface="Times New Roman" panose="02020603050405020304" pitchFamily="18" charset="0"/>
+                      </a:endParaRPr>
+                    </a:p>
+                  </a:txBody>
+                  <a:tcPr marL="68580" marR="68580" marT="0" marB="0" anchor="ctr">
+                    <a:lnL w="12700" cap="flat" cmpd="sng" algn="ctr">
+                      <a:solidFill>
+                        <a:srgbClr val="000000"/>
+                      </a:solidFill>
+                      <a:prstDash val="solid"/>
+                      <a:round/>
+                      <a:headEnd type="none" w="med" len="med"/>
+                      <a:tailEnd type="none" w="med" len="med"/>
+                    </a:lnL>
+                    <a:lnR w="12700" cap="flat" cmpd="sng" algn="ctr">
+                      <a:solidFill>
+                        <a:srgbClr val="000000"/>
+                      </a:solidFill>
+                      <a:prstDash val="solid"/>
+                      <a:round/>
+                      <a:headEnd type="none" w="med" len="med"/>
+                      <a:tailEnd type="none" w="med" len="med"/>
+                    </a:lnR>
+                    <a:lnT w="12700" cap="flat" cmpd="sng" algn="ctr">
+                      <a:solidFill>
+                        <a:srgbClr val="000000"/>
+                      </a:solidFill>
+                      <a:prstDash val="solid"/>
+                      <a:round/>
+                      <a:headEnd type="none" w="med" len="med"/>
+                      <a:tailEnd type="none" w="med" len="med"/>
+                    </a:lnT>
+                    <a:lnB w="12700" cap="flat" cmpd="sng" algn="ctr">
+                      <a:solidFill>
+                        <a:srgbClr val="000000"/>
+                      </a:solidFill>
+                      <a:prstDash val="solid"/>
+                      <a:round/>
+                      <a:headEnd type="none" w="med" len="med"/>
+                      <a:tailEnd type="none" w="med" len="med"/>
+                    </a:lnB>
+                  </a:tcPr>
+                </a:tc>
+                <a:extLst>
+                  <a:ext uri="{0D108BD9-81ED-4DB2-BD59-A6C34878D82A}">
+                    <a16:rowId xmlns:a16="http://schemas.microsoft.com/office/drawing/2014/main" val="1415686338"/>
+                  </a:ext>
+                </a:extLst>
+              </a:tr>
+              <a:tr h="864000">
+                <a:tc vMerge="1">
+                  <a:txBody>
+                    <a:bodyPr/>
+                    <a:lstStyle/>
+                    <a:p>
+                      <a:endParaRPr lang="zh-CN" altLang="en-US"/>
+                    </a:p>
+                  </a:txBody>
+                  <a:tcPr/>
+                </a:tc>
+                <a:tc>
+                  <a:txBody>
+                    <a:bodyPr/>
+                    <a:lstStyle/>
+                    <a:p>
+                      <a:pPr algn="ctr">
+                        <a:lnSpc>
+                          <a:spcPct val="107000"/>
+                        </a:lnSpc>
+                        <a:spcAft>
+                          <a:spcPts val="0"/>
+                        </a:spcAft>
+                      </a:pPr>
+                      <a:r>
+                        <a:rPr lang="zh-CN" sz="2000">
+                          <a:effectLst/>
+                          <a:latin typeface="Calibri" panose="020F0502020204030204" pitchFamily="34" charset="0"/>
+                          <a:ea typeface="宋体" panose="02010600030101010101" pitchFamily="2" charset="-122"/>
+                          <a:cs typeface="Times New Roman" panose="02020603050405020304" pitchFamily="18" charset="0"/>
+                        </a:rPr>
+                        <a:t>正常（阴性）</a:t>
+                      </a:r>
+                    </a:p>
+                  </a:txBody>
+                  <a:tcPr marL="68580" marR="68580" marT="0" marB="0" anchor="ctr">
+                    <a:lnL w="12700" cap="flat" cmpd="sng" algn="ctr">
+                      <a:solidFill>
+                        <a:srgbClr val="000000"/>
+                      </a:solidFill>
+                      <a:prstDash val="solid"/>
+                      <a:round/>
+                      <a:headEnd type="none" w="med" len="med"/>
+                      <a:tailEnd type="none" w="med" len="med"/>
+                    </a:lnL>
+                    <a:lnR w="12700" cap="flat" cmpd="sng" algn="ctr">
+                      <a:solidFill>
+                        <a:srgbClr val="000000"/>
+                      </a:solidFill>
+                      <a:prstDash val="solid"/>
+                      <a:round/>
+                      <a:headEnd type="none" w="med" len="med"/>
+                      <a:tailEnd type="none" w="med" len="med"/>
+                    </a:lnR>
+                    <a:lnT w="12700" cap="flat" cmpd="sng" algn="ctr">
+                      <a:solidFill>
+                        <a:srgbClr val="000000"/>
+                      </a:solidFill>
+                      <a:prstDash val="solid"/>
+                      <a:round/>
+                      <a:headEnd type="none" w="med" len="med"/>
+                      <a:tailEnd type="none" w="med" len="med"/>
+                    </a:lnT>
+                    <a:lnB w="12700" cap="flat" cmpd="sng" algn="ctr">
+                      <a:solidFill>
+                        <a:srgbClr val="000000"/>
+                      </a:solidFill>
+                      <a:prstDash val="solid"/>
+                      <a:round/>
+                      <a:headEnd type="none" w="med" len="med"/>
+                      <a:tailEnd type="none" w="med" len="med"/>
+                    </a:lnB>
+                  </a:tcPr>
+                </a:tc>
+                <a:tc>
+                  <a:txBody>
+                    <a:bodyPr/>
+                    <a:lstStyle/>
+                    <a:p>
+                      <a:pPr algn="ctr">
+                        <a:lnSpc>
+                          <a:spcPct val="107000"/>
+                        </a:lnSpc>
+                        <a:spcAft>
+                          <a:spcPts val="0"/>
+                        </a:spcAft>
+                      </a:pPr>
+                      <a:r>
+                        <a:rPr lang="en-US" sz="2000" dirty="0">
+                          <a:effectLst/>
+                          <a:latin typeface="Calibri" panose="020F0502020204030204" pitchFamily="34" charset="0"/>
+                          <a:ea typeface="宋体" panose="02010600030101010101" pitchFamily="2" charset="-122"/>
+                          <a:cs typeface="Times New Roman" panose="02020603050405020304" pitchFamily="18" charset="0"/>
+                        </a:rPr>
+                        <a:t>80</a:t>
+                      </a:r>
+                      <a:endParaRPr lang="zh-CN" sz="2000" dirty="0">
+                        <a:effectLst/>
+                        <a:latin typeface="Calibri" panose="020F0502020204030204" pitchFamily="34" charset="0"/>
+                        <a:ea typeface="宋体" panose="02010600030101010101" pitchFamily="2" charset="-122"/>
+                        <a:cs typeface="Times New Roman" panose="02020603050405020304" pitchFamily="18" charset="0"/>
+                      </a:endParaRPr>
+                    </a:p>
+                  </a:txBody>
+                  <a:tcPr marL="68580" marR="68580" marT="0" marB="0" anchor="ctr">
+                    <a:lnL w="12700" cap="flat" cmpd="sng" algn="ctr">
+                      <a:solidFill>
+                        <a:srgbClr val="000000"/>
+                      </a:solidFill>
+                      <a:prstDash val="solid"/>
+                      <a:round/>
+                      <a:headEnd type="none" w="med" len="med"/>
+                      <a:tailEnd type="none" w="med" len="med"/>
+                    </a:lnL>
+                    <a:lnR w="12700" cap="flat" cmpd="sng" algn="ctr">
+                      <a:solidFill>
+                        <a:srgbClr val="000000"/>
+                      </a:solidFill>
+                      <a:prstDash val="solid"/>
+                      <a:round/>
+                      <a:headEnd type="none" w="med" len="med"/>
+                      <a:tailEnd type="none" w="med" len="med"/>
+                    </a:lnR>
+                    <a:lnT w="12700" cap="flat" cmpd="sng" algn="ctr">
+                      <a:solidFill>
+                        <a:srgbClr val="000000"/>
+                      </a:solidFill>
+                      <a:prstDash val="solid"/>
+                      <a:round/>
+                      <a:headEnd type="none" w="med" len="med"/>
+                      <a:tailEnd type="none" w="med" len="med"/>
+                    </a:lnT>
+                    <a:lnB w="12700" cap="flat" cmpd="sng" algn="ctr">
+                      <a:solidFill>
+                        <a:srgbClr val="000000"/>
+                      </a:solidFill>
+                      <a:prstDash val="solid"/>
+                      <a:round/>
+                      <a:headEnd type="none" w="med" len="med"/>
+                      <a:tailEnd type="none" w="med" len="med"/>
+                    </a:lnB>
+                  </a:tcPr>
+                </a:tc>
+                <a:tc>
+                  <a:txBody>
+                    <a:bodyPr/>
+                    <a:lstStyle/>
+                    <a:p>
+                      <a:pPr algn="ctr">
+                        <a:lnSpc>
+                          <a:spcPct val="107000"/>
+                        </a:lnSpc>
+                        <a:spcAft>
+                          <a:spcPts val="0"/>
+                        </a:spcAft>
+                      </a:pPr>
+                      <a:r>
+                        <a:rPr lang="en-US" sz="2000" dirty="0">
+                          <a:effectLst/>
+                          <a:latin typeface="Calibri" panose="020F0502020204030204" pitchFamily="34" charset="0"/>
+                          <a:ea typeface="宋体" panose="02010600030101010101" pitchFamily="2" charset="-122"/>
+                          <a:cs typeface="Times New Roman" panose="02020603050405020304" pitchFamily="18" charset="0"/>
+                        </a:rPr>
+                        <a:t>9920</a:t>
+                      </a:r>
+                      <a:endParaRPr lang="zh-CN" sz="2000" dirty="0">
+                        <a:effectLst/>
+                        <a:latin typeface="Calibri" panose="020F0502020204030204" pitchFamily="34" charset="0"/>
+                        <a:ea typeface="宋体" panose="02010600030101010101" pitchFamily="2" charset="-122"/>
+                        <a:cs typeface="Times New Roman" panose="02020603050405020304" pitchFamily="18" charset="0"/>
+                      </a:endParaRPr>
+                    </a:p>
+                  </a:txBody>
+                  <a:tcPr marL="68580" marR="68580" marT="0" marB="0" anchor="ctr">
+                    <a:lnL w="12700" cap="flat" cmpd="sng" algn="ctr">
+                      <a:solidFill>
+                        <a:srgbClr val="000000"/>
+                      </a:solidFill>
+                      <a:prstDash val="solid"/>
+                      <a:round/>
+                      <a:headEnd type="none" w="med" len="med"/>
+                      <a:tailEnd type="none" w="med" len="med"/>
+                    </a:lnL>
+                    <a:lnR w="12700" cap="flat" cmpd="sng" algn="ctr">
+                      <a:solidFill>
+                        <a:srgbClr val="000000"/>
+                      </a:solidFill>
+                      <a:prstDash val="solid"/>
+                      <a:round/>
+                      <a:headEnd type="none" w="med" len="med"/>
+                      <a:tailEnd type="none" w="med" len="med"/>
+                    </a:lnR>
+                    <a:lnT w="12700" cap="flat" cmpd="sng" algn="ctr">
+                      <a:solidFill>
+                        <a:srgbClr val="000000"/>
+                      </a:solidFill>
+                      <a:prstDash val="solid"/>
+                      <a:round/>
+                      <a:headEnd type="none" w="med" len="med"/>
+                      <a:tailEnd type="none" w="med" len="med"/>
+                    </a:lnT>
+                    <a:lnB w="12700" cap="flat" cmpd="sng" algn="ctr">
+                      <a:solidFill>
+                        <a:srgbClr val="000000"/>
+                      </a:solidFill>
+                      <a:prstDash val="solid"/>
+                      <a:round/>
+                      <a:headEnd type="none" w="med" len="med"/>
+                      <a:tailEnd type="none" w="med" len="med"/>
+                    </a:lnB>
+                  </a:tcPr>
+                </a:tc>
+                <a:tc>
+                  <a:txBody>
+                    <a:bodyPr/>
+                    <a:lstStyle/>
+                    <a:p>
+                      <a:pPr algn="ctr">
+                        <a:lnSpc>
+                          <a:spcPct val="107000"/>
+                        </a:lnSpc>
+                        <a:spcAft>
+                          <a:spcPts val="0"/>
+                        </a:spcAft>
+                      </a:pPr>
+                      <a:r>
+                        <a:rPr lang="en-US" sz="2000" dirty="0">
+                          <a:effectLst/>
+                          <a:latin typeface="Calibri" panose="020F0502020204030204" pitchFamily="34" charset="0"/>
+                          <a:ea typeface="宋体" panose="02010600030101010101" pitchFamily="2" charset="-122"/>
+                          <a:cs typeface="Times New Roman" panose="02020603050405020304" pitchFamily="18" charset="0"/>
+                        </a:rPr>
+                        <a:t>10000</a:t>
+                      </a:r>
+                      <a:endParaRPr lang="zh-CN" sz="2000" dirty="0">
+                        <a:effectLst/>
+                        <a:latin typeface="Calibri" panose="020F0502020204030204" pitchFamily="34" charset="0"/>
+                        <a:ea typeface="宋体" panose="02010600030101010101" pitchFamily="2" charset="-122"/>
+                        <a:cs typeface="Times New Roman" panose="02020603050405020304" pitchFamily="18" charset="0"/>
+                      </a:endParaRPr>
+                    </a:p>
+                  </a:txBody>
+                  <a:tcPr marL="68580" marR="68580" marT="0" marB="0" anchor="ctr">
+                    <a:lnL w="12700" cap="flat" cmpd="sng" algn="ctr">
+                      <a:solidFill>
+                        <a:srgbClr val="000000"/>
+                      </a:solidFill>
+                      <a:prstDash val="solid"/>
+                      <a:round/>
+                      <a:headEnd type="none" w="med" len="med"/>
+                      <a:tailEnd type="none" w="med" len="med"/>
+                    </a:lnL>
+                    <a:lnR w="12700" cap="flat" cmpd="sng" algn="ctr">
+                      <a:solidFill>
+                        <a:srgbClr val="000000"/>
+                      </a:solidFill>
+                      <a:prstDash val="solid"/>
+                      <a:round/>
+                      <a:headEnd type="none" w="med" len="med"/>
+                      <a:tailEnd type="none" w="med" len="med"/>
+                    </a:lnR>
+                    <a:lnT w="12700" cap="flat" cmpd="sng" algn="ctr">
+                      <a:solidFill>
+                        <a:srgbClr val="000000"/>
+                      </a:solidFill>
+                      <a:prstDash val="solid"/>
+                      <a:round/>
+                      <a:headEnd type="none" w="med" len="med"/>
+                      <a:tailEnd type="none" w="med" len="med"/>
+                    </a:lnT>
+                    <a:lnB w="12700" cap="flat" cmpd="sng" algn="ctr">
+                      <a:solidFill>
+                        <a:srgbClr val="000000"/>
+                      </a:solidFill>
+                      <a:prstDash val="solid"/>
+                      <a:round/>
+                      <a:headEnd type="none" w="med" len="med"/>
+                      <a:tailEnd type="none" w="med" len="med"/>
+                    </a:lnB>
+                  </a:tcPr>
+                </a:tc>
+                <a:extLst>
+                  <a:ext uri="{0D108BD9-81ED-4DB2-BD59-A6C34878D82A}">
+                    <a16:rowId xmlns:a16="http://schemas.microsoft.com/office/drawing/2014/main" val="272114322"/>
+                  </a:ext>
+                </a:extLst>
+              </a:tr>
+              <a:tr h="864000">
+                <a:tc>
+                  <a:txBody>
+                    <a:bodyPr/>
+                    <a:lstStyle/>
+                    <a:p>
+                      <a:pPr algn="ctr">
+                        <a:lnSpc>
+                          <a:spcPct val="107000"/>
+                        </a:lnSpc>
+                        <a:spcAft>
+                          <a:spcPts val="0"/>
+                        </a:spcAft>
+                      </a:pPr>
+                      <a:r>
+                        <a:rPr lang="en-US" sz="2000">
+                          <a:effectLst/>
+                          <a:latin typeface="Calibri" panose="020F0502020204030204" pitchFamily="34" charset="0"/>
+                          <a:ea typeface="宋体" panose="02010600030101010101" pitchFamily="2" charset="-122"/>
+                          <a:cs typeface="Times New Roman" panose="02020603050405020304" pitchFamily="18" charset="0"/>
+                        </a:rPr>
+                        <a:t> </a:t>
+                      </a:r>
+                      <a:endParaRPr lang="zh-CN" sz="2000">
+                        <a:effectLst/>
+                        <a:latin typeface="Calibri" panose="020F0502020204030204" pitchFamily="34" charset="0"/>
+                        <a:ea typeface="宋体" panose="02010600030101010101" pitchFamily="2" charset="-122"/>
+                        <a:cs typeface="Times New Roman" panose="02020603050405020304" pitchFamily="18" charset="0"/>
+                      </a:endParaRPr>
+                    </a:p>
+                  </a:txBody>
+                  <a:tcPr marL="68580" marR="68580" marT="0" marB="0" anchor="ctr">
+                    <a:lnL>
+                      <a:noFill/>
+                    </a:lnL>
+                    <a:lnR>
+                      <a:noFill/>
+                    </a:lnR>
+                    <a:lnT w="12700" cap="flat" cmpd="sng" algn="ctr">
+                      <a:solidFill>
+                        <a:srgbClr val="000000"/>
+                      </a:solidFill>
+                      <a:prstDash val="solid"/>
+                      <a:round/>
+                      <a:headEnd type="none" w="med" len="med"/>
+                      <a:tailEnd type="none" w="med" len="med"/>
+                    </a:lnT>
+                    <a:lnB>
+                      <a:noFill/>
+                    </a:lnB>
+                  </a:tcPr>
+                </a:tc>
+                <a:tc>
+                  <a:txBody>
+                    <a:bodyPr/>
+                    <a:lstStyle/>
+                    <a:p>
+                      <a:pPr algn="ctr">
+                        <a:lnSpc>
+                          <a:spcPct val="107000"/>
+                        </a:lnSpc>
+                        <a:spcAft>
+                          <a:spcPts val="0"/>
+                        </a:spcAft>
+                      </a:pPr>
+                      <a:r>
+                        <a:rPr lang="en-US" sz="2000">
+                          <a:effectLst/>
+                          <a:latin typeface="Calibri" panose="020F0502020204030204" pitchFamily="34" charset="0"/>
+                          <a:ea typeface="宋体" panose="02010600030101010101" pitchFamily="2" charset="-122"/>
+                          <a:cs typeface="Times New Roman" panose="02020603050405020304" pitchFamily="18" charset="0"/>
+                        </a:rPr>
+                        <a:t> </a:t>
+                      </a:r>
+                      <a:endParaRPr lang="zh-CN" sz="2000">
+                        <a:effectLst/>
+                        <a:latin typeface="Calibri" panose="020F0502020204030204" pitchFamily="34" charset="0"/>
+                        <a:ea typeface="宋体" panose="02010600030101010101" pitchFamily="2" charset="-122"/>
+                        <a:cs typeface="Times New Roman" panose="02020603050405020304" pitchFamily="18" charset="0"/>
+                      </a:endParaRPr>
+                    </a:p>
+                  </a:txBody>
+                  <a:tcPr marL="68580" marR="68580" marT="0" marB="0" anchor="ctr">
+                    <a:lnL>
+                      <a:noFill/>
+                    </a:lnL>
+                    <a:lnR w="12700" cap="flat" cmpd="sng" algn="ctr">
+                      <a:solidFill>
+                        <a:srgbClr val="000000"/>
+                      </a:solidFill>
+                      <a:prstDash val="solid"/>
+                      <a:round/>
+                      <a:headEnd type="none" w="med" len="med"/>
+                      <a:tailEnd type="none" w="med" len="med"/>
+                    </a:lnR>
+                    <a:lnT w="12700" cap="flat" cmpd="sng" algn="ctr">
+                      <a:solidFill>
+                        <a:srgbClr val="000000"/>
+                      </a:solidFill>
+                      <a:prstDash val="solid"/>
+                      <a:round/>
+                      <a:headEnd type="none" w="med" len="med"/>
+                      <a:tailEnd type="none" w="med" len="med"/>
+                    </a:lnT>
+                    <a:lnB>
+                      <a:noFill/>
+                    </a:lnB>
+                  </a:tcPr>
+                </a:tc>
+                <a:tc>
+                  <a:txBody>
+                    <a:bodyPr/>
+                    <a:lstStyle/>
+                    <a:p>
+                      <a:pPr algn="ctr">
+                        <a:lnSpc>
+                          <a:spcPct val="107000"/>
+                        </a:lnSpc>
+                        <a:spcAft>
+                          <a:spcPts val="0"/>
+                        </a:spcAft>
+                      </a:pPr>
+                      <a:r>
+                        <a:rPr lang="en-US" sz="2000" dirty="0">
+                          <a:effectLst/>
+                          <a:latin typeface="Calibri" panose="020F0502020204030204" pitchFamily="34" charset="0"/>
+                          <a:ea typeface="宋体" panose="02010600030101010101" pitchFamily="2" charset="-122"/>
+                          <a:cs typeface="Times New Roman" panose="02020603050405020304" pitchFamily="18" charset="0"/>
+                        </a:rPr>
+                        <a:t>80</a:t>
+                      </a:r>
+                      <a:endParaRPr lang="zh-CN" sz="2000" dirty="0">
+                        <a:effectLst/>
+                        <a:latin typeface="Calibri" panose="020F0502020204030204" pitchFamily="34" charset="0"/>
+                        <a:ea typeface="宋体" panose="02010600030101010101" pitchFamily="2" charset="-122"/>
+                        <a:cs typeface="Times New Roman" panose="02020603050405020304" pitchFamily="18" charset="0"/>
+                      </a:endParaRPr>
+                    </a:p>
+                  </a:txBody>
+                  <a:tcPr marL="68580" marR="68580" marT="0" marB="0" anchor="ctr">
+                    <a:lnL w="12700" cap="flat" cmpd="sng" algn="ctr">
+                      <a:solidFill>
+                        <a:srgbClr val="000000"/>
+                      </a:solidFill>
+                      <a:prstDash val="solid"/>
+                      <a:round/>
+                      <a:headEnd type="none" w="med" len="med"/>
+                      <a:tailEnd type="none" w="med" len="med"/>
+                    </a:lnL>
+                    <a:lnR w="12700" cap="flat" cmpd="sng" algn="ctr">
+                      <a:solidFill>
+                        <a:srgbClr val="000000"/>
+                      </a:solidFill>
+                      <a:prstDash val="solid"/>
+                      <a:round/>
+                      <a:headEnd type="none" w="med" len="med"/>
+                      <a:tailEnd type="none" w="med" len="med"/>
+                    </a:lnR>
+                    <a:lnT w="12700" cap="flat" cmpd="sng" algn="ctr">
+                      <a:solidFill>
+                        <a:srgbClr val="000000"/>
+                      </a:solidFill>
+                      <a:prstDash val="solid"/>
+                      <a:round/>
+                      <a:headEnd type="none" w="med" len="med"/>
+                      <a:tailEnd type="none" w="med" len="med"/>
+                    </a:lnT>
+                    <a:lnB w="12700" cap="flat" cmpd="sng" algn="ctr">
+                      <a:solidFill>
+                        <a:srgbClr val="000000"/>
+                      </a:solidFill>
+                      <a:prstDash val="solid"/>
+                      <a:round/>
+                      <a:headEnd type="none" w="med" len="med"/>
+                      <a:tailEnd type="none" w="med" len="med"/>
+                    </a:lnB>
+                  </a:tcPr>
+                </a:tc>
+                <a:tc>
+                  <a:txBody>
+                    <a:bodyPr/>
+                    <a:lstStyle/>
+                    <a:p>
+                      <a:pPr algn="ctr">
+                        <a:lnSpc>
+                          <a:spcPct val="107000"/>
+                        </a:lnSpc>
+                        <a:spcAft>
+                          <a:spcPts val="0"/>
+                        </a:spcAft>
+                      </a:pPr>
+                      <a:r>
+                        <a:rPr lang="en-US" sz="2000">
+                          <a:effectLst/>
+                          <a:latin typeface="Calibri" panose="020F0502020204030204" pitchFamily="34" charset="0"/>
+                          <a:ea typeface="宋体" panose="02010600030101010101" pitchFamily="2" charset="-122"/>
+                          <a:cs typeface="Times New Roman" panose="02020603050405020304" pitchFamily="18" charset="0"/>
+                        </a:rPr>
+                        <a:t>9920</a:t>
+                      </a:r>
+                      <a:endParaRPr lang="zh-CN" sz="2000">
+                        <a:effectLst/>
+                        <a:latin typeface="Calibri" panose="020F0502020204030204" pitchFamily="34" charset="0"/>
+                        <a:ea typeface="宋体" panose="02010600030101010101" pitchFamily="2" charset="-122"/>
+                        <a:cs typeface="Times New Roman" panose="02020603050405020304" pitchFamily="18" charset="0"/>
+                      </a:endParaRPr>
+                    </a:p>
+                  </a:txBody>
+                  <a:tcPr marL="68580" marR="68580" marT="0" marB="0" anchor="ctr">
+                    <a:lnL w="12700" cap="flat" cmpd="sng" algn="ctr">
+                      <a:solidFill>
+                        <a:srgbClr val="000000"/>
+                      </a:solidFill>
+                      <a:prstDash val="solid"/>
+                      <a:round/>
+                      <a:headEnd type="none" w="med" len="med"/>
+                      <a:tailEnd type="none" w="med" len="med"/>
+                    </a:lnL>
+                    <a:lnR w="12700" cap="flat" cmpd="sng" algn="ctr">
+                      <a:solidFill>
+                        <a:srgbClr val="000000"/>
+                      </a:solidFill>
+                      <a:prstDash val="solid"/>
+                      <a:round/>
+                      <a:headEnd type="none" w="med" len="med"/>
+                      <a:tailEnd type="none" w="med" len="med"/>
+                    </a:lnR>
+                    <a:lnT w="12700" cap="flat" cmpd="sng" algn="ctr">
+                      <a:solidFill>
+                        <a:srgbClr val="000000"/>
+                      </a:solidFill>
+                      <a:prstDash val="solid"/>
+                      <a:round/>
+                      <a:headEnd type="none" w="med" len="med"/>
+                      <a:tailEnd type="none" w="med" len="med"/>
+                    </a:lnT>
+                    <a:lnB w="12700" cap="flat" cmpd="sng" algn="ctr">
+                      <a:solidFill>
+                        <a:srgbClr val="000000"/>
+                      </a:solidFill>
+                      <a:prstDash val="solid"/>
+                      <a:round/>
+                      <a:headEnd type="none" w="med" len="med"/>
+                      <a:tailEnd type="none" w="med" len="med"/>
+                    </a:lnB>
+                  </a:tcPr>
+                </a:tc>
+                <a:tc>
+                  <a:txBody>
+                    <a:bodyPr/>
+                    <a:lstStyle/>
+                    <a:p>
+                      <a:pPr algn="ctr">
+                        <a:lnSpc>
+                          <a:spcPct val="107000"/>
+                        </a:lnSpc>
+                        <a:spcAft>
+                          <a:spcPts val="0"/>
+                        </a:spcAft>
+                      </a:pPr>
+                      <a:r>
+                        <a:rPr lang="en-US" sz="2000" dirty="0">
+                          <a:effectLst/>
+                          <a:latin typeface="Calibri" panose="020F0502020204030204" pitchFamily="34" charset="0"/>
+                          <a:ea typeface="宋体" panose="02010600030101010101" pitchFamily="2" charset="-122"/>
+                          <a:cs typeface="Times New Roman" panose="02020603050405020304" pitchFamily="18" charset="0"/>
+                        </a:rPr>
+                        <a:t> </a:t>
+                      </a:r>
+                      <a:endParaRPr lang="zh-CN" sz="2000" dirty="0">
+                        <a:effectLst/>
+                        <a:latin typeface="Calibri" panose="020F0502020204030204" pitchFamily="34" charset="0"/>
+                        <a:ea typeface="宋体" panose="02010600030101010101" pitchFamily="2" charset="-122"/>
+                        <a:cs typeface="Times New Roman" panose="02020603050405020304" pitchFamily="18" charset="0"/>
+                      </a:endParaRPr>
+                    </a:p>
+                  </a:txBody>
+                  <a:tcPr marL="68580" marR="68580" marT="0" marB="0" anchor="ctr">
+                    <a:lnL w="12700" cap="flat" cmpd="sng" algn="ctr">
+                      <a:solidFill>
+                        <a:srgbClr val="000000"/>
+                      </a:solidFill>
+                      <a:prstDash val="solid"/>
+                      <a:round/>
+                      <a:headEnd type="none" w="med" len="med"/>
+                      <a:tailEnd type="none" w="med" len="med"/>
+                    </a:lnL>
+                    <a:lnR>
+                      <a:noFill/>
+                    </a:lnR>
+                    <a:lnT w="12700" cap="flat" cmpd="sng" algn="ctr">
+                      <a:solidFill>
+                        <a:srgbClr val="000000"/>
+                      </a:solidFill>
+                      <a:prstDash val="solid"/>
+                      <a:round/>
+                      <a:headEnd type="none" w="med" len="med"/>
+                      <a:tailEnd type="none" w="med" len="med"/>
+                    </a:lnT>
+                    <a:lnB>
+                      <a:noFill/>
+                    </a:lnB>
+                  </a:tcPr>
+                </a:tc>
+                <a:extLst>
+                  <a:ext uri="{0D108BD9-81ED-4DB2-BD59-A6C34878D82A}">
+                    <a16:rowId xmlns:a16="http://schemas.microsoft.com/office/drawing/2014/main" val="1197114450"/>
+                  </a:ext>
+                </a:extLst>
+              </a:tr>
+            </a:tbl>
+          </a:graphicData>
+        </a:graphic>
+      </p:graphicFrame>
+    </p:spTree>
+    <p:extLst>
+      <p:ext uri="{BB962C8B-B14F-4D97-AF65-F5344CB8AC3E}">
+        <p14:creationId xmlns:p14="http://schemas.microsoft.com/office/powerpoint/2010/main" val="3148119508"/>
+      </p:ext>
+    </p:extLst>
+  </p:cSld>
+  <p:clrMapOvr>
+    <a:masterClrMapping/>
+  </p:clrMapOvr>
+</p:sld>
+</file>
+
+<file path=ppt/slides/slide23.xml><?xml version="1.0" encoding="utf-8"?>
+<p:sld xmlns:a="http://schemas.openxmlformats.org/drawingml/2006/main" xmlns:r="http://schemas.openxmlformats.org/officeDocument/2006/relationships" xmlns:p="http://schemas.openxmlformats.org/presentationml/2006/main">
+  <p:cSld>
+    <p:spTree>
+      <p:nvGrpSpPr>
+        <p:cNvPr id="1" name=""/>
+        <p:cNvGrpSpPr/>
+        <p:nvPr/>
+      </p:nvGrpSpPr>
+      <p:grpSpPr>
+        <a:xfrm>
+          <a:off x="0" y="0"/>
+          <a:ext cx="0" cy="0"/>
+          <a:chOff x="0" y="0"/>
+          <a:chExt cx="0" cy="0"/>
+        </a:xfrm>
+      </p:grpSpPr>
+      <p:graphicFrame>
+        <p:nvGraphicFramePr>
+          <p:cNvPr id="2" name="表格 1">
+            <a:extLst>
+              <a:ext uri="{FF2B5EF4-FFF2-40B4-BE49-F238E27FC236}">
+                <a16:creationId xmlns:a16="http://schemas.microsoft.com/office/drawing/2014/main" id="{7F83C6A5-A98B-46FC-8E65-B7994085C49E}"/>
+              </a:ext>
+            </a:extLst>
+          </p:cNvPr>
+          <p:cNvGraphicFramePr>
+            <a:graphicFrameLocks noGrp="1"/>
+          </p:cNvGraphicFramePr>
+          <p:nvPr>
+            <p:extLst>
+              <p:ext uri="{D42A27DB-BD31-4B8C-83A1-F6EECF244321}">
+                <p14:modId xmlns:p14="http://schemas.microsoft.com/office/powerpoint/2010/main" val="3032377107"/>
+              </p:ext>
+            </p:extLst>
+          </p:nvPr>
+        </p:nvGraphicFramePr>
+        <p:xfrm>
+          <a:off x="1679892" y="1269000"/>
+          <a:ext cx="8640001" cy="4320000"/>
+        </p:xfrm>
+        <a:graphic>
+          <a:graphicData uri="http://schemas.openxmlformats.org/drawingml/2006/table">
+            <a:tbl>
+              <a:tblPr firstRow="1" firstCol="1" bandRow="1"/>
+              <a:tblGrid>
+                <a:gridCol w="1731605">
+                  <a:extLst>
+                    <a:ext uri="{9D8B030D-6E8A-4147-A177-3AD203B41FA5}">
+                      <a16:colId xmlns:a16="http://schemas.microsoft.com/office/drawing/2014/main" val="3482888154"/>
+                    </a:ext>
+                  </a:extLst>
+                </a:gridCol>
+                <a:gridCol w="1731605">
+                  <a:extLst>
+                    <a:ext uri="{9D8B030D-6E8A-4147-A177-3AD203B41FA5}">
+                      <a16:colId xmlns:a16="http://schemas.microsoft.com/office/drawing/2014/main" val="3620505103"/>
+                    </a:ext>
+                  </a:extLst>
+                </a:gridCol>
+                <a:gridCol w="1737239">
+                  <a:extLst>
+                    <a:ext uri="{9D8B030D-6E8A-4147-A177-3AD203B41FA5}">
+                      <a16:colId xmlns:a16="http://schemas.microsoft.com/office/drawing/2014/main" val="118676284"/>
+                    </a:ext>
+                  </a:extLst>
+                </a:gridCol>
+                <a:gridCol w="1737239">
+                  <a:extLst>
+                    <a:ext uri="{9D8B030D-6E8A-4147-A177-3AD203B41FA5}">
+                      <a16:colId xmlns:a16="http://schemas.microsoft.com/office/drawing/2014/main" val="2842176945"/>
+                    </a:ext>
+                  </a:extLst>
+                </a:gridCol>
+                <a:gridCol w="1702313">
+                  <a:extLst>
+                    <a:ext uri="{9D8B030D-6E8A-4147-A177-3AD203B41FA5}">
+                      <a16:colId xmlns:a16="http://schemas.microsoft.com/office/drawing/2014/main" val="1459306596"/>
+                    </a:ext>
+                  </a:extLst>
+                </a:gridCol>
+              </a:tblGrid>
+              <a:tr h="864000">
+                <a:tc>
+                  <a:txBody>
+                    <a:bodyPr/>
+                    <a:lstStyle/>
+                    <a:p>
+                      <a:pPr algn="ctr">
+                        <a:lnSpc>
+                          <a:spcPct val="107000"/>
+                        </a:lnSpc>
+                        <a:spcAft>
+                          <a:spcPts val="0"/>
+                        </a:spcAft>
+                      </a:pPr>
+                      <a:r>
+                        <a:rPr lang="en-US" altLang="zh-CN" sz="2000" b="1" u="sng" dirty="0">
+                          <a:solidFill>
+                            <a:srgbClr val="2E74B5"/>
+                          </a:solidFill>
+                          <a:effectLst/>
+                          <a:latin typeface="Calibri" panose="020F0502020204030204" pitchFamily="34" charset="0"/>
+                          <a:ea typeface="宋体" panose="02010600030101010101" pitchFamily="2" charset="-122"/>
+                          <a:cs typeface="Times New Roman" panose="02020603050405020304" pitchFamily="18" charset="0"/>
+                        </a:rPr>
+                        <a:t>Case 2</a:t>
+                      </a:r>
+                      <a:endParaRPr lang="zh-CN" sz="2000" dirty="0">
+                        <a:effectLst/>
+                        <a:latin typeface="Calibri" panose="020F0502020204030204" pitchFamily="34" charset="0"/>
+                        <a:ea typeface="宋体" panose="02010600030101010101" pitchFamily="2" charset="-122"/>
+                        <a:cs typeface="Times New Roman" panose="02020603050405020304" pitchFamily="18" charset="0"/>
+                      </a:endParaRPr>
+                    </a:p>
+                  </a:txBody>
+                  <a:tcPr marL="68580" marR="68580" marT="0" marB="0" anchor="ctr">
+                    <a:lnL>
+                      <a:noFill/>
+                    </a:lnL>
+                    <a:lnR>
+                      <a:noFill/>
+                    </a:lnR>
+                    <a:lnT>
+                      <a:noFill/>
+                    </a:lnT>
+                    <a:lnB>
+                      <a:noFill/>
+                    </a:lnB>
+                  </a:tcPr>
+                </a:tc>
+                <a:tc>
+                  <a:txBody>
+                    <a:bodyPr/>
+                    <a:lstStyle/>
+                    <a:p>
+                      <a:pPr algn="ctr">
+                        <a:lnSpc>
+                          <a:spcPct val="107000"/>
+                        </a:lnSpc>
+                        <a:spcAft>
+                          <a:spcPts val="0"/>
+                        </a:spcAft>
+                      </a:pPr>
+                      <a:r>
+                        <a:rPr lang="en-US" sz="2000">
+                          <a:effectLst/>
+                          <a:latin typeface="Calibri" panose="020F0502020204030204" pitchFamily="34" charset="0"/>
+                          <a:ea typeface="宋体" panose="02010600030101010101" pitchFamily="2" charset="-122"/>
+                          <a:cs typeface="Times New Roman" panose="02020603050405020304" pitchFamily="18" charset="0"/>
+                        </a:rPr>
+                        <a:t> </a:t>
+                      </a:r>
+                      <a:endParaRPr lang="zh-CN" sz="2000">
+                        <a:effectLst/>
+                        <a:latin typeface="Calibri" panose="020F0502020204030204" pitchFamily="34" charset="0"/>
+                        <a:ea typeface="宋体" panose="02010600030101010101" pitchFamily="2" charset="-122"/>
+                        <a:cs typeface="Times New Roman" panose="02020603050405020304" pitchFamily="18" charset="0"/>
+                      </a:endParaRPr>
+                    </a:p>
+                  </a:txBody>
+                  <a:tcPr marL="68580" marR="68580" marT="0" marB="0" anchor="ctr">
+                    <a:lnL>
+                      <a:noFill/>
+                    </a:lnL>
+                    <a:lnR w="12700" cap="flat" cmpd="sng" algn="ctr">
+                      <a:solidFill>
+                        <a:srgbClr val="000000"/>
+                      </a:solidFill>
+                      <a:prstDash val="solid"/>
+                      <a:round/>
+                      <a:headEnd type="none" w="med" len="med"/>
+                      <a:tailEnd type="none" w="med" len="med"/>
+                    </a:lnR>
+                    <a:lnT>
+                      <a:noFill/>
+                    </a:lnT>
+                    <a:lnB>
+                      <a:noFill/>
+                    </a:lnB>
+                  </a:tcPr>
+                </a:tc>
+                <a:tc gridSpan="2">
+                  <a:txBody>
+                    <a:bodyPr/>
+                    <a:lstStyle/>
+                    <a:p>
+                      <a:pPr algn="ctr">
+                        <a:lnSpc>
+                          <a:spcPct val="107000"/>
+                        </a:lnSpc>
+                        <a:spcAft>
+                          <a:spcPts val="0"/>
+                        </a:spcAft>
+                      </a:pPr>
+                      <a:r>
+                        <a:rPr lang="zh-CN" sz="2000">
+                          <a:effectLst/>
+                          <a:latin typeface="Calibri" panose="020F0502020204030204" pitchFamily="34" charset="0"/>
+                          <a:ea typeface="宋体" panose="02010600030101010101" pitchFamily="2" charset="-122"/>
+                          <a:cs typeface="Times New Roman" panose="02020603050405020304" pitchFamily="18" charset="0"/>
+                        </a:rPr>
+                        <a:t>真实情况</a:t>
+                      </a:r>
+                    </a:p>
+                  </a:txBody>
+                  <a:tcPr marL="68580" marR="68580" marT="0" marB="0" anchor="ctr">
+                    <a:lnL w="12700" cap="flat" cmpd="sng" algn="ctr">
+                      <a:solidFill>
+                        <a:srgbClr val="000000"/>
+                      </a:solidFill>
+                      <a:prstDash val="solid"/>
+                      <a:round/>
+                      <a:headEnd type="none" w="med" len="med"/>
+                      <a:tailEnd type="none" w="med" len="med"/>
+                    </a:lnL>
+                    <a:lnR w="12700" cap="flat" cmpd="sng" algn="ctr">
+                      <a:solidFill>
+                        <a:srgbClr val="000000"/>
+                      </a:solidFill>
+                      <a:prstDash val="solid"/>
+                      <a:round/>
+                      <a:headEnd type="none" w="med" len="med"/>
+                      <a:tailEnd type="none" w="med" len="med"/>
+                    </a:lnR>
+                    <a:lnT w="12700" cap="flat" cmpd="sng" algn="ctr">
+                      <a:solidFill>
+                        <a:srgbClr val="000000"/>
+                      </a:solidFill>
+                      <a:prstDash val="solid"/>
+                      <a:round/>
+                      <a:headEnd type="none" w="med" len="med"/>
+                      <a:tailEnd type="none" w="med" len="med"/>
+                    </a:lnT>
+                    <a:lnB w="12700" cap="flat" cmpd="sng" algn="ctr">
+                      <a:solidFill>
+                        <a:srgbClr val="000000"/>
+                      </a:solidFill>
+                      <a:prstDash val="solid"/>
+                      <a:round/>
+                      <a:headEnd type="none" w="med" len="med"/>
+                      <a:tailEnd type="none" w="med" len="med"/>
+                    </a:lnB>
+                  </a:tcPr>
+                </a:tc>
+                <a:tc hMerge="1">
+                  <a:txBody>
+                    <a:bodyPr/>
+                    <a:lstStyle/>
+                    <a:p>
+                      <a:endParaRPr lang="zh-CN" altLang="en-US"/>
+                    </a:p>
+                  </a:txBody>
+                  <a:tcPr/>
+                </a:tc>
+                <a:tc>
+                  <a:txBody>
+                    <a:bodyPr/>
+                    <a:lstStyle/>
+                    <a:p>
+                      <a:pPr algn="ctr">
+                        <a:lnSpc>
+                          <a:spcPct val="107000"/>
+                        </a:lnSpc>
+                        <a:spcAft>
+                          <a:spcPts val="0"/>
+                        </a:spcAft>
+                      </a:pPr>
+                      <a:r>
+                        <a:rPr lang="en-US" sz="2000">
+                          <a:effectLst/>
+                          <a:latin typeface="Calibri" panose="020F0502020204030204" pitchFamily="34" charset="0"/>
+                          <a:ea typeface="宋体" panose="02010600030101010101" pitchFamily="2" charset="-122"/>
+                          <a:cs typeface="Times New Roman" panose="02020603050405020304" pitchFamily="18" charset="0"/>
+                        </a:rPr>
+                        <a:t> </a:t>
+                      </a:r>
+                      <a:endParaRPr lang="zh-CN" sz="2000">
+                        <a:effectLst/>
+                        <a:latin typeface="Calibri" panose="020F0502020204030204" pitchFamily="34" charset="0"/>
+                        <a:ea typeface="宋体" panose="02010600030101010101" pitchFamily="2" charset="-122"/>
+                        <a:cs typeface="Times New Roman" panose="02020603050405020304" pitchFamily="18" charset="0"/>
+                      </a:endParaRPr>
+                    </a:p>
+                  </a:txBody>
+                  <a:tcPr marL="68580" marR="68580" marT="0" marB="0" anchor="ctr">
+                    <a:lnL w="12700" cap="flat" cmpd="sng" algn="ctr">
+                      <a:solidFill>
+                        <a:srgbClr val="000000"/>
+                      </a:solidFill>
+                      <a:prstDash val="solid"/>
+                      <a:round/>
+                      <a:headEnd type="none" w="med" len="med"/>
+                      <a:tailEnd type="none" w="med" len="med"/>
+                    </a:lnL>
+                    <a:lnR>
+                      <a:noFill/>
+                    </a:lnR>
+                    <a:lnT>
+                      <a:noFill/>
+                    </a:lnT>
+                    <a:lnB>
+                      <a:noFill/>
+                    </a:lnB>
+                  </a:tcPr>
+                </a:tc>
+                <a:extLst>
+                  <a:ext uri="{0D108BD9-81ED-4DB2-BD59-A6C34878D82A}">
+                    <a16:rowId xmlns:a16="http://schemas.microsoft.com/office/drawing/2014/main" val="536808293"/>
+                  </a:ext>
+                </a:extLst>
+              </a:tr>
+              <a:tr h="864000">
+                <a:tc>
+                  <a:txBody>
+                    <a:bodyPr/>
+                    <a:lstStyle/>
+                    <a:p>
+                      <a:pPr algn="ctr">
+                        <a:lnSpc>
+                          <a:spcPct val="107000"/>
+                        </a:lnSpc>
+                        <a:spcAft>
+                          <a:spcPts val="0"/>
+                        </a:spcAft>
+                      </a:pPr>
+                      <a:r>
+                        <a:rPr lang="en-US" sz="2000">
+                          <a:effectLst/>
+                          <a:latin typeface="Calibri" panose="020F0502020204030204" pitchFamily="34" charset="0"/>
+                          <a:ea typeface="宋体" panose="02010600030101010101" pitchFamily="2" charset="-122"/>
+                          <a:cs typeface="Times New Roman" panose="02020603050405020304" pitchFamily="18" charset="0"/>
+                        </a:rPr>
+                        <a:t> </a:t>
+                      </a:r>
+                      <a:endParaRPr lang="zh-CN" sz="2000">
+                        <a:effectLst/>
+                        <a:latin typeface="Calibri" panose="020F0502020204030204" pitchFamily="34" charset="0"/>
+                        <a:ea typeface="宋体" panose="02010600030101010101" pitchFamily="2" charset="-122"/>
+                        <a:cs typeface="Times New Roman" panose="02020603050405020304" pitchFamily="18" charset="0"/>
+                      </a:endParaRPr>
+                    </a:p>
+                  </a:txBody>
+                  <a:tcPr marL="68580" marR="68580" marT="0" marB="0" anchor="ctr">
+                    <a:lnL>
+                      <a:noFill/>
+                    </a:lnL>
+                    <a:lnR>
+                      <a:noFill/>
+                    </a:lnR>
+                    <a:lnT>
+                      <a:noFill/>
+                    </a:lnT>
+                    <a:lnB w="12700" cap="flat" cmpd="sng" algn="ctr">
+                      <a:solidFill>
+                        <a:srgbClr val="000000"/>
+                      </a:solidFill>
+                      <a:prstDash val="solid"/>
+                      <a:round/>
+                      <a:headEnd type="none" w="med" len="med"/>
+                      <a:tailEnd type="none" w="med" len="med"/>
+                    </a:lnB>
+                  </a:tcPr>
+                </a:tc>
+                <a:tc>
+                  <a:txBody>
+                    <a:bodyPr/>
+                    <a:lstStyle/>
+                    <a:p>
+                      <a:pPr algn="ctr">
+                        <a:lnSpc>
+                          <a:spcPct val="107000"/>
+                        </a:lnSpc>
+                        <a:spcAft>
+                          <a:spcPts val="0"/>
+                        </a:spcAft>
+                      </a:pPr>
+                      <a:r>
+                        <a:rPr lang="en-US" sz="2000">
+                          <a:effectLst/>
+                          <a:latin typeface="Calibri" panose="020F0502020204030204" pitchFamily="34" charset="0"/>
+                          <a:ea typeface="宋体" panose="02010600030101010101" pitchFamily="2" charset="-122"/>
+                          <a:cs typeface="Times New Roman" panose="02020603050405020304" pitchFamily="18" charset="0"/>
+                        </a:rPr>
+                        <a:t> </a:t>
+                      </a:r>
+                      <a:endParaRPr lang="zh-CN" sz="2000">
+                        <a:effectLst/>
+                        <a:latin typeface="Calibri" panose="020F0502020204030204" pitchFamily="34" charset="0"/>
+                        <a:ea typeface="宋体" panose="02010600030101010101" pitchFamily="2" charset="-122"/>
+                        <a:cs typeface="Times New Roman" panose="02020603050405020304" pitchFamily="18" charset="0"/>
+                      </a:endParaRPr>
+                    </a:p>
+                  </a:txBody>
+                  <a:tcPr marL="68580" marR="68580" marT="0" marB="0" anchor="ctr">
+                    <a:lnL>
+                      <a:noFill/>
+                    </a:lnL>
+                    <a:lnR w="12700" cap="flat" cmpd="sng" algn="ctr">
+                      <a:solidFill>
+                        <a:srgbClr val="000000"/>
+                      </a:solidFill>
+                      <a:prstDash val="solid"/>
+                      <a:round/>
+                      <a:headEnd type="none" w="med" len="med"/>
+                      <a:tailEnd type="none" w="med" len="med"/>
+                    </a:lnR>
+                    <a:lnT>
+                      <a:noFill/>
+                    </a:lnT>
+                    <a:lnB w="12700" cap="flat" cmpd="sng" algn="ctr">
+                      <a:solidFill>
+                        <a:srgbClr val="000000"/>
+                      </a:solidFill>
+                      <a:prstDash val="solid"/>
+                      <a:round/>
+                      <a:headEnd type="none" w="med" len="med"/>
+                      <a:tailEnd type="none" w="med" len="med"/>
+                    </a:lnB>
+                  </a:tcPr>
+                </a:tc>
+                <a:tc>
+                  <a:txBody>
+                    <a:bodyPr/>
+                    <a:lstStyle/>
+                    <a:p>
+                      <a:pPr algn="ctr">
+                        <a:lnSpc>
+                          <a:spcPct val="107000"/>
+                        </a:lnSpc>
+                        <a:spcAft>
+                          <a:spcPts val="0"/>
+                        </a:spcAft>
+                      </a:pPr>
+                      <a:r>
+                        <a:rPr lang="zh-CN" sz="2000">
+                          <a:effectLst/>
+                          <a:latin typeface="Calibri" panose="020F0502020204030204" pitchFamily="34" charset="0"/>
+                          <a:ea typeface="宋体" panose="02010600030101010101" pitchFamily="2" charset="-122"/>
+                          <a:cs typeface="Times New Roman" panose="02020603050405020304" pitchFamily="18" charset="0"/>
+                        </a:rPr>
+                        <a:t>患病（阳性）</a:t>
+                      </a:r>
+                    </a:p>
+                  </a:txBody>
+                  <a:tcPr marL="68580" marR="68580" marT="0" marB="0" anchor="ctr">
+                    <a:lnL w="12700" cap="flat" cmpd="sng" algn="ctr">
+                      <a:solidFill>
+                        <a:srgbClr val="000000"/>
+                      </a:solidFill>
+                      <a:prstDash val="solid"/>
+                      <a:round/>
+                      <a:headEnd type="none" w="med" len="med"/>
+                      <a:tailEnd type="none" w="med" len="med"/>
+                    </a:lnL>
+                    <a:lnR w="12700" cap="flat" cmpd="sng" algn="ctr">
+                      <a:solidFill>
+                        <a:srgbClr val="000000"/>
+                      </a:solidFill>
+                      <a:prstDash val="solid"/>
+                      <a:round/>
+                      <a:headEnd type="none" w="med" len="med"/>
+                      <a:tailEnd type="none" w="med" len="med"/>
+                    </a:lnR>
+                    <a:lnT w="12700" cap="flat" cmpd="sng" algn="ctr">
+                      <a:solidFill>
+                        <a:srgbClr val="000000"/>
+                      </a:solidFill>
+                      <a:prstDash val="solid"/>
+                      <a:round/>
+                      <a:headEnd type="none" w="med" len="med"/>
+                      <a:tailEnd type="none" w="med" len="med"/>
+                    </a:lnT>
+                    <a:lnB w="12700" cap="flat" cmpd="sng" algn="ctr">
+                      <a:solidFill>
+                        <a:srgbClr val="000000"/>
+                      </a:solidFill>
+                      <a:prstDash val="solid"/>
+                      <a:round/>
+                      <a:headEnd type="none" w="med" len="med"/>
+                      <a:tailEnd type="none" w="med" len="med"/>
+                    </a:lnB>
+                  </a:tcPr>
+                </a:tc>
+                <a:tc>
+                  <a:txBody>
+                    <a:bodyPr/>
+                    <a:lstStyle/>
+                    <a:p>
+                      <a:pPr algn="ctr">
+                        <a:lnSpc>
+                          <a:spcPct val="107000"/>
+                        </a:lnSpc>
+                        <a:spcAft>
+                          <a:spcPts val="0"/>
+                        </a:spcAft>
+                      </a:pPr>
+                      <a:r>
+                        <a:rPr lang="zh-CN" sz="2000">
+                          <a:effectLst/>
+                          <a:latin typeface="Calibri" panose="020F0502020204030204" pitchFamily="34" charset="0"/>
+                          <a:ea typeface="宋体" panose="02010600030101010101" pitchFamily="2" charset="-122"/>
+                          <a:cs typeface="Times New Roman" panose="02020603050405020304" pitchFamily="18" charset="0"/>
+                        </a:rPr>
+                        <a:t>正常（阴性）</a:t>
+                      </a:r>
+                    </a:p>
+                  </a:txBody>
+                  <a:tcPr marL="68580" marR="68580" marT="0" marB="0" anchor="ctr">
+                    <a:lnL w="12700" cap="flat" cmpd="sng" algn="ctr">
+                      <a:solidFill>
+                        <a:srgbClr val="000000"/>
+                      </a:solidFill>
+                      <a:prstDash val="solid"/>
+                      <a:round/>
+                      <a:headEnd type="none" w="med" len="med"/>
+                      <a:tailEnd type="none" w="med" len="med"/>
+                    </a:lnL>
+                    <a:lnR w="12700" cap="flat" cmpd="sng" algn="ctr">
+                      <a:solidFill>
+                        <a:srgbClr val="000000"/>
+                      </a:solidFill>
+                      <a:prstDash val="solid"/>
+                      <a:round/>
+                      <a:headEnd type="none" w="med" len="med"/>
+                      <a:tailEnd type="none" w="med" len="med"/>
+                    </a:lnR>
+                    <a:lnT w="12700" cap="flat" cmpd="sng" algn="ctr">
+                      <a:solidFill>
+                        <a:srgbClr val="000000"/>
+                      </a:solidFill>
+                      <a:prstDash val="solid"/>
+                      <a:round/>
+                      <a:headEnd type="none" w="med" len="med"/>
+                      <a:tailEnd type="none" w="med" len="med"/>
+                    </a:lnT>
+                    <a:lnB w="12700" cap="flat" cmpd="sng" algn="ctr">
+                      <a:solidFill>
+                        <a:srgbClr val="000000"/>
+                      </a:solidFill>
+                      <a:prstDash val="solid"/>
+                      <a:round/>
+                      <a:headEnd type="none" w="med" len="med"/>
+                      <a:tailEnd type="none" w="med" len="med"/>
+                    </a:lnB>
+                  </a:tcPr>
+                </a:tc>
+                <a:tc>
+                  <a:txBody>
+                    <a:bodyPr/>
+                    <a:lstStyle/>
+                    <a:p>
+                      <a:pPr algn="ctr">
+                        <a:lnSpc>
+                          <a:spcPct val="107000"/>
+                        </a:lnSpc>
+                        <a:spcAft>
+                          <a:spcPts val="0"/>
+                        </a:spcAft>
+                      </a:pPr>
+                      <a:r>
+                        <a:rPr lang="en-US" sz="2000">
+                          <a:effectLst/>
+                          <a:latin typeface="Calibri" panose="020F0502020204030204" pitchFamily="34" charset="0"/>
+                          <a:ea typeface="宋体" panose="02010600030101010101" pitchFamily="2" charset="-122"/>
+                          <a:cs typeface="Times New Roman" panose="02020603050405020304" pitchFamily="18" charset="0"/>
+                        </a:rPr>
+                        <a:t> </a:t>
+                      </a:r>
+                      <a:endParaRPr lang="zh-CN" sz="2000">
+                        <a:effectLst/>
+                        <a:latin typeface="Calibri" panose="020F0502020204030204" pitchFamily="34" charset="0"/>
+                        <a:ea typeface="宋体" panose="02010600030101010101" pitchFamily="2" charset="-122"/>
+                        <a:cs typeface="Times New Roman" panose="02020603050405020304" pitchFamily="18" charset="0"/>
+                      </a:endParaRPr>
+                    </a:p>
+                  </a:txBody>
+                  <a:tcPr marL="68580" marR="68580" marT="0" marB="0" anchor="ctr">
+                    <a:lnL w="12700" cap="flat" cmpd="sng" algn="ctr">
+                      <a:solidFill>
+                        <a:srgbClr val="000000"/>
+                      </a:solidFill>
+                      <a:prstDash val="solid"/>
+                      <a:round/>
+                      <a:headEnd type="none" w="med" len="med"/>
+                      <a:tailEnd type="none" w="med" len="med"/>
+                    </a:lnL>
+                    <a:lnR>
+                      <a:noFill/>
+                    </a:lnR>
+                    <a:lnT>
+                      <a:noFill/>
+                    </a:lnT>
+                    <a:lnB w="12700" cap="flat" cmpd="sng" algn="ctr">
+                      <a:solidFill>
+                        <a:srgbClr val="000000"/>
+                      </a:solidFill>
+                      <a:prstDash val="solid"/>
+                      <a:round/>
+                      <a:headEnd type="none" w="med" len="med"/>
+                      <a:tailEnd type="none" w="med" len="med"/>
+                    </a:lnB>
+                  </a:tcPr>
+                </a:tc>
+                <a:extLst>
+                  <a:ext uri="{0D108BD9-81ED-4DB2-BD59-A6C34878D82A}">
+                    <a16:rowId xmlns:a16="http://schemas.microsoft.com/office/drawing/2014/main" val="3110682841"/>
+                  </a:ext>
+                </a:extLst>
+              </a:tr>
+              <a:tr h="864000">
+                <a:tc rowSpan="2">
+                  <a:txBody>
+                    <a:bodyPr/>
+                    <a:lstStyle/>
+                    <a:p>
+                      <a:pPr algn="ctr">
+                        <a:lnSpc>
+                          <a:spcPct val="107000"/>
+                        </a:lnSpc>
+                        <a:spcAft>
+                          <a:spcPts val="0"/>
+                        </a:spcAft>
+                      </a:pPr>
+                      <a:r>
+                        <a:rPr lang="zh-CN" sz="2000" dirty="0">
+                          <a:effectLst/>
+                          <a:latin typeface="Calibri" panose="020F0502020204030204" pitchFamily="34" charset="0"/>
+                          <a:ea typeface="宋体" panose="02010600030101010101" pitchFamily="2" charset="-122"/>
+                          <a:cs typeface="Times New Roman" panose="02020603050405020304" pitchFamily="18" charset="0"/>
+                        </a:rPr>
+                        <a:t>模型预测</a:t>
+                      </a:r>
+                    </a:p>
+                  </a:txBody>
+                  <a:tcPr marL="68580" marR="68580" marT="0" marB="0" anchor="ctr">
+                    <a:lnL w="12700" cap="flat" cmpd="sng" algn="ctr">
+                      <a:solidFill>
+                        <a:srgbClr val="000000"/>
+                      </a:solidFill>
+                      <a:prstDash val="solid"/>
+                      <a:round/>
+                      <a:headEnd type="none" w="med" len="med"/>
+                      <a:tailEnd type="none" w="med" len="med"/>
+                    </a:lnL>
+                    <a:lnR w="12700" cap="flat" cmpd="sng" algn="ctr">
+                      <a:solidFill>
+                        <a:srgbClr val="000000"/>
+                      </a:solidFill>
+                      <a:prstDash val="solid"/>
+                      <a:round/>
+                      <a:headEnd type="none" w="med" len="med"/>
+                      <a:tailEnd type="none" w="med" len="med"/>
+                    </a:lnR>
+                    <a:lnT w="12700" cap="flat" cmpd="sng" algn="ctr">
+                      <a:solidFill>
+                        <a:srgbClr val="000000"/>
+                      </a:solidFill>
+                      <a:prstDash val="solid"/>
+                      <a:round/>
+                      <a:headEnd type="none" w="med" len="med"/>
+                      <a:tailEnd type="none" w="med" len="med"/>
+                    </a:lnT>
+                    <a:lnB w="12700" cap="flat" cmpd="sng" algn="ctr">
+                      <a:solidFill>
+                        <a:srgbClr val="000000"/>
+                      </a:solidFill>
+                      <a:prstDash val="solid"/>
+                      <a:round/>
+                      <a:headEnd type="none" w="med" len="med"/>
+                      <a:tailEnd type="none" w="med" len="med"/>
+                    </a:lnB>
+                  </a:tcPr>
+                </a:tc>
+                <a:tc>
+                  <a:txBody>
+                    <a:bodyPr/>
+                    <a:lstStyle/>
+                    <a:p>
+                      <a:pPr algn="ctr">
+                        <a:lnSpc>
+                          <a:spcPct val="107000"/>
+                        </a:lnSpc>
+                        <a:spcAft>
+                          <a:spcPts val="0"/>
+                        </a:spcAft>
+                      </a:pPr>
+                      <a:r>
+                        <a:rPr lang="zh-CN" sz="2000">
+                          <a:effectLst/>
+                          <a:latin typeface="Calibri" panose="020F0502020204030204" pitchFamily="34" charset="0"/>
+                          <a:ea typeface="宋体" panose="02010600030101010101" pitchFamily="2" charset="-122"/>
+                          <a:cs typeface="Times New Roman" panose="02020603050405020304" pitchFamily="18" charset="0"/>
+                        </a:rPr>
+                        <a:t>患病（阳性）</a:t>
+                      </a:r>
+                    </a:p>
+                  </a:txBody>
+                  <a:tcPr marL="68580" marR="68580" marT="0" marB="0" anchor="ctr">
+                    <a:lnL w="12700" cap="flat" cmpd="sng" algn="ctr">
+                      <a:solidFill>
+                        <a:srgbClr val="000000"/>
+                      </a:solidFill>
+                      <a:prstDash val="solid"/>
+                      <a:round/>
+                      <a:headEnd type="none" w="med" len="med"/>
+                      <a:tailEnd type="none" w="med" len="med"/>
+                    </a:lnL>
+                    <a:lnR w="12700" cap="flat" cmpd="sng" algn="ctr">
+                      <a:solidFill>
+                        <a:srgbClr val="000000"/>
+                      </a:solidFill>
+                      <a:prstDash val="solid"/>
+                      <a:round/>
+                      <a:headEnd type="none" w="med" len="med"/>
+                      <a:tailEnd type="none" w="med" len="med"/>
+                    </a:lnR>
+                    <a:lnT w="12700" cap="flat" cmpd="sng" algn="ctr">
+                      <a:solidFill>
+                        <a:srgbClr val="000000"/>
+                      </a:solidFill>
+                      <a:prstDash val="solid"/>
+                      <a:round/>
+                      <a:headEnd type="none" w="med" len="med"/>
+                      <a:tailEnd type="none" w="med" len="med"/>
+                    </a:lnT>
+                    <a:lnB w="12700" cap="flat" cmpd="sng" algn="ctr">
+                      <a:solidFill>
+                        <a:srgbClr val="000000"/>
+                      </a:solidFill>
+                      <a:prstDash val="solid"/>
+                      <a:round/>
+                      <a:headEnd type="none" w="med" len="med"/>
+                      <a:tailEnd type="none" w="med" len="med"/>
+                    </a:lnB>
+                  </a:tcPr>
+                </a:tc>
+                <a:tc>
+                  <a:txBody>
+                    <a:bodyPr/>
+                    <a:lstStyle/>
+                    <a:p>
+                      <a:pPr algn="ctr">
+                        <a:lnSpc>
+                          <a:spcPct val="107000"/>
+                        </a:lnSpc>
+                        <a:spcAft>
+                          <a:spcPts val="0"/>
+                        </a:spcAft>
+                      </a:pPr>
+                      <a:r>
+                        <a:rPr lang="en-US" altLang="zh-CN" sz="2000" dirty="0">
+                          <a:effectLst/>
+                          <a:latin typeface="Calibri" panose="020F0502020204030204" pitchFamily="34" charset="0"/>
+                          <a:ea typeface="宋体" panose="02010600030101010101" pitchFamily="2" charset="-122"/>
+                          <a:cs typeface="Times New Roman" panose="02020603050405020304" pitchFamily="18" charset="0"/>
+                        </a:rPr>
+                        <a:t>80</a:t>
+                      </a:r>
+                      <a:endParaRPr lang="zh-CN" sz="2000" dirty="0">
+                        <a:effectLst/>
+                        <a:latin typeface="Calibri" panose="020F0502020204030204" pitchFamily="34" charset="0"/>
+                        <a:ea typeface="宋体" panose="02010600030101010101" pitchFamily="2" charset="-122"/>
+                        <a:cs typeface="Times New Roman" panose="02020603050405020304" pitchFamily="18" charset="0"/>
+                      </a:endParaRPr>
+                    </a:p>
+                  </a:txBody>
+                  <a:tcPr marL="68580" marR="68580" marT="0" marB="0" anchor="ctr">
+                    <a:lnL w="12700" cap="flat" cmpd="sng" algn="ctr">
+                      <a:solidFill>
+                        <a:srgbClr val="000000"/>
+                      </a:solidFill>
+                      <a:prstDash val="solid"/>
+                      <a:round/>
+                      <a:headEnd type="none" w="med" len="med"/>
+                      <a:tailEnd type="none" w="med" len="med"/>
+                    </a:lnL>
+                    <a:lnR w="12700" cap="flat" cmpd="sng" algn="ctr">
+                      <a:solidFill>
+                        <a:srgbClr val="000000"/>
+                      </a:solidFill>
+                      <a:prstDash val="solid"/>
+                      <a:round/>
+                      <a:headEnd type="none" w="med" len="med"/>
+                      <a:tailEnd type="none" w="med" len="med"/>
+                    </a:lnR>
+                    <a:lnT w="12700" cap="flat" cmpd="sng" algn="ctr">
+                      <a:solidFill>
+                        <a:srgbClr val="000000"/>
+                      </a:solidFill>
+                      <a:prstDash val="solid"/>
+                      <a:round/>
+                      <a:headEnd type="none" w="med" len="med"/>
+                      <a:tailEnd type="none" w="med" len="med"/>
+                    </a:lnT>
+                    <a:lnB w="12700" cap="flat" cmpd="sng" algn="ctr">
+                      <a:solidFill>
+                        <a:srgbClr val="000000"/>
+                      </a:solidFill>
+                      <a:prstDash val="solid"/>
+                      <a:round/>
+                      <a:headEnd type="none" w="med" len="med"/>
+                      <a:tailEnd type="none" w="med" len="med"/>
+                    </a:lnB>
+                  </a:tcPr>
+                </a:tc>
+                <a:tc>
+                  <a:txBody>
+                    <a:bodyPr/>
+                    <a:lstStyle/>
+                    <a:p>
+                      <a:pPr algn="ctr">
+                        <a:lnSpc>
+                          <a:spcPct val="107000"/>
+                        </a:lnSpc>
+                        <a:spcAft>
+                          <a:spcPts val="0"/>
+                        </a:spcAft>
+                      </a:pPr>
+                      <a:r>
+                        <a:rPr lang="en-US" altLang="zh-CN" sz="2000" dirty="0">
+                          <a:effectLst/>
+                          <a:latin typeface="Calibri" panose="020F0502020204030204" pitchFamily="34" charset="0"/>
+                          <a:ea typeface="宋体" panose="02010600030101010101" pitchFamily="2" charset="-122"/>
+                          <a:cs typeface="Times New Roman" panose="02020603050405020304" pitchFamily="18" charset="0"/>
+                        </a:rPr>
+                        <a:t>9920</a:t>
+                      </a:r>
+                      <a:endParaRPr lang="zh-CN" sz="2000" dirty="0">
+                        <a:effectLst/>
+                        <a:latin typeface="Calibri" panose="020F0502020204030204" pitchFamily="34" charset="0"/>
+                        <a:ea typeface="宋体" panose="02010600030101010101" pitchFamily="2" charset="-122"/>
+                        <a:cs typeface="Times New Roman" panose="02020603050405020304" pitchFamily="18" charset="0"/>
+                      </a:endParaRPr>
+                    </a:p>
+                  </a:txBody>
+                  <a:tcPr marL="68580" marR="68580" marT="0" marB="0" anchor="ctr">
+                    <a:lnL w="12700" cap="flat" cmpd="sng" algn="ctr">
+                      <a:solidFill>
+                        <a:srgbClr val="000000"/>
+                      </a:solidFill>
+                      <a:prstDash val="solid"/>
+                      <a:round/>
+                      <a:headEnd type="none" w="med" len="med"/>
+                      <a:tailEnd type="none" w="med" len="med"/>
+                    </a:lnL>
+                    <a:lnR w="12700" cap="flat" cmpd="sng" algn="ctr">
+                      <a:solidFill>
+                        <a:srgbClr val="000000"/>
+                      </a:solidFill>
+                      <a:prstDash val="solid"/>
+                      <a:round/>
+                      <a:headEnd type="none" w="med" len="med"/>
+                      <a:tailEnd type="none" w="med" len="med"/>
+                    </a:lnR>
+                    <a:lnT w="12700" cap="flat" cmpd="sng" algn="ctr">
+                      <a:solidFill>
+                        <a:srgbClr val="000000"/>
+                      </a:solidFill>
+                      <a:prstDash val="solid"/>
+                      <a:round/>
+                      <a:headEnd type="none" w="med" len="med"/>
+                      <a:tailEnd type="none" w="med" len="med"/>
+                    </a:lnT>
+                    <a:lnB w="12700" cap="flat" cmpd="sng" algn="ctr">
+                      <a:solidFill>
+                        <a:srgbClr val="000000"/>
+                      </a:solidFill>
+                      <a:prstDash val="solid"/>
+                      <a:round/>
+                      <a:headEnd type="none" w="med" len="med"/>
+                      <a:tailEnd type="none" w="med" len="med"/>
+                    </a:lnB>
+                  </a:tcPr>
+                </a:tc>
+                <a:tc>
+                  <a:txBody>
+                    <a:bodyPr/>
+                    <a:lstStyle/>
+                    <a:p>
+                      <a:pPr algn="ctr">
+                        <a:lnSpc>
+                          <a:spcPct val="107000"/>
+                        </a:lnSpc>
+                        <a:spcAft>
+                          <a:spcPts val="0"/>
+                        </a:spcAft>
+                      </a:pPr>
+                      <a:r>
+                        <a:rPr lang="en-US" altLang="zh-CN" sz="2000" dirty="0">
+                          <a:effectLst/>
+                          <a:latin typeface="Calibri" panose="020F0502020204030204" pitchFamily="34" charset="0"/>
+                          <a:ea typeface="宋体" panose="02010600030101010101" pitchFamily="2" charset="-122"/>
+                          <a:cs typeface="Times New Roman" panose="02020603050405020304" pitchFamily="18" charset="0"/>
+                        </a:rPr>
+                        <a:t>10000</a:t>
+                      </a:r>
+                      <a:endParaRPr lang="zh-CN" sz="2000" dirty="0">
+                        <a:effectLst/>
+                        <a:latin typeface="Calibri" panose="020F0502020204030204" pitchFamily="34" charset="0"/>
+                        <a:ea typeface="宋体" panose="02010600030101010101" pitchFamily="2" charset="-122"/>
+                        <a:cs typeface="Times New Roman" panose="02020603050405020304" pitchFamily="18" charset="0"/>
+                      </a:endParaRPr>
+                    </a:p>
+                  </a:txBody>
+                  <a:tcPr marL="68580" marR="68580" marT="0" marB="0" anchor="ctr">
+                    <a:lnL w="12700" cap="flat" cmpd="sng" algn="ctr">
+                      <a:solidFill>
+                        <a:srgbClr val="000000"/>
+                      </a:solidFill>
+                      <a:prstDash val="solid"/>
+                      <a:round/>
+                      <a:headEnd type="none" w="med" len="med"/>
+                      <a:tailEnd type="none" w="med" len="med"/>
+                    </a:lnL>
+                    <a:lnR w="12700" cap="flat" cmpd="sng" algn="ctr">
+                      <a:solidFill>
+                        <a:srgbClr val="000000"/>
+                      </a:solidFill>
+                      <a:prstDash val="solid"/>
+                      <a:round/>
+                      <a:headEnd type="none" w="med" len="med"/>
+                      <a:tailEnd type="none" w="med" len="med"/>
+                    </a:lnR>
+                    <a:lnT w="12700" cap="flat" cmpd="sng" algn="ctr">
+                      <a:solidFill>
+                        <a:srgbClr val="000000"/>
+                      </a:solidFill>
+                      <a:prstDash val="solid"/>
+                      <a:round/>
+                      <a:headEnd type="none" w="med" len="med"/>
+                      <a:tailEnd type="none" w="med" len="med"/>
+                    </a:lnT>
+                    <a:lnB w="12700" cap="flat" cmpd="sng" algn="ctr">
+                      <a:solidFill>
+                        <a:srgbClr val="000000"/>
+                      </a:solidFill>
+                      <a:prstDash val="solid"/>
+                      <a:round/>
+                      <a:headEnd type="none" w="med" len="med"/>
+                      <a:tailEnd type="none" w="med" len="med"/>
+                    </a:lnB>
+                  </a:tcPr>
+                </a:tc>
+                <a:extLst>
+                  <a:ext uri="{0D108BD9-81ED-4DB2-BD59-A6C34878D82A}">
+                    <a16:rowId xmlns:a16="http://schemas.microsoft.com/office/drawing/2014/main" val="1415686338"/>
+                  </a:ext>
+                </a:extLst>
+              </a:tr>
+              <a:tr h="864000">
+                <a:tc vMerge="1">
+                  <a:txBody>
+                    <a:bodyPr/>
+                    <a:lstStyle/>
+                    <a:p>
+                      <a:endParaRPr lang="zh-CN" altLang="en-US"/>
+                    </a:p>
+                  </a:txBody>
+                  <a:tcPr/>
+                </a:tc>
+                <a:tc>
+                  <a:txBody>
+                    <a:bodyPr/>
+                    <a:lstStyle/>
+                    <a:p>
+                      <a:pPr algn="ctr">
+                        <a:lnSpc>
+                          <a:spcPct val="107000"/>
+                        </a:lnSpc>
+                        <a:spcAft>
+                          <a:spcPts val="0"/>
+                        </a:spcAft>
+                      </a:pPr>
+                      <a:r>
+                        <a:rPr lang="zh-CN" sz="2000">
+                          <a:effectLst/>
+                          <a:latin typeface="Calibri" panose="020F0502020204030204" pitchFamily="34" charset="0"/>
+                          <a:ea typeface="宋体" panose="02010600030101010101" pitchFamily="2" charset="-122"/>
+                          <a:cs typeface="Times New Roman" panose="02020603050405020304" pitchFamily="18" charset="0"/>
+                        </a:rPr>
+                        <a:t>正常（阴性）</a:t>
+                      </a:r>
+                    </a:p>
+                  </a:txBody>
+                  <a:tcPr marL="68580" marR="68580" marT="0" marB="0" anchor="ctr">
+                    <a:lnL w="12700" cap="flat" cmpd="sng" algn="ctr">
+                      <a:solidFill>
+                        <a:srgbClr val="000000"/>
+                      </a:solidFill>
+                      <a:prstDash val="solid"/>
+                      <a:round/>
+                      <a:headEnd type="none" w="med" len="med"/>
+                      <a:tailEnd type="none" w="med" len="med"/>
+                    </a:lnL>
+                    <a:lnR w="12700" cap="flat" cmpd="sng" algn="ctr">
+                      <a:solidFill>
+                        <a:srgbClr val="000000"/>
+                      </a:solidFill>
+                      <a:prstDash val="solid"/>
+                      <a:round/>
+                      <a:headEnd type="none" w="med" len="med"/>
+                      <a:tailEnd type="none" w="med" len="med"/>
+                    </a:lnR>
+                    <a:lnT w="12700" cap="flat" cmpd="sng" algn="ctr">
+                      <a:solidFill>
+                        <a:srgbClr val="000000"/>
+                      </a:solidFill>
+                      <a:prstDash val="solid"/>
+                      <a:round/>
+                      <a:headEnd type="none" w="med" len="med"/>
+                      <a:tailEnd type="none" w="med" len="med"/>
+                    </a:lnT>
+                    <a:lnB w="12700" cap="flat" cmpd="sng" algn="ctr">
+                      <a:solidFill>
+                        <a:srgbClr val="000000"/>
+                      </a:solidFill>
+                      <a:prstDash val="solid"/>
+                      <a:round/>
+                      <a:headEnd type="none" w="med" len="med"/>
+                      <a:tailEnd type="none" w="med" len="med"/>
+                    </a:lnB>
+                  </a:tcPr>
+                </a:tc>
+                <a:tc>
+                  <a:txBody>
+                    <a:bodyPr/>
+                    <a:lstStyle/>
+                    <a:p>
+                      <a:pPr algn="ctr">
+                        <a:lnSpc>
+                          <a:spcPct val="107000"/>
+                        </a:lnSpc>
+                        <a:spcAft>
+                          <a:spcPts val="0"/>
+                        </a:spcAft>
+                      </a:pPr>
+                      <a:r>
+                        <a:rPr lang="en-US" altLang="zh-CN" sz="2000" dirty="0">
+                          <a:effectLst/>
+                          <a:latin typeface="Calibri" panose="020F0502020204030204" pitchFamily="34" charset="0"/>
+                          <a:ea typeface="宋体" panose="02010600030101010101" pitchFamily="2" charset="-122"/>
+                          <a:cs typeface="Times New Roman" panose="02020603050405020304" pitchFamily="18" charset="0"/>
+                        </a:rPr>
+                        <a:t>0</a:t>
+                      </a:r>
+                      <a:endParaRPr lang="zh-CN" sz="2000" dirty="0">
+                        <a:effectLst/>
+                        <a:latin typeface="Calibri" panose="020F0502020204030204" pitchFamily="34" charset="0"/>
+                        <a:ea typeface="宋体" panose="02010600030101010101" pitchFamily="2" charset="-122"/>
+                        <a:cs typeface="Times New Roman" panose="02020603050405020304" pitchFamily="18" charset="0"/>
+                      </a:endParaRPr>
+                    </a:p>
+                  </a:txBody>
+                  <a:tcPr marL="68580" marR="68580" marT="0" marB="0" anchor="ctr">
+                    <a:lnL w="12700" cap="flat" cmpd="sng" algn="ctr">
+                      <a:solidFill>
+                        <a:srgbClr val="000000"/>
+                      </a:solidFill>
+                      <a:prstDash val="solid"/>
+                      <a:round/>
+                      <a:headEnd type="none" w="med" len="med"/>
+                      <a:tailEnd type="none" w="med" len="med"/>
+                    </a:lnL>
+                    <a:lnR w="12700" cap="flat" cmpd="sng" algn="ctr">
+                      <a:solidFill>
+                        <a:srgbClr val="000000"/>
+                      </a:solidFill>
+                      <a:prstDash val="solid"/>
+                      <a:round/>
+                      <a:headEnd type="none" w="med" len="med"/>
+                      <a:tailEnd type="none" w="med" len="med"/>
+                    </a:lnR>
+                    <a:lnT w="12700" cap="flat" cmpd="sng" algn="ctr">
+                      <a:solidFill>
+                        <a:srgbClr val="000000"/>
+                      </a:solidFill>
+                      <a:prstDash val="solid"/>
+                      <a:round/>
+                      <a:headEnd type="none" w="med" len="med"/>
+                      <a:tailEnd type="none" w="med" len="med"/>
+                    </a:lnT>
+                    <a:lnB w="12700" cap="flat" cmpd="sng" algn="ctr">
+                      <a:solidFill>
+                        <a:srgbClr val="000000"/>
+                      </a:solidFill>
+                      <a:prstDash val="solid"/>
+                      <a:round/>
+                      <a:headEnd type="none" w="med" len="med"/>
+                      <a:tailEnd type="none" w="med" len="med"/>
+                    </a:lnB>
+                  </a:tcPr>
+                </a:tc>
+                <a:tc>
+                  <a:txBody>
+                    <a:bodyPr/>
+                    <a:lstStyle/>
+                    <a:p>
+                      <a:pPr algn="ctr">
+                        <a:lnSpc>
+                          <a:spcPct val="107000"/>
+                        </a:lnSpc>
+                        <a:spcAft>
+                          <a:spcPts val="0"/>
+                        </a:spcAft>
+                      </a:pPr>
+                      <a:r>
+                        <a:rPr lang="en-US" altLang="zh-CN" sz="2000" dirty="0">
+                          <a:effectLst/>
+                          <a:latin typeface="Calibri" panose="020F0502020204030204" pitchFamily="34" charset="0"/>
+                          <a:ea typeface="宋体" panose="02010600030101010101" pitchFamily="2" charset="-122"/>
+                          <a:cs typeface="Times New Roman" panose="02020603050405020304" pitchFamily="18" charset="0"/>
+                        </a:rPr>
+                        <a:t>0</a:t>
+                      </a:r>
+                      <a:endParaRPr lang="zh-CN" sz="2000" dirty="0">
+                        <a:effectLst/>
+                        <a:latin typeface="Calibri" panose="020F0502020204030204" pitchFamily="34" charset="0"/>
+                        <a:ea typeface="宋体" panose="02010600030101010101" pitchFamily="2" charset="-122"/>
+                        <a:cs typeface="Times New Roman" panose="02020603050405020304" pitchFamily="18" charset="0"/>
+                      </a:endParaRPr>
+                    </a:p>
+                  </a:txBody>
+                  <a:tcPr marL="68580" marR="68580" marT="0" marB="0" anchor="ctr">
+                    <a:lnL w="12700" cap="flat" cmpd="sng" algn="ctr">
+                      <a:solidFill>
+                        <a:srgbClr val="000000"/>
+                      </a:solidFill>
+                      <a:prstDash val="solid"/>
+                      <a:round/>
+                      <a:headEnd type="none" w="med" len="med"/>
+                      <a:tailEnd type="none" w="med" len="med"/>
+                    </a:lnL>
+                    <a:lnR w="12700" cap="flat" cmpd="sng" algn="ctr">
+                      <a:solidFill>
+                        <a:srgbClr val="000000"/>
+                      </a:solidFill>
+                      <a:prstDash val="solid"/>
+                      <a:round/>
+                      <a:headEnd type="none" w="med" len="med"/>
+                      <a:tailEnd type="none" w="med" len="med"/>
+                    </a:lnR>
+                    <a:lnT w="12700" cap="flat" cmpd="sng" algn="ctr">
+                      <a:solidFill>
+                        <a:srgbClr val="000000"/>
+                      </a:solidFill>
+                      <a:prstDash val="solid"/>
+                      <a:round/>
+                      <a:headEnd type="none" w="med" len="med"/>
+                      <a:tailEnd type="none" w="med" len="med"/>
+                    </a:lnT>
+                    <a:lnB w="12700" cap="flat" cmpd="sng" algn="ctr">
+                      <a:solidFill>
+                        <a:srgbClr val="000000"/>
+                      </a:solidFill>
+                      <a:prstDash val="solid"/>
+                      <a:round/>
+                      <a:headEnd type="none" w="med" len="med"/>
+                      <a:tailEnd type="none" w="med" len="med"/>
+                    </a:lnB>
+                  </a:tcPr>
+                </a:tc>
+                <a:tc>
+                  <a:txBody>
+                    <a:bodyPr/>
+                    <a:lstStyle/>
+                    <a:p>
+                      <a:pPr algn="ctr">
+                        <a:lnSpc>
+                          <a:spcPct val="107000"/>
+                        </a:lnSpc>
+                        <a:spcAft>
+                          <a:spcPts val="0"/>
+                        </a:spcAft>
+                      </a:pPr>
+                      <a:r>
+                        <a:rPr lang="en-US" sz="2000" dirty="0">
+                          <a:effectLst/>
+                          <a:latin typeface="Calibri" panose="020F0502020204030204" pitchFamily="34" charset="0"/>
+                          <a:ea typeface="宋体" panose="02010600030101010101" pitchFamily="2" charset="-122"/>
+                          <a:cs typeface="Times New Roman" panose="02020603050405020304" pitchFamily="18" charset="0"/>
+                        </a:rPr>
+                        <a:t>0</a:t>
+                      </a:r>
+                      <a:endParaRPr lang="zh-CN" sz="2000" dirty="0">
+                        <a:effectLst/>
+                        <a:latin typeface="Calibri" panose="020F0502020204030204" pitchFamily="34" charset="0"/>
+                        <a:ea typeface="宋体" panose="02010600030101010101" pitchFamily="2" charset="-122"/>
+                        <a:cs typeface="Times New Roman" panose="02020603050405020304" pitchFamily="18" charset="0"/>
+                      </a:endParaRPr>
+                    </a:p>
+                  </a:txBody>
+                  <a:tcPr marL="68580" marR="68580" marT="0" marB="0" anchor="ctr">
+                    <a:lnL w="12700" cap="flat" cmpd="sng" algn="ctr">
+                      <a:solidFill>
+                        <a:srgbClr val="000000"/>
+                      </a:solidFill>
+                      <a:prstDash val="solid"/>
+                      <a:round/>
+                      <a:headEnd type="none" w="med" len="med"/>
+                      <a:tailEnd type="none" w="med" len="med"/>
+                    </a:lnL>
+                    <a:lnR w="12700" cap="flat" cmpd="sng" algn="ctr">
+                      <a:solidFill>
+                        <a:srgbClr val="000000"/>
+                      </a:solidFill>
+                      <a:prstDash val="solid"/>
+                      <a:round/>
+                      <a:headEnd type="none" w="med" len="med"/>
+                      <a:tailEnd type="none" w="med" len="med"/>
+                    </a:lnR>
+                    <a:lnT w="12700" cap="flat" cmpd="sng" algn="ctr">
+                      <a:solidFill>
+                        <a:srgbClr val="000000"/>
+                      </a:solidFill>
+                      <a:prstDash val="solid"/>
+                      <a:round/>
+                      <a:headEnd type="none" w="med" len="med"/>
+                      <a:tailEnd type="none" w="med" len="med"/>
+                    </a:lnT>
+                    <a:lnB w="12700" cap="flat" cmpd="sng" algn="ctr">
+                      <a:solidFill>
+                        <a:srgbClr val="000000"/>
+                      </a:solidFill>
+                      <a:prstDash val="solid"/>
+                      <a:round/>
+                      <a:headEnd type="none" w="med" len="med"/>
+                      <a:tailEnd type="none" w="med" len="med"/>
+                    </a:lnB>
+                  </a:tcPr>
+                </a:tc>
+                <a:extLst>
+                  <a:ext uri="{0D108BD9-81ED-4DB2-BD59-A6C34878D82A}">
+                    <a16:rowId xmlns:a16="http://schemas.microsoft.com/office/drawing/2014/main" val="272114322"/>
+                  </a:ext>
+                </a:extLst>
+              </a:tr>
+              <a:tr h="864000">
+                <a:tc>
+                  <a:txBody>
+                    <a:bodyPr/>
+                    <a:lstStyle/>
+                    <a:p>
+                      <a:pPr algn="ctr">
+                        <a:lnSpc>
+                          <a:spcPct val="107000"/>
+                        </a:lnSpc>
+                        <a:spcAft>
+                          <a:spcPts val="0"/>
+                        </a:spcAft>
+                      </a:pPr>
+                      <a:r>
+                        <a:rPr lang="en-US" sz="2000">
+                          <a:effectLst/>
+                          <a:latin typeface="Calibri" panose="020F0502020204030204" pitchFamily="34" charset="0"/>
+                          <a:ea typeface="宋体" panose="02010600030101010101" pitchFamily="2" charset="-122"/>
+                          <a:cs typeface="Times New Roman" panose="02020603050405020304" pitchFamily="18" charset="0"/>
+                        </a:rPr>
+                        <a:t> </a:t>
+                      </a:r>
+                      <a:endParaRPr lang="zh-CN" sz="2000">
+                        <a:effectLst/>
+                        <a:latin typeface="Calibri" panose="020F0502020204030204" pitchFamily="34" charset="0"/>
+                        <a:ea typeface="宋体" panose="02010600030101010101" pitchFamily="2" charset="-122"/>
+                        <a:cs typeface="Times New Roman" panose="02020603050405020304" pitchFamily="18" charset="0"/>
+                      </a:endParaRPr>
+                    </a:p>
+                  </a:txBody>
+                  <a:tcPr marL="68580" marR="68580" marT="0" marB="0" anchor="ctr">
+                    <a:lnL>
+                      <a:noFill/>
+                    </a:lnL>
+                    <a:lnR>
+                      <a:noFill/>
+                    </a:lnR>
+                    <a:lnT w="12700" cap="flat" cmpd="sng" algn="ctr">
+                      <a:solidFill>
+                        <a:srgbClr val="000000"/>
+                      </a:solidFill>
+                      <a:prstDash val="solid"/>
+                      <a:round/>
+                      <a:headEnd type="none" w="med" len="med"/>
+                      <a:tailEnd type="none" w="med" len="med"/>
+                    </a:lnT>
+                    <a:lnB>
+                      <a:noFill/>
+                    </a:lnB>
+                  </a:tcPr>
+                </a:tc>
+                <a:tc>
+                  <a:txBody>
+                    <a:bodyPr/>
+                    <a:lstStyle/>
+                    <a:p>
+                      <a:pPr algn="ctr">
+                        <a:lnSpc>
+                          <a:spcPct val="107000"/>
+                        </a:lnSpc>
+                        <a:spcAft>
+                          <a:spcPts val="0"/>
+                        </a:spcAft>
+                      </a:pPr>
+                      <a:r>
+                        <a:rPr lang="en-US" sz="2000">
+                          <a:effectLst/>
+                          <a:latin typeface="Calibri" panose="020F0502020204030204" pitchFamily="34" charset="0"/>
+                          <a:ea typeface="宋体" panose="02010600030101010101" pitchFamily="2" charset="-122"/>
+                          <a:cs typeface="Times New Roman" panose="02020603050405020304" pitchFamily="18" charset="0"/>
+                        </a:rPr>
+                        <a:t> </a:t>
+                      </a:r>
+                      <a:endParaRPr lang="zh-CN" sz="2000">
+                        <a:effectLst/>
+                        <a:latin typeface="Calibri" panose="020F0502020204030204" pitchFamily="34" charset="0"/>
+                        <a:ea typeface="宋体" panose="02010600030101010101" pitchFamily="2" charset="-122"/>
+                        <a:cs typeface="Times New Roman" panose="02020603050405020304" pitchFamily="18" charset="0"/>
+                      </a:endParaRPr>
+                    </a:p>
+                  </a:txBody>
+                  <a:tcPr marL="68580" marR="68580" marT="0" marB="0" anchor="ctr">
+                    <a:lnL>
+                      <a:noFill/>
+                    </a:lnL>
+                    <a:lnR w="12700" cap="flat" cmpd="sng" algn="ctr">
+                      <a:solidFill>
+                        <a:srgbClr val="000000"/>
+                      </a:solidFill>
+                      <a:prstDash val="solid"/>
+                      <a:round/>
+                      <a:headEnd type="none" w="med" len="med"/>
+                      <a:tailEnd type="none" w="med" len="med"/>
+                    </a:lnR>
+                    <a:lnT w="12700" cap="flat" cmpd="sng" algn="ctr">
+                      <a:solidFill>
+                        <a:srgbClr val="000000"/>
+                      </a:solidFill>
+                      <a:prstDash val="solid"/>
+                      <a:round/>
+                      <a:headEnd type="none" w="med" len="med"/>
+                      <a:tailEnd type="none" w="med" len="med"/>
+                    </a:lnT>
+                    <a:lnB>
+                      <a:noFill/>
+                    </a:lnB>
+                  </a:tcPr>
+                </a:tc>
+                <a:tc>
+                  <a:txBody>
+                    <a:bodyPr/>
+                    <a:lstStyle/>
+                    <a:p>
+                      <a:pPr algn="ctr">
+                        <a:lnSpc>
+                          <a:spcPct val="107000"/>
+                        </a:lnSpc>
+                        <a:spcAft>
+                          <a:spcPts val="0"/>
+                        </a:spcAft>
+                      </a:pPr>
+                      <a:r>
+                        <a:rPr lang="en-US" sz="2000" dirty="0">
+                          <a:effectLst/>
+                          <a:latin typeface="Calibri" panose="020F0502020204030204" pitchFamily="34" charset="0"/>
+                          <a:ea typeface="宋体" panose="02010600030101010101" pitchFamily="2" charset="-122"/>
+                          <a:cs typeface="Times New Roman" panose="02020603050405020304" pitchFamily="18" charset="0"/>
+                        </a:rPr>
+                        <a:t>80</a:t>
+                      </a:r>
+                      <a:endParaRPr lang="zh-CN" sz="2000" dirty="0">
+                        <a:effectLst/>
+                        <a:latin typeface="Calibri" panose="020F0502020204030204" pitchFamily="34" charset="0"/>
+                        <a:ea typeface="宋体" panose="02010600030101010101" pitchFamily="2" charset="-122"/>
+                        <a:cs typeface="Times New Roman" panose="02020603050405020304" pitchFamily="18" charset="0"/>
+                      </a:endParaRPr>
+                    </a:p>
+                  </a:txBody>
+                  <a:tcPr marL="68580" marR="68580" marT="0" marB="0" anchor="ctr">
+                    <a:lnL w="12700" cap="flat" cmpd="sng" algn="ctr">
+                      <a:solidFill>
+                        <a:srgbClr val="000000"/>
+                      </a:solidFill>
+                      <a:prstDash val="solid"/>
+                      <a:round/>
+                      <a:headEnd type="none" w="med" len="med"/>
+                      <a:tailEnd type="none" w="med" len="med"/>
+                    </a:lnL>
+                    <a:lnR w="12700" cap="flat" cmpd="sng" algn="ctr">
+                      <a:solidFill>
+                        <a:srgbClr val="000000"/>
+                      </a:solidFill>
+                      <a:prstDash val="solid"/>
+                      <a:round/>
+                      <a:headEnd type="none" w="med" len="med"/>
+                      <a:tailEnd type="none" w="med" len="med"/>
+                    </a:lnR>
+                    <a:lnT w="12700" cap="flat" cmpd="sng" algn="ctr">
+                      <a:solidFill>
+                        <a:srgbClr val="000000"/>
+                      </a:solidFill>
+                      <a:prstDash val="solid"/>
+                      <a:round/>
+                      <a:headEnd type="none" w="med" len="med"/>
+                      <a:tailEnd type="none" w="med" len="med"/>
+                    </a:lnT>
+                    <a:lnB w="12700" cap="flat" cmpd="sng" algn="ctr">
+                      <a:solidFill>
+                        <a:srgbClr val="000000"/>
+                      </a:solidFill>
+                      <a:prstDash val="solid"/>
+                      <a:round/>
+                      <a:headEnd type="none" w="med" len="med"/>
+                      <a:tailEnd type="none" w="med" len="med"/>
+                    </a:lnB>
+                  </a:tcPr>
+                </a:tc>
+                <a:tc>
+                  <a:txBody>
+                    <a:bodyPr/>
+                    <a:lstStyle/>
+                    <a:p>
+                      <a:pPr algn="ctr">
+                        <a:lnSpc>
+                          <a:spcPct val="107000"/>
+                        </a:lnSpc>
+                        <a:spcAft>
+                          <a:spcPts val="0"/>
+                        </a:spcAft>
+                      </a:pPr>
+                      <a:r>
+                        <a:rPr lang="en-US" sz="2000">
+                          <a:effectLst/>
+                          <a:latin typeface="Calibri" panose="020F0502020204030204" pitchFamily="34" charset="0"/>
+                          <a:ea typeface="宋体" panose="02010600030101010101" pitchFamily="2" charset="-122"/>
+                          <a:cs typeface="Times New Roman" panose="02020603050405020304" pitchFamily="18" charset="0"/>
+                        </a:rPr>
+                        <a:t>9920</a:t>
+                      </a:r>
+                      <a:endParaRPr lang="zh-CN" sz="2000">
+                        <a:effectLst/>
+                        <a:latin typeface="Calibri" panose="020F0502020204030204" pitchFamily="34" charset="0"/>
+                        <a:ea typeface="宋体" panose="02010600030101010101" pitchFamily="2" charset="-122"/>
+                        <a:cs typeface="Times New Roman" panose="02020603050405020304" pitchFamily="18" charset="0"/>
+                      </a:endParaRPr>
+                    </a:p>
+                  </a:txBody>
+                  <a:tcPr marL="68580" marR="68580" marT="0" marB="0" anchor="ctr">
+                    <a:lnL w="12700" cap="flat" cmpd="sng" algn="ctr">
+                      <a:solidFill>
+                        <a:srgbClr val="000000"/>
+                      </a:solidFill>
+                      <a:prstDash val="solid"/>
+                      <a:round/>
+                      <a:headEnd type="none" w="med" len="med"/>
+                      <a:tailEnd type="none" w="med" len="med"/>
+                    </a:lnL>
+                    <a:lnR w="12700" cap="flat" cmpd="sng" algn="ctr">
+                      <a:solidFill>
+                        <a:srgbClr val="000000"/>
+                      </a:solidFill>
+                      <a:prstDash val="solid"/>
+                      <a:round/>
+                      <a:headEnd type="none" w="med" len="med"/>
+                      <a:tailEnd type="none" w="med" len="med"/>
+                    </a:lnR>
+                    <a:lnT w="12700" cap="flat" cmpd="sng" algn="ctr">
+                      <a:solidFill>
+                        <a:srgbClr val="000000"/>
+                      </a:solidFill>
+                      <a:prstDash val="solid"/>
+                      <a:round/>
+                      <a:headEnd type="none" w="med" len="med"/>
+                      <a:tailEnd type="none" w="med" len="med"/>
+                    </a:lnT>
+                    <a:lnB w="12700" cap="flat" cmpd="sng" algn="ctr">
+                      <a:solidFill>
+                        <a:srgbClr val="000000"/>
+                      </a:solidFill>
+                      <a:prstDash val="solid"/>
+                      <a:round/>
+                      <a:headEnd type="none" w="med" len="med"/>
+                      <a:tailEnd type="none" w="med" len="med"/>
+                    </a:lnB>
+                  </a:tcPr>
+                </a:tc>
+                <a:tc>
+                  <a:txBody>
+                    <a:bodyPr/>
+                    <a:lstStyle/>
+                    <a:p>
+                      <a:pPr algn="ctr">
+                        <a:lnSpc>
+                          <a:spcPct val="107000"/>
+                        </a:lnSpc>
+                        <a:spcAft>
+                          <a:spcPts val="0"/>
+                        </a:spcAft>
+                      </a:pPr>
+                      <a:r>
+                        <a:rPr lang="en-US" sz="2000" dirty="0">
+                          <a:effectLst/>
+                          <a:latin typeface="Calibri" panose="020F0502020204030204" pitchFamily="34" charset="0"/>
+                          <a:ea typeface="宋体" panose="02010600030101010101" pitchFamily="2" charset="-122"/>
+                          <a:cs typeface="Times New Roman" panose="02020603050405020304" pitchFamily="18" charset="0"/>
+                        </a:rPr>
+                        <a:t> </a:t>
+                      </a:r>
+                      <a:endParaRPr lang="zh-CN" sz="2000" dirty="0">
+                        <a:effectLst/>
+                        <a:latin typeface="Calibri" panose="020F0502020204030204" pitchFamily="34" charset="0"/>
+                        <a:ea typeface="宋体" panose="02010600030101010101" pitchFamily="2" charset="-122"/>
+                        <a:cs typeface="Times New Roman" panose="02020603050405020304" pitchFamily="18" charset="0"/>
+                      </a:endParaRPr>
+                    </a:p>
+                  </a:txBody>
+                  <a:tcPr marL="68580" marR="68580" marT="0" marB="0" anchor="ctr">
+                    <a:lnL w="12700" cap="flat" cmpd="sng" algn="ctr">
+                      <a:solidFill>
+                        <a:srgbClr val="000000"/>
+                      </a:solidFill>
+                      <a:prstDash val="solid"/>
+                      <a:round/>
+                      <a:headEnd type="none" w="med" len="med"/>
+                      <a:tailEnd type="none" w="med" len="med"/>
+                    </a:lnL>
+                    <a:lnR>
+                      <a:noFill/>
+                    </a:lnR>
+                    <a:lnT w="12700" cap="flat" cmpd="sng" algn="ctr">
+                      <a:solidFill>
+                        <a:srgbClr val="000000"/>
+                      </a:solidFill>
+                      <a:prstDash val="solid"/>
+                      <a:round/>
+                      <a:headEnd type="none" w="med" len="med"/>
+                      <a:tailEnd type="none" w="med" len="med"/>
+                    </a:lnT>
+                    <a:lnB>
+                      <a:noFill/>
+                    </a:lnB>
+                  </a:tcPr>
+                </a:tc>
+                <a:extLst>
+                  <a:ext uri="{0D108BD9-81ED-4DB2-BD59-A6C34878D82A}">
+                    <a16:rowId xmlns:a16="http://schemas.microsoft.com/office/drawing/2014/main" val="1197114450"/>
+                  </a:ext>
+                </a:extLst>
+              </a:tr>
+            </a:tbl>
+          </a:graphicData>
+        </a:graphic>
+      </p:graphicFrame>
+    </p:spTree>
+    <p:extLst>
+      <p:ext uri="{BB962C8B-B14F-4D97-AF65-F5344CB8AC3E}">
+        <p14:creationId xmlns:p14="http://schemas.microsoft.com/office/powerpoint/2010/main" val="293294324"/>
+      </p:ext>
+    </p:extLst>
+  </p:cSld>
+  <p:clrMapOvr>
+    <a:masterClrMapping/>
+  </p:clrMapOvr>
+</p:sld>
+</file>
+
+<file path=ppt/slides/slide24.xml><?xml version="1.0" encoding="utf-8"?>
+<p:sld xmlns:a="http://schemas.openxmlformats.org/drawingml/2006/main" xmlns:r="http://schemas.openxmlformats.org/officeDocument/2006/relationships" xmlns:p="http://schemas.openxmlformats.org/presentationml/2006/main">
+  <p:cSld>
+    <p:spTree>
+      <p:nvGrpSpPr>
+        <p:cNvPr id="1" name=""/>
+        <p:cNvGrpSpPr/>
+        <p:nvPr/>
+      </p:nvGrpSpPr>
+      <p:grpSpPr>
+        <a:xfrm>
+          <a:off x="0" y="0"/>
+          <a:ext cx="0" cy="0"/>
+          <a:chOff x="0" y="0"/>
+          <a:chExt cx="0" cy="0"/>
+        </a:xfrm>
+      </p:grpSpPr>
       <p:pic>
         <p:nvPicPr>
           <p:cNvPr id="2" name="图片 1"/>
@@ -24887,7 +27596,7 @@
           <a:lstStyle/>
           <a:p>
             <a:r>
-              <a:rPr lang="zh-CN" altLang="en-US" sz="2800" dirty="0" smtClean="0">
+              <a:rPr lang="zh-CN" altLang="en-US" sz="2800" dirty="0">
                 <a:solidFill>
                   <a:srgbClr val="FF0000"/>
                 </a:solidFill>
@@ -25031,7 +27740,7 @@
 </p:sld>
 </file>
 
-<file path=ppt/slides/slide23.xml><?xml version="1.0" encoding="utf-8"?>
+<file path=ppt/slides/slide25.xml><?xml version="1.0" encoding="utf-8"?>
 <p:sld xmlns:a="http://schemas.openxmlformats.org/drawingml/2006/main" xmlns:r="http://schemas.openxmlformats.org/officeDocument/2006/relationships" xmlns:p="http://schemas.openxmlformats.org/presentationml/2006/main">
   <p:cSld>
     <p:bg>
@@ -25064,7 +27773,7 @@
                 <a16:creationId xmlns:a16="http://schemas.microsoft.com/office/drawing/2014/main" id="{42285737-90EE-47DC-AC80-8AE156B11969}"/>
               </a:ext>
               <a:ext uri="{C183D7F6-B498-43B3-948B-1728B52AA6E4}">
-                <adec:decorative xmlns="" xmlns:adec="http://schemas.microsoft.com/office/drawing/2017/decorative" val="1"/>
+                <adec:decorative xmlns:adec="http://schemas.microsoft.com/office/drawing/2017/decorative" val="1"/>
               </a:ext>
             </a:extLst>
           </p:cNvPr>
@@ -25244,7 +27953,7 @@
                 <a16:creationId xmlns:a16="http://schemas.microsoft.com/office/drawing/2014/main" id="{B57BDC17-F1B3-455F-BBF1-680AA1F25C06}"/>
               </a:ext>
               <a:ext uri="{C183D7F6-B498-43B3-948B-1728B52AA6E4}">
-                <adec:decorative xmlns="" xmlns:adec="http://schemas.microsoft.com/office/drawing/2017/decorative" val="1"/>
+                <adec:decorative xmlns:adec="http://schemas.microsoft.com/office/drawing/2017/decorative" val="1"/>
               </a:ext>
             </a:extLst>
           </p:cNvPr>
@@ -25275,7 +27984,7 @@
                   <a16:creationId xmlns:a16="http://schemas.microsoft.com/office/drawing/2014/main" id="{64E2FA9A-FEF7-4501-B0EB-5E45EDD2177A}"/>
                 </a:ext>
                 <a:ext uri="{C183D7F6-B498-43B3-948B-1728B52AA6E4}">
-                  <adec:decorative xmlns="" xmlns:adec="http://schemas.microsoft.com/office/drawing/2017/decorative" val="1"/>
+                  <adec:decorative xmlns:adec="http://schemas.microsoft.com/office/drawing/2017/decorative" val="1"/>
                 </a:ext>
               </a:extLst>
             </p:cNvPr>
@@ -25336,7 +28045,7 @@
                   <a16:creationId xmlns:a16="http://schemas.microsoft.com/office/drawing/2014/main" id="{BC38192B-B4CB-47D4-A3B1-10010247F158}"/>
                 </a:ext>
                 <a:ext uri="{C183D7F6-B498-43B3-948B-1728B52AA6E4}">
-                  <adec:decorative xmlns="" xmlns:adec="http://schemas.microsoft.com/office/drawing/2017/decorative" val="1"/>
+                  <adec:decorative xmlns:adec="http://schemas.microsoft.com/office/drawing/2017/decorative" val="1"/>
                 </a:ext>
               </a:extLst>
             </p:cNvPr>
@@ -25397,7 +28106,7 @@
                   <a16:creationId xmlns:a16="http://schemas.microsoft.com/office/drawing/2014/main" id="{96330E33-E171-4B0F-82B5-AF7230399B5C}"/>
                 </a:ext>
                 <a:ext uri="{C183D7F6-B498-43B3-948B-1728B52AA6E4}">
-                  <adec:decorative xmlns="" xmlns:adec="http://schemas.microsoft.com/office/drawing/2017/decorative" val="1"/>
+                  <adec:decorative xmlns:adec="http://schemas.microsoft.com/office/drawing/2017/decorative" val="1"/>
                 </a:ext>
               </a:extLst>
             </p:cNvPr>
@@ -25455,7 +28164,7 @@
                   <a16:creationId xmlns:a16="http://schemas.microsoft.com/office/drawing/2014/main" id="{332B1723-69BF-42D7-B757-0FA059E15256}"/>
                 </a:ext>
                 <a:ext uri="{C183D7F6-B498-43B3-948B-1728B52AA6E4}">
-                  <adec:decorative xmlns="" xmlns:adec="http://schemas.microsoft.com/office/drawing/2017/decorative" val="1"/>
+                  <adec:decorative xmlns:adec="http://schemas.microsoft.com/office/drawing/2017/decorative" val="1"/>
                 </a:ext>
               </a:extLst>
             </p:cNvPr>
@@ -25515,7 +28224,7 @@
                   <a16:creationId xmlns:a16="http://schemas.microsoft.com/office/drawing/2014/main" id="{F115D62D-1E96-48D1-A78D-D370A0BFB9B5}"/>
                 </a:ext>
                 <a:ext uri="{C183D7F6-B498-43B3-948B-1728B52AA6E4}">
-                  <adec:decorative xmlns="" xmlns:adec="http://schemas.microsoft.com/office/drawing/2017/decorative" val="1"/>
+                  <adec:decorative xmlns:adec="http://schemas.microsoft.com/office/drawing/2017/decorative" val="1"/>
                 </a:ext>
               </a:extLst>
             </p:cNvPr>
@@ -25581,7 +28290,7 @@
                   <a16:creationId xmlns:a16="http://schemas.microsoft.com/office/drawing/2014/main" id="{91C2876A-169D-4822-A766-C00578C88B4B}"/>
                 </a:ext>
                 <a:ext uri="{C183D7F6-B498-43B3-948B-1728B52AA6E4}">
-                  <adec:decorative xmlns="" xmlns:adec="http://schemas.microsoft.com/office/drawing/2017/decorative" val="1"/>
+                  <adec:decorative xmlns:adec="http://schemas.microsoft.com/office/drawing/2017/decorative" val="1"/>
                 </a:ext>
               </a:extLst>
             </p:cNvPr>
@@ -25679,20 +28388,12 @@
           <a:lstStyle/>
           <a:p>
             <a:r>
-              <a:rPr lang="zh-CN" altLang="en-US" sz="4000" dirty="0" smtClean="0">
-                <a:solidFill>
-                  <a:srgbClr val="FFFFFF"/>
-                </a:solidFill>
-              </a:rPr>
-              <a:t>小</a:t>
-            </a:r>
-            <a:r>
               <a:rPr lang="zh-CN" altLang="en-US" sz="4000" dirty="0">
                 <a:solidFill>
                   <a:srgbClr val="FFFFFF"/>
                 </a:solidFill>
               </a:rPr>
-              <a:t>结</a:t>
+              <a:t>小结</a:t>
             </a:r>
           </a:p>
         </p:txBody>
@@ -25746,13 +28447,6 @@
       <p:transition spd="slow" advTm="37971"/>
     </mc:Fallback>
   </mc:AlternateContent>
-  <p:timing>
-    <p:tnLst>
-      <p:par>
-        <p:cTn id="1" dur="indefinite" restart="never" nodeType="tmRoot"/>
-      </p:par>
-    </p:tnLst>
-  </p:timing>
 </p:sld>
 </file>
 
@@ -25789,7 +28483,7 @@
                 <a16:creationId xmlns:a16="http://schemas.microsoft.com/office/drawing/2014/main" id="{42285737-90EE-47DC-AC80-8AE156B11969}"/>
               </a:ext>
               <a:ext uri="{C183D7F6-B498-43B3-948B-1728B52AA6E4}">
-                <adec:decorative xmlns="" xmlns:adec="http://schemas.microsoft.com/office/drawing/2017/decorative" val="1"/>
+                <adec:decorative xmlns:adec="http://schemas.microsoft.com/office/drawing/2017/decorative" val="1"/>
               </a:ext>
             </a:extLst>
           </p:cNvPr>
@@ -25969,7 +28663,7 @@
                 <a16:creationId xmlns:a16="http://schemas.microsoft.com/office/drawing/2014/main" id="{B57BDC17-F1B3-455F-BBF1-680AA1F25C06}"/>
               </a:ext>
               <a:ext uri="{C183D7F6-B498-43B3-948B-1728B52AA6E4}">
-                <adec:decorative xmlns="" xmlns:adec="http://schemas.microsoft.com/office/drawing/2017/decorative" val="1"/>
+                <adec:decorative xmlns:adec="http://schemas.microsoft.com/office/drawing/2017/decorative" val="1"/>
               </a:ext>
             </a:extLst>
           </p:cNvPr>
@@ -26000,7 +28694,7 @@
                   <a16:creationId xmlns:a16="http://schemas.microsoft.com/office/drawing/2014/main" id="{64E2FA9A-FEF7-4501-B0EB-5E45EDD2177A}"/>
                 </a:ext>
                 <a:ext uri="{C183D7F6-B498-43B3-948B-1728B52AA6E4}">
-                  <adec:decorative xmlns="" xmlns:adec="http://schemas.microsoft.com/office/drawing/2017/decorative" val="1"/>
+                  <adec:decorative xmlns:adec="http://schemas.microsoft.com/office/drawing/2017/decorative" val="1"/>
                 </a:ext>
               </a:extLst>
             </p:cNvPr>
@@ -26061,7 +28755,7 @@
                   <a16:creationId xmlns:a16="http://schemas.microsoft.com/office/drawing/2014/main" id="{BC38192B-B4CB-47D4-A3B1-10010247F158}"/>
                 </a:ext>
                 <a:ext uri="{C183D7F6-B498-43B3-948B-1728B52AA6E4}">
-                  <adec:decorative xmlns="" xmlns:adec="http://schemas.microsoft.com/office/drawing/2017/decorative" val="1"/>
+                  <adec:decorative xmlns:adec="http://schemas.microsoft.com/office/drawing/2017/decorative" val="1"/>
                 </a:ext>
               </a:extLst>
             </p:cNvPr>
@@ -26122,7 +28816,7 @@
                   <a16:creationId xmlns:a16="http://schemas.microsoft.com/office/drawing/2014/main" id="{96330E33-E171-4B0F-82B5-AF7230399B5C}"/>
                 </a:ext>
                 <a:ext uri="{C183D7F6-B498-43B3-948B-1728B52AA6E4}">
-                  <adec:decorative xmlns="" xmlns:adec="http://schemas.microsoft.com/office/drawing/2017/decorative" val="1"/>
+                  <adec:decorative xmlns:adec="http://schemas.microsoft.com/office/drawing/2017/decorative" val="1"/>
                 </a:ext>
               </a:extLst>
             </p:cNvPr>
@@ -26180,7 +28874,7 @@
                   <a16:creationId xmlns:a16="http://schemas.microsoft.com/office/drawing/2014/main" id="{332B1723-69BF-42D7-B757-0FA059E15256}"/>
                 </a:ext>
                 <a:ext uri="{C183D7F6-B498-43B3-948B-1728B52AA6E4}">
-                  <adec:decorative xmlns="" xmlns:adec="http://schemas.microsoft.com/office/drawing/2017/decorative" val="1"/>
+                  <adec:decorative xmlns:adec="http://schemas.microsoft.com/office/drawing/2017/decorative" val="1"/>
                 </a:ext>
               </a:extLst>
             </p:cNvPr>
@@ -26240,7 +28934,7 @@
                   <a16:creationId xmlns:a16="http://schemas.microsoft.com/office/drawing/2014/main" id="{F115D62D-1E96-48D1-A78D-D370A0BFB9B5}"/>
                 </a:ext>
                 <a:ext uri="{C183D7F6-B498-43B3-948B-1728B52AA6E4}">
-                  <adec:decorative xmlns="" xmlns:adec="http://schemas.microsoft.com/office/drawing/2017/decorative" val="1"/>
+                  <adec:decorative xmlns:adec="http://schemas.microsoft.com/office/drawing/2017/decorative" val="1"/>
                 </a:ext>
               </a:extLst>
             </p:cNvPr>
@@ -26306,7 +29000,7 @@
                   <a16:creationId xmlns:a16="http://schemas.microsoft.com/office/drawing/2014/main" id="{91C2876A-169D-4822-A766-C00578C88B4B}"/>
                 </a:ext>
                 <a:ext uri="{C183D7F6-B498-43B3-948B-1728B52AA6E4}">
-                  <adec:decorative xmlns="" xmlns:adec="http://schemas.microsoft.com/office/drawing/2017/decorative" val="1"/>
+                  <adec:decorative xmlns:adec="http://schemas.microsoft.com/office/drawing/2017/decorative" val="1"/>
                 </a:ext>
               </a:extLst>
             </p:cNvPr>
@@ -26398,20 +29092,12 @@
           <a:lstStyle/>
           <a:p>
             <a:r>
-              <a:rPr lang="zh-CN" altLang="en-US" sz="4000" dirty="0" smtClean="0">
-                <a:solidFill>
-                  <a:srgbClr val="FFFFFF"/>
-                </a:solidFill>
-              </a:rPr>
-              <a:t>分类模型典</a:t>
-            </a:r>
-            <a:r>
               <a:rPr lang="zh-CN" altLang="en-US" sz="4000" dirty="0">
                 <a:solidFill>
                   <a:srgbClr val="FFFFFF"/>
                 </a:solidFill>
               </a:rPr>
-              <a:t>型应用场景</a:t>
+              <a:t>分类模型典型应用场景</a:t>
             </a:r>
             <a:endParaRPr lang="en-US" sz="4000" dirty="0">
               <a:solidFill>
@@ -26470,13 +29156,6 @@
       <p:transition spd="slow" advTm="113131"/>
     </mc:Fallback>
   </mc:AlternateContent>
-  <p:timing>
-    <p:tnLst>
-      <p:par>
-        <p:cTn id="1" dur="indefinite" restart="never" nodeType="tmRoot"/>
-      </p:par>
-    </p:tnLst>
-  </p:timing>
 </p:sld>
 </file>
 
@@ -26513,7 +29192,7 @@
                 <a16:creationId xmlns:a16="http://schemas.microsoft.com/office/drawing/2014/main" id="{42285737-90EE-47DC-AC80-8AE156B11969}"/>
               </a:ext>
               <a:ext uri="{C183D7F6-B498-43B3-948B-1728B52AA6E4}">
-                <adec:decorative xmlns="" xmlns:adec="http://schemas.microsoft.com/office/drawing/2017/decorative" val="1"/>
+                <adec:decorative xmlns:adec="http://schemas.microsoft.com/office/drawing/2017/decorative" val="1"/>
               </a:ext>
             </a:extLst>
           </p:cNvPr>
@@ -26693,7 +29372,7 @@
                 <a16:creationId xmlns:a16="http://schemas.microsoft.com/office/drawing/2014/main" id="{B57BDC17-F1B3-455F-BBF1-680AA1F25C06}"/>
               </a:ext>
               <a:ext uri="{C183D7F6-B498-43B3-948B-1728B52AA6E4}">
-                <adec:decorative xmlns="" xmlns:adec="http://schemas.microsoft.com/office/drawing/2017/decorative" val="1"/>
+                <adec:decorative xmlns:adec="http://schemas.microsoft.com/office/drawing/2017/decorative" val="1"/>
               </a:ext>
             </a:extLst>
           </p:cNvPr>
@@ -26724,7 +29403,7 @@
                   <a16:creationId xmlns:a16="http://schemas.microsoft.com/office/drawing/2014/main" id="{64E2FA9A-FEF7-4501-B0EB-5E45EDD2177A}"/>
                 </a:ext>
                 <a:ext uri="{C183D7F6-B498-43B3-948B-1728B52AA6E4}">
-                  <adec:decorative xmlns="" xmlns:adec="http://schemas.microsoft.com/office/drawing/2017/decorative" val="1"/>
+                  <adec:decorative xmlns:adec="http://schemas.microsoft.com/office/drawing/2017/decorative" val="1"/>
                 </a:ext>
               </a:extLst>
             </p:cNvPr>
@@ -26785,7 +29464,7 @@
                   <a16:creationId xmlns:a16="http://schemas.microsoft.com/office/drawing/2014/main" id="{BC38192B-B4CB-47D4-A3B1-10010247F158}"/>
                 </a:ext>
                 <a:ext uri="{C183D7F6-B498-43B3-948B-1728B52AA6E4}">
-                  <adec:decorative xmlns="" xmlns:adec="http://schemas.microsoft.com/office/drawing/2017/decorative" val="1"/>
+                  <adec:decorative xmlns:adec="http://schemas.microsoft.com/office/drawing/2017/decorative" val="1"/>
                 </a:ext>
               </a:extLst>
             </p:cNvPr>
@@ -26846,7 +29525,7 @@
                   <a16:creationId xmlns:a16="http://schemas.microsoft.com/office/drawing/2014/main" id="{96330E33-E171-4B0F-82B5-AF7230399B5C}"/>
                 </a:ext>
                 <a:ext uri="{C183D7F6-B498-43B3-948B-1728B52AA6E4}">
-                  <adec:decorative xmlns="" xmlns:adec="http://schemas.microsoft.com/office/drawing/2017/decorative" val="1"/>
+                  <adec:decorative xmlns:adec="http://schemas.microsoft.com/office/drawing/2017/decorative" val="1"/>
                 </a:ext>
               </a:extLst>
             </p:cNvPr>
@@ -26904,7 +29583,7 @@
                   <a16:creationId xmlns:a16="http://schemas.microsoft.com/office/drawing/2014/main" id="{332B1723-69BF-42D7-B757-0FA059E15256}"/>
                 </a:ext>
                 <a:ext uri="{C183D7F6-B498-43B3-948B-1728B52AA6E4}">
-                  <adec:decorative xmlns="" xmlns:adec="http://schemas.microsoft.com/office/drawing/2017/decorative" val="1"/>
+                  <adec:decorative xmlns:adec="http://schemas.microsoft.com/office/drawing/2017/decorative" val="1"/>
                 </a:ext>
               </a:extLst>
             </p:cNvPr>
@@ -26964,7 +29643,7 @@
                   <a16:creationId xmlns:a16="http://schemas.microsoft.com/office/drawing/2014/main" id="{F115D62D-1E96-48D1-A78D-D370A0BFB9B5}"/>
                 </a:ext>
                 <a:ext uri="{C183D7F6-B498-43B3-948B-1728B52AA6E4}">
-                  <adec:decorative xmlns="" xmlns:adec="http://schemas.microsoft.com/office/drawing/2017/decorative" val="1"/>
+                  <adec:decorative xmlns:adec="http://schemas.microsoft.com/office/drawing/2017/decorative" val="1"/>
                 </a:ext>
               </a:extLst>
             </p:cNvPr>
@@ -27030,7 +29709,7 @@
                   <a16:creationId xmlns:a16="http://schemas.microsoft.com/office/drawing/2014/main" id="{91C2876A-169D-4822-A766-C00578C88B4B}"/>
                 </a:ext>
                 <a:ext uri="{C183D7F6-B498-43B3-948B-1728B52AA6E4}">
-                  <adec:decorative xmlns="" xmlns:adec="http://schemas.microsoft.com/office/drawing/2017/decorative" val="1"/>
+                  <adec:decorative xmlns:adec="http://schemas.microsoft.com/office/drawing/2017/decorative" val="1"/>
                 </a:ext>
               </a:extLst>
             </p:cNvPr>
@@ -27187,13 +29866,6 @@
       <p:transition spd="slow" advTm="39311"/>
     </mc:Fallback>
   </mc:AlternateContent>
-  <p:timing>
-    <p:tnLst>
-      <p:par>
-        <p:cTn id="1" dur="indefinite" restart="never" nodeType="tmRoot"/>
-      </p:par>
-    </p:tnLst>
-  </p:timing>
 </p:sld>
 </file>
 
@@ -27277,15 +29949,7 @@
           <a:p>
             <a:r>
               <a:rPr lang="zh-CN" altLang="en-US" sz="3200" dirty="0"/>
-              <a:t>某医院使用其患者数据，建立了两</a:t>
-            </a:r>
-            <a:r>
-              <a:rPr lang="zh-CN" altLang="en-US" sz="3200" dirty="0" smtClean="0"/>
-              <a:t>个分类模</a:t>
-            </a:r>
-            <a:r>
-              <a:rPr lang="zh-CN" altLang="en-US" sz="3200" dirty="0"/>
-              <a:t>型</a:t>
+              <a:t>某医院使用其患者数据，建立了两个分类模型</a:t>
             </a:r>
             <a:r>
               <a:rPr lang="en-US" altLang="zh-CN" sz="3200" dirty="0"/>
@@ -27320,15 +29984,7 @@
             </a:r>
             <a:r>
               <a:rPr lang="zh-CN" altLang="en-US" sz="3200" dirty="0"/>
-              <a:t>而言，哪</a:t>
-            </a:r>
-            <a:r>
-              <a:rPr lang="zh-CN" altLang="en-US" sz="3200" dirty="0" smtClean="0"/>
-              <a:t>个分类模</a:t>
-            </a:r>
-            <a:r>
-              <a:rPr lang="zh-CN" altLang="en-US" sz="3200" dirty="0"/>
-              <a:t>型效果更好？</a:t>
+              <a:t>而言，哪个分类模型效果更好？</a:t>
             </a:r>
             <a:endParaRPr lang="en-US" altLang="zh-CN" sz="3200" dirty="0"/>
           </a:p>
@@ -27347,15 +30003,7 @@
             </a:r>
             <a:r>
               <a:rPr lang="zh-CN" altLang="en-US" sz="3200" dirty="0"/>
-              <a:t>而言，哪</a:t>
-            </a:r>
-            <a:r>
-              <a:rPr lang="zh-CN" altLang="en-US" sz="3200" dirty="0" smtClean="0"/>
-              <a:t>个分类模</a:t>
-            </a:r>
-            <a:r>
-              <a:rPr lang="zh-CN" altLang="en-US" sz="3200" dirty="0"/>
-              <a:t>型效果更好？</a:t>
+              <a:t>而言，哪个分类模型效果更好？</a:t>
             </a:r>
             <a:endParaRPr lang="en-US" altLang="zh-CN" sz="3200" dirty="0"/>
           </a:p>
@@ -27372,7 +30020,7 @@
                 <a16:creationId xmlns:a16="http://schemas.microsoft.com/office/drawing/2014/main" id="{59A309A7-1751-4ABE-A3C1-EEC40366AD89}"/>
               </a:ext>
               <a:ext uri="{C183D7F6-B498-43B3-948B-1728B52AA6E4}">
-                <adec:decorative xmlns="" xmlns:adec="http://schemas.microsoft.com/office/drawing/2017/decorative" val="1"/>
+                <adec:decorative xmlns:adec="http://schemas.microsoft.com/office/drawing/2017/decorative" val="1"/>
               </a:ext>
             </a:extLst>
           </p:cNvPr>
@@ -27435,7 +30083,7 @@
                 <a16:creationId xmlns:a16="http://schemas.microsoft.com/office/drawing/2014/main" id="{967D8EB6-EAE1-4F9C-B398-83321E287204}"/>
               </a:ext>
               <a:ext uri="{C183D7F6-B498-43B3-948B-1728B52AA6E4}">
-                <adec:decorative xmlns="" xmlns:adec="http://schemas.microsoft.com/office/drawing/2017/decorative" val="1"/>
+                <adec:decorative xmlns:adec="http://schemas.microsoft.com/office/drawing/2017/decorative" val="1"/>
               </a:ext>
             </a:extLst>
           </p:cNvPr>
@@ -27513,7 +30161,7 @@
                 <a14:useLocalDpi xmlns:a14="http://schemas.microsoft.com/office/drawing/2010/main" val="0"/>
               </a:ext>
               <a:ext uri="{96DAC541-7B7A-43D3-8B79-37D633B846F1}">
-                <asvg:svgBlip xmlns="" xmlns:asvg="http://schemas.microsoft.com/office/drawing/2016/SVG/main" r:embed="rId3"/>
+                <asvg:svgBlip xmlns:asvg="http://schemas.microsoft.com/office/drawing/2016/SVG/main" r:embed="rId3"/>
               </a:ext>
             </a:extLst>
           </a:blip>
@@ -27549,13 +30197,6 @@
       <p:transition spd="slow" advTm="31810"/>
     </mc:Fallback>
   </mc:AlternateContent>
-  <p:timing>
-    <p:tnLst>
-      <p:par>
-        <p:cTn id="1" dur="indefinite" restart="never" nodeType="tmRoot"/>
-      </p:par>
-    </p:tnLst>
-  </p:timing>
 </p:sld>
 </file>
 
@@ -27592,7 +30233,7 @@
                 <a16:creationId xmlns:a16="http://schemas.microsoft.com/office/drawing/2014/main" id="{823AC064-BC96-4F32-8AE1-B2FD38754823}"/>
               </a:ext>
               <a:ext uri="{C183D7F6-B498-43B3-948B-1728B52AA6E4}">
-                <adec:decorative xmlns="" xmlns:adec="http://schemas.microsoft.com/office/drawing/2017/decorative" val="1"/>
+                <adec:decorative xmlns:adec="http://schemas.microsoft.com/office/drawing/2017/decorative" val="1"/>
               </a:ext>
             </a:extLst>
           </p:cNvPr>
@@ -27708,17 +30349,6 @@
           <a:p>
             <a:pPr algn="ctr"/>
             <a:r>
-              <a:rPr lang="zh-CN" altLang="en-US" sz="5400" kern="1200" dirty="0" smtClean="0">
-                <a:solidFill>
-                  <a:srgbClr val="FFFFFF"/>
-                </a:solidFill>
-                <a:latin typeface="+mj-lt"/>
-                <a:ea typeface="+mj-ea"/>
-                <a:cs typeface="+mj-cs"/>
-              </a:rPr>
-              <a:t>分类模</a:t>
-            </a:r>
-            <a:r>
               <a:rPr lang="zh-CN" altLang="en-US" sz="5400" kern="1200" dirty="0">
                 <a:solidFill>
                   <a:srgbClr val="FFFFFF"/>
@@ -27727,7 +30357,7 @@
                 <a:ea typeface="+mj-ea"/>
                 <a:cs typeface="+mj-cs"/>
               </a:rPr>
-              <a:t>型</a:t>
+              <a:t>分类模型</a:t>
             </a:r>
             <a:r>
               <a:rPr lang="en-US" altLang="zh-CN" sz="5400" kern="1200" dirty="0">
@@ -27751,7 +30381,7 @@
                 <a16:creationId xmlns:a16="http://schemas.microsoft.com/office/drawing/2014/main" id="{7E7C77BC-7138-40B1-A15B-20F57A494629}"/>
               </a:ext>
               <a:ext uri="{C183D7F6-B498-43B3-948B-1728B52AA6E4}">
-                <adec:decorative xmlns="" xmlns:adec="http://schemas.microsoft.com/office/drawing/2017/decorative" val="1"/>
+                <adec:decorative xmlns:adec="http://schemas.microsoft.com/office/drawing/2017/decorative" val="1"/>
               </a:ext>
             </a:extLst>
           </p:cNvPr>
@@ -27842,13 +30472,6 @@
       <p:transition spd="slow" advTm="73716"/>
     </mc:Fallback>
   </mc:AlternateContent>
-  <p:timing>
-    <p:tnLst>
-      <p:par>
-        <p:cTn id="1" dur="indefinite" restart="never" nodeType="tmRoot"/>
-      </p:par>
-    </p:tnLst>
-  </p:timing>
 </p:sld>
 </file>
 
@@ -27885,7 +30508,7 @@
                 <a16:creationId xmlns:a16="http://schemas.microsoft.com/office/drawing/2014/main" id="{823AC064-BC96-4F32-8AE1-B2FD38754823}"/>
               </a:ext>
               <a:ext uri="{C183D7F6-B498-43B3-948B-1728B52AA6E4}">
-                <adec:decorative xmlns="" xmlns:adec="http://schemas.microsoft.com/office/drawing/2017/decorative" val="1"/>
+                <adec:decorative xmlns:adec="http://schemas.microsoft.com/office/drawing/2017/decorative" val="1"/>
               </a:ext>
             </a:extLst>
           </p:cNvPr>
@@ -28001,17 +30624,6 @@
           <a:p>
             <a:pPr algn="ctr"/>
             <a:r>
-              <a:rPr lang="zh-CN" altLang="en-US" sz="5400" kern="1200" dirty="0" smtClean="0">
-                <a:solidFill>
-                  <a:srgbClr val="FFFFFF"/>
-                </a:solidFill>
-                <a:latin typeface="+mj-lt"/>
-                <a:ea typeface="+mj-ea"/>
-                <a:cs typeface="+mj-cs"/>
-              </a:rPr>
-              <a:t>分类模</a:t>
-            </a:r>
-            <a:r>
               <a:rPr lang="zh-CN" altLang="en-US" sz="5400" kern="1200" dirty="0">
                 <a:solidFill>
                   <a:srgbClr val="FFFFFF"/>
@@ -28020,7 +30632,7 @@
                 <a:ea typeface="+mj-ea"/>
                 <a:cs typeface="+mj-cs"/>
               </a:rPr>
-              <a:t>型</a:t>
+              <a:t>分类模型</a:t>
             </a:r>
             <a:r>
               <a:rPr lang="en-US" altLang="zh-CN" sz="5400" kern="1200" dirty="0">
@@ -28044,7 +30656,7 @@
                 <a16:creationId xmlns:a16="http://schemas.microsoft.com/office/drawing/2014/main" id="{7E7C77BC-7138-40B1-A15B-20F57A494629}"/>
               </a:ext>
               <a:ext uri="{C183D7F6-B498-43B3-948B-1728B52AA6E4}">
-                <adec:decorative xmlns="" xmlns:adec="http://schemas.microsoft.com/office/drawing/2017/decorative" val="1"/>
+                <adec:decorative xmlns:adec="http://schemas.microsoft.com/office/drawing/2017/decorative" val="1"/>
               </a:ext>
             </a:extLst>
           </p:cNvPr>
@@ -28136,13 +30748,6 @@
       <p:transition spd="slow" advTm="5498"/>
     </mc:Fallback>
   </mc:AlternateContent>
-  <p:timing>
-    <p:tnLst>
-      <p:par>
-        <p:cTn id="1" dur="indefinite" restart="never" nodeType="tmRoot"/>
-      </p:par>
-    </p:tnLst>
-  </p:timing>
 </p:sld>
 </file>
 
@@ -28312,7 +30917,7 @@
                 <a16:creationId xmlns:a16="http://schemas.microsoft.com/office/drawing/2014/main" id="{59A309A7-1751-4ABE-A3C1-EEC40366AD89}"/>
               </a:ext>
               <a:ext uri="{C183D7F6-B498-43B3-948B-1728B52AA6E4}">
-                <adec:decorative xmlns="" xmlns:adec="http://schemas.microsoft.com/office/drawing/2017/decorative" val="1"/>
+                <adec:decorative xmlns:adec="http://schemas.microsoft.com/office/drawing/2017/decorative" val="1"/>
               </a:ext>
             </a:extLst>
           </p:cNvPr>
@@ -28375,7 +30980,7 @@
                 <a16:creationId xmlns:a16="http://schemas.microsoft.com/office/drawing/2014/main" id="{967D8EB6-EAE1-4F9C-B398-83321E287204}"/>
               </a:ext>
               <a:ext uri="{C183D7F6-B498-43B3-948B-1728B52AA6E4}">
-                <adec:decorative xmlns="" xmlns:adec="http://schemas.microsoft.com/office/drawing/2017/decorative" val="1"/>
+                <adec:decorative xmlns:adec="http://schemas.microsoft.com/office/drawing/2017/decorative" val="1"/>
               </a:ext>
             </a:extLst>
           </p:cNvPr>
@@ -28453,7 +31058,7 @@
                 <a14:useLocalDpi xmlns:a14="http://schemas.microsoft.com/office/drawing/2010/main" val="0"/>
               </a:ext>
               <a:ext uri="{96DAC541-7B7A-43D3-8B79-37D633B846F1}">
-                <asvg:svgBlip xmlns="" xmlns:asvg="http://schemas.microsoft.com/office/drawing/2016/SVG/main" r:embed="rId3"/>
+                <asvg:svgBlip xmlns:asvg="http://schemas.microsoft.com/office/drawing/2016/SVG/main" r:embed="rId3"/>
               </a:ext>
             </a:extLst>
           </a:blip>
@@ -28489,13 +31094,6 @@
       <p:transition spd="slow" advTm="33625"/>
     </mc:Fallback>
   </mc:AlternateContent>
-  <p:timing>
-    <p:tnLst>
-      <p:par>
-        <p:cTn id="1" dur="indefinite" restart="never" nodeType="tmRoot"/>
-      </p:par>
-    </p:tnLst>
-  </p:timing>
 </p:sld>
 </file>
 
@@ -28623,13 +31221,6 @@
       <p:transition spd="slow" advTm="87193"/>
     </mc:Fallback>
   </mc:AlternateContent>
-  <p:timing>
-    <p:tnLst>
-      <p:par>
-        <p:cTn id="1" dur="indefinite" restart="never" nodeType="tmRoot"/>
-      </p:par>
-    </p:tnLst>
-  </p:timing>
 </p:sld>
 </file>
 
